--- a/4_Presentation/2024-01-09_presentation.pptx
+++ b/4_Presentation/2024-01-09_presentation.pptx
@@ -1,27 +1,72 @@
 
 <file path=ppt/presentation.xml><?xml version="1.0" encoding="utf-8"?>
-<p:presentation xmlns:a="http://schemas.openxmlformats.org/drawingml/2006/main" xmlns:r="http://schemas.openxmlformats.org/officeDocument/2006/relationships" xmlns:p="http://schemas.openxmlformats.org/presentationml/2006/main" showSpecialPlsOnTitleSld="0" saveSubsetFonts="1" autoCompressPictures="0">
+<p:presentation xmlns:a="http://schemas.openxmlformats.org/drawingml/2006/main" xmlns:r="http://schemas.openxmlformats.org/officeDocument/2006/relationships" xmlns:p="http://schemas.openxmlformats.org/presentationml/2006/main" showSpecialPlsOnTitleSld="0" embedTrueTypeFonts="1" saveSubsetFonts="1" autoCompressPictures="0">
   <p:sldMasterIdLst>
     <p:sldMasterId id="2147483648" r:id="rId1"/>
   </p:sldMasterIdLst>
   <p:notesMasterIdLst>
-    <p:notesMasterId r:id="rId13"/>
+    <p:notesMasterId r:id="rId18"/>
   </p:notesMasterIdLst>
   <p:sldIdLst>
     <p:sldId id="256" r:id="rId2"/>
     <p:sldId id="364" r:id="rId3"/>
     <p:sldId id="365" r:id="rId4"/>
     <p:sldId id="352" r:id="rId5"/>
-    <p:sldId id="355" r:id="rId6"/>
-    <p:sldId id="357" r:id="rId7"/>
-    <p:sldId id="356" r:id="rId8"/>
-    <p:sldId id="360" r:id="rId9"/>
-    <p:sldId id="361" r:id="rId10"/>
-    <p:sldId id="362" r:id="rId11"/>
-    <p:sldId id="363" r:id="rId12"/>
+    <p:sldId id="371" r:id="rId6"/>
+    <p:sldId id="372" r:id="rId7"/>
+    <p:sldId id="367" r:id="rId8"/>
+    <p:sldId id="368" r:id="rId9"/>
+    <p:sldId id="357" r:id="rId10"/>
+    <p:sldId id="356" r:id="rId11"/>
+    <p:sldId id="360" r:id="rId12"/>
+    <p:sldId id="361" r:id="rId13"/>
+    <p:sldId id="362" r:id="rId14"/>
+    <p:sldId id="363" r:id="rId15"/>
+    <p:sldId id="370" r:id="rId16"/>
+    <p:sldId id="369" r:id="rId17"/>
   </p:sldIdLst>
   <p:sldSz cx="12192000" cy="6858000"/>
   <p:notesSz cx="6858000" cy="9144000"/>
+  <p:embeddedFontLst>
+    <p:embeddedFont>
+      <p:font typeface="Avenir Heavy" panose="02000503020000020003" pitchFamily="2" charset="0"/>
+      <p:bold r:id="rId19"/>
+      <p:italic r:id="rId20"/>
+      <p:boldItalic r:id="rId21"/>
+    </p:embeddedFont>
+    <p:embeddedFont>
+      <p:font typeface="Avenir Medium" panose="02000503020000020003" pitchFamily="2" charset="0"/>
+      <p:regular r:id="rId22"/>
+      <p:italic r:id="rId23"/>
+    </p:embeddedFont>
+    <p:embeddedFont>
+      <p:font typeface="JetBrains Mono" panose="02000009000000000000" pitchFamily="49" charset="0"/>
+      <p:regular r:id="rId24"/>
+      <p:bold r:id="rId25"/>
+      <p:italic r:id="rId26"/>
+      <p:boldItalic r:id="rId27"/>
+    </p:embeddedFont>
+    <p:embeddedFont>
+      <p:font typeface="Verdana Pro" panose="020B0604030504040204" pitchFamily="34" charset="0"/>
+      <p:regular r:id="rId28"/>
+      <p:bold r:id="rId29"/>
+      <p:italic r:id="rId30"/>
+      <p:boldItalic r:id="rId31"/>
+    </p:embeddedFont>
+    <p:embeddedFont>
+      <p:font typeface="Verdana Pro Black" panose="020B0604030504040204" pitchFamily="34" charset="0"/>
+      <p:bold r:id="rId32"/>
+      <p:italic r:id="rId33"/>
+      <p:boldItalic r:id="rId34"/>
+    </p:embeddedFont>
+    <p:embeddedFont>
+      <p:font typeface="Verdana Pro Semibold" panose="020B0604030504040204" pitchFamily="34" charset="0"/>
+      <p:regular r:id="rId35"/>
+      <p:bold r:id="rId36"/>
+      <p:italic r:id="rId37"/>
+      <p:boldItalic r:id="rId38"/>
+    </p:embeddedFont>
+  </p:embeddedFontLst>
   <p:defaultTextStyle>
     <a:defPPr>
       <a:defRPr lang="en-DE"/>
@@ -212,7 +257,7 @@
             <a:fld id="{26127E39-6CF5-D44E-8E83-DC46742C04B1}" type="datetimeFigureOut">
               <a:rPr lang="en-DE" smtClean="0"/>
               <a:pPr/>
-              <a:t>15.01.24</a:t>
+              <a:t>22.01.24</a:t>
             </a:fld>
             <a:endParaRPr lang="en-DE" dirty="0"/>
           </a:p>
@@ -613,7 +658,7 @@
           <a:lstStyle>
             <a:lvl1pPr algn="l">
               <a:defRPr sz="6000" b="1" i="0">
-                <a:latin typeface="Verdana Pro" panose="020B0604030504040204" pitchFamily="34" charset="0"/>
+                <a:latin typeface="Verdana Pro Black" panose="020B0604030504040204" pitchFamily="34" charset="0"/>
               </a:defRPr>
             </a:lvl1pPr>
           </a:lstStyle>
@@ -701,35 +746,6 @@
       </p:sp>
       <p:sp>
         <p:nvSpPr>
-          <p:cNvPr id="5" name="Footer Placeholder 4">
-            <a:extLst>
-              <a:ext uri="{FF2B5EF4-FFF2-40B4-BE49-F238E27FC236}">
-                <a16:creationId xmlns:a16="http://schemas.microsoft.com/office/drawing/2014/main" id="{FDC2ECD9-73C9-49AF-8384-431CEAD63C71}"/>
-              </a:ext>
-            </a:extLst>
-          </p:cNvPr>
-          <p:cNvSpPr>
-            <a:spLocks noGrp="1"/>
-          </p:cNvSpPr>
-          <p:nvPr>
-            <p:ph type="ftr" sz="quarter" idx="11"/>
-          </p:nvPr>
-        </p:nvSpPr>
-        <p:spPr/>
-        <p:txBody>
-          <a:bodyPr/>
-          <a:lstStyle>
-            <a:lvl1pPr>
-              <a:defRPr b="0" i="0"/>
-            </a:lvl1pPr>
-          </a:lstStyle>
-          <a:p>
-            <a:endParaRPr lang="en-DE" dirty="0"/>
-          </a:p>
-        </p:txBody>
-      </p:sp>
-      <p:sp>
-        <p:nvSpPr>
           <p:cNvPr id="6" name="Slide Number Placeholder 5">
             <a:extLst>
               <a:ext uri="{FF2B5EF4-FFF2-40B4-BE49-F238E27FC236}">
@@ -859,6 +875,42 @@
               <a:rPr lang="en-GB" dirty="0"/>
               <a:t>Fifth level</a:t>
             </a:r>
+            <a:endParaRPr lang="en-DE" dirty="0"/>
+          </a:p>
+        </p:txBody>
+      </p:sp>
+      <p:sp>
+        <p:nvSpPr>
+          <p:cNvPr id="4" name="Footer Placeholder 4">
+            <a:extLst>
+              <a:ext uri="{FF2B5EF4-FFF2-40B4-BE49-F238E27FC236}">
+                <a16:creationId xmlns:a16="http://schemas.microsoft.com/office/drawing/2014/main" id="{62A629DA-F25F-24A9-80EA-360E0192A327}"/>
+              </a:ext>
+            </a:extLst>
+          </p:cNvPr>
+          <p:cNvSpPr>
+            <a:spLocks noGrp="1"/>
+          </p:cNvSpPr>
+          <p:nvPr>
+            <p:ph type="ftr" sz="quarter" idx="11"/>
+          </p:nvPr>
+        </p:nvSpPr>
+        <p:spPr>
+          <a:xfrm>
+            <a:off x="4038600" y="6460780"/>
+            <a:ext cx="4114800" cy="365125"/>
+          </a:xfrm>
+        </p:spPr>
+        <p:txBody>
+          <a:bodyPr/>
+          <a:lstStyle>
+            <a:lvl1pPr>
+              <a:defRPr b="0" i="0">
+                <a:latin typeface="Verdana Pro" panose="020B0604030504040204" pitchFamily="34" charset="0"/>
+              </a:defRPr>
+            </a:lvl1pPr>
+          </a:lstStyle>
+          <a:p>
             <a:endParaRPr lang="en-DE" dirty="0"/>
           </a:p>
         </p:txBody>
@@ -926,7 +978,9 @@
           <a:bodyPr/>
           <a:lstStyle>
             <a:lvl1pPr>
-              <a:defRPr b="0" i="0"/>
+              <a:defRPr b="1" i="0">
+                <a:latin typeface="Verdana Pro" panose="020B0604030504040204" pitchFamily="34" charset="0"/>
+              </a:defRPr>
             </a:lvl1pPr>
           </a:lstStyle>
           <a:p>
@@ -960,27 +1014,27 @@
           <a:lstStyle>
             <a:lvl1pPr>
               <a:defRPr b="1" i="0">
-                <a:latin typeface="Avenir Heavy" panose="02000503020000020003" pitchFamily="2" charset="0"/>
+                <a:latin typeface="Verdana Pro" panose="020B0604030504040204" pitchFamily="34" charset="0"/>
               </a:defRPr>
             </a:lvl1pPr>
             <a:lvl2pPr>
               <a:defRPr b="1" i="0">
-                <a:latin typeface="Avenir Heavy" panose="02000503020000020003" pitchFamily="2" charset="0"/>
+                <a:latin typeface="Verdana Pro" panose="020B0604030504040204" pitchFamily="34" charset="0"/>
               </a:defRPr>
             </a:lvl2pPr>
             <a:lvl3pPr>
               <a:defRPr b="1" i="0">
-                <a:latin typeface="Avenir Heavy" panose="02000503020000020003" pitchFamily="2" charset="0"/>
+                <a:latin typeface="Verdana Pro" panose="020B0604030504040204" pitchFamily="34" charset="0"/>
               </a:defRPr>
             </a:lvl3pPr>
             <a:lvl4pPr>
               <a:defRPr b="1" i="0">
-                <a:latin typeface="Avenir Heavy" panose="02000503020000020003" pitchFamily="2" charset="0"/>
+                <a:latin typeface="Verdana Pro" panose="020B0604030504040204" pitchFamily="34" charset="0"/>
               </a:defRPr>
             </a:lvl4pPr>
             <a:lvl5pPr>
               <a:defRPr b="1" i="0">
-                <a:latin typeface="Avenir Heavy" panose="02000503020000020003" pitchFamily="2" charset="0"/>
+                <a:latin typeface="Verdana Pro" panose="020B0604030504040204" pitchFamily="34" charset="0"/>
               </a:defRPr>
             </a:lvl5pPr>
           </a:lstStyle>
@@ -1018,35 +1072,6 @@
               <a:rPr lang="en-GB" dirty="0"/>
               <a:t>Fifth level</a:t>
             </a:r>
-            <a:endParaRPr lang="en-DE" dirty="0"/>
-          </a:p>
-        </p:txBody>
-      </p:sp>
-      <p:sp>
-        <p:nvSpPr>
-          <p:cNvPr id="5" name="Footer Placeholder 4">
-            <a:extLst>
-              <a:ext uri="{FF2B5EF4-FFF2-40B4-BE49-F238E27FC236}">
-                <a16:creationId xmlns:a16="http://schemas.microsoft.com/office/drawing/2014/main" id="{6F92ADD1-B757-B054-247A-9590BD9AFBB7}"/>
-              </a:ext>
-            </a:extLst>
-          </p:cNvPr>
-          <p:cNvSpPr>
-            <a:spLocks noGrp="1"/>
-          </p:cNvSpPr>
-          <p:nvPr>
-            <p:ph type="ftr" sz="quarter" idx="11"/>
-          </p:nvPr>
-        </p:nvSpPr>
-        <p:spPr/>
-        <p:txBody>
-          <a:bodyPr/>
-          <a:lstStyle>
-            <a:lvl1pPr>
-              <a:defRPr b="0" i="0"/>
-            </a:lvl1pPr>
-          </a:lstStyle>
-          <a:p>
             <a:endParaRPr lang="en-DE" dirty="0"/>
           </a:p>
         </p:txBody>
@@ -1182,6 +1207,42 @@
               <a:rPr lang="en-GB" dirty="0"/>
               <a:t>Fifth level</a:t>
             </a:r>
+            <a:endParaRPr lang="en-DE" dirty="0"/>
+          </a:p>
+        </p:txBody>
+      </p:sp>
+      <p:sp>
+        <p:nvSpPr>
+          <p:cNvPr id="4" name="Footer Placeholder 4">
+            <a:extLst>
+              <a:ext uri="{FF2B5EF4-FFF2-40B4-BE49-F238E27FC236}">
+                <a16:creationId xmlns:a16="http://schemas.microsoft.com/office/drawing/2014/main" id="{B8BBBFC1-FF05-C46A-369B-80F19B65DC72}"/>
+              </a:ext>
+            </a:extLst>
+          </p:cNvPr>
+          <p:cNvSpPr>
+            <a:spLocks noGrp="1"/>
+          </p:cNvSpPr>
+          <p:nvPr>
+            <p:ph type="ftr" sz="quarter" idx="11"/>
+          </p:nvPr>
+        </p:nvSpPr>
+        <p:spPr>
+          <a:xfrm>
+            <a:off x="4038600" y="6460780"/>
+            <a:ext cx="4114800" cy="365125"/>
+          </a:xfrm>
+        </p:spPr>
+        <p:txBody>
+          <a:bodyPr/>
+          <a:lstStyle>
+            <a:lvl1pPr>
+              <a:defRPr b="0" i="0">
+                <a:latin typeface="Verdana Pro" panose="020B0604030504040204" pitchFamily="34" charset="0"/>
+              </a:defRPr>
+            </a:lvl1pPr>
+          </a:lstStyle>
+          <a:p>
             <a:endParaRPr lang="en-DE" dirty="0"/>
           </a:p>
         </p:txBody>
@@ -1254,7 +1315,9 @@
           <a:bodyPr vert="eaVert"/>
           <a:lstStyle>
             <a:lvl1pPr>
-              <a:defRPr b="0" i="0"/>
+              <a:defRPr b="1" i="0">
+                <a:latin typeface="Verdana Pro" panose="020B0604030504040204" pitchFamily="34" charset="0"/>
+              </a:defRPr>
             </a:lvl1pPr>
           </a:lstStyle>
           <a:p>
@@ -1293,27 +1356,27 @@
           <a:lstStyle>
             <a:lvl1pPr>
               <a:defRPr b="1" i="0">
-                <a:latin typeface="Avenir Heavy" panose="02000503020000020003" pitchFamily="2" charset="0"/>
+                <a:latin typeface="Verdana Pro Semibold" panose="020B0604030504040204" pitchFamily="34" charset="0"/>
               </a:defRPr>
             </a:lvl1pPr>
             <a:lvl2pPr>
               <a:defRPr b="1" i="0">
-                <a:latin typeface="Avenir Heavy" panose="02000503020000020003" pitchFamily="2" charset="0"/>
+                <a:latin typeface="Verdana Pro Semibold" panose="020B0604030504040204" pitchFamily="34" charset="0"/>
               </a:defRPr>
             </a:lvl2pPr>
             <a:lvl3pPr>
               <a:defRPr b="1" i="0">
-                <a:latin typeface="Avenir Heavy" panose="02000503020000020003" pitchFamily="2" charset="0"/>
+                <a:latin typeface="Verdana Pro Semibold" panose="020B0604030504040204" pitchFamily="34" charset="0"/>
               </a:defRPr>
             </a:lvl3pPr>
             <a:lvl4pPr>
               <a:defRPr b="1" i="0">
-                <a:latin typeface="Avenir Heavy" panose="02000503020000020003" pitchFamily="2" charset="0"/>
+                <a:latin typeface="Verdana Pro Semibold" panose="020B0604030504040204" pitchFamily="34" charset="0"/>
               </a:defRPr>
             </a:lvl4pPr>
             <a:lvl5pPr>
               <a:defRPr b="1" i="0">
-                <a:latin typeface="Avenir Heavy" panose="02000503020000020003" pitchFamily="2" charset="0"/>
+                <a:latin typeface="Verdana Pro Semibold" panose="020B0604030504040204" pitchFamily="34" charset="0"/>
               </a:defRPr>
             </a:lvl5pPr>
           </a:lstStyle>
@@ -1376,7 +1439,9 @@
           <a:bodyPr/>
           <a:lstStyle>
             <a:lvl1pPr>
-              <a:defRPr b="0" i="0"/>
+              <a:defRPr b="0" i="0">
+                <a:latin typeface="Verdana Pro" panose="020B0604030504040204" pitchFamily="34" charset="0"/>
+              </a:defRPr>
             </a:lvl1pPr>
           </a:lstStyle>
           <a:p>
@@ -1583,7 +1648,7 @@
           <a:lstStyle>
             <a:lvl1pPr>
               <a:defRPr b="1" i="0">
-                <a:latin typeface="Verdana Pro Semibold" panose="020B0604030504040204" pitchFamily="34" charset="0"/>
+                <a:latin typeface="Verdana Pro" panose="020B0604030504040204" pitchFamily="34" charset="0"/>
               </a:defRPr>
             </a:lvl1pPr>
           </a:lstStyle>
@@ -1676,40 +1741,6 @@
               <a:rPr lang="en-GB" dirty="0"/>
               <a:t>Fifth level</a:t>
             </a:r>
-            <a:endParaRPr lang="en-DE" dirty="0"/>
-          </a:p>
-        </p:txBody>
-      </p:sp>
-      <p:sp>
-        <p:nvSpPr>
-          <p:cNvPr id="5" name="Footer Placeholder 4">
-            <a:extLst>
-              <a:ext uri="{FF2B5EF4-FFF2-40B4-BE49-F238E27FC236}">
-                <a16:creationId xmlns:a16="http://schemas.microsoft.com/office/drawing/2014/main" id="{0A0F6E5E-B709-AD8D-76A3-742F9896B899}"/>
-              </a:ext>
-            </a:extLst>
-          </p:cNvPr>
-          <p:cNvSpPr>
-            <a:spLocks noGrp="1"/>
-          </p:cNvSpPr>
-          <p:nvPr>
-            <p:ph type="ftr" sz="quarter" idx="11"/>
-          </p:nvPr>
-        </p:nvSpPr>
-        <p:spPr>
-          <a:xfrm>
-            <a:off x="4038600" y="6460779"/>
-            <a:ext cx="4114800" cy="365125"/>
-          </a:xfrm>
-        </p:spPr>
-        <p:txBody>
-          <a:bodyPr/>
-          <a:lstStyle>
-            <a:lvl1pPr>
-              <a:defRPr b="0" i="0"/>
-            </a:lvl1pPr>
-          </a:lstStyle>
-          <a:p>
             <a:endParaRPr lang="en-DE" dirty="0"/>
           </a:p>
         </p:txBody>
@@ -1845,6 +1876,42 @@
               <a:rPr lang="en-GB" dirty="0"/>
               <a:t>Fifth level</a:t>
             </a:r>
+            <a:endParaRPr lang="en-DE" dirty="0"/>
+          </a:p>
+        </p:txBody>
+      </p:sp>
+      <p:sp>
+        <p:nvSpPr>
+          <p:cNvPr id="4" name="Footer Placeholder 4">
+            <a:extLst>
+              <a:ext uri="{FF2B5EF4-FFF2-40B4-BE49-F238E27FC236}">
+                <a16:creationId xmlns:a16="http://schemas.microsoft.com/office/drawing/2014/main" id="{9A9F5B37-2811-CDE0-1FD5-88D37E976357}"/>
+              </a:ext>
+            </a:extLst>
+          </p:cNvPr>
+          <p:cNvSpPr>
+            <a:spLocks noGrp="1"/>
+          </p:cNvSpPr>
+          <p:nvPr>
+            <p:ph type="ftr" sz="quarter" idx="11"/>
+          </p:nvPr>
+        </p:nvSpPr>
+        <p:spPr>
+          <a:xfrm>
+            <a:off x="4038600" y="6460780"/>
+            <a:ext cx="4114800" cy="365125"/>
+          </a:xfrm>
+        </p:spPr>
+        <p:txBody>
+          <a:bodyPr/>
+          <a:lstStyle>
+            <a:lvl1pPr>
+              <a:defRPr b="0" i="0">
+                <a:latin typeface="Verdana Pro" panose="020B0604030504040204" pitchFamily="34" charset="0"/>
+              </a:defRPr>
+            </a:lvl1pPr>
+          </a:lstStyle>
+          <a:p>
             <a:endParaRPr lang="en-DE" dirty="0"/>
           </a:p>
         </p:txBody>
@@ -2059,35 +2126,6 @@
       </p:sp>
       <p:sp>
         <p:nvSpPr>
-          <p:cNvPr id="5" name="Footer Placeholder 4">
-            <a:extLst>
-              <a:ext uri="{FF2B5EF4-FFF2-40B4-BE49-F238E27FC236}">
-                <a16:creationId xmlns:a16="http://schemas.microsoft.com/office/drawing/2014/main" id="{82CEC41F-B9E2-4A47-E2C5-444BED2A9A42}"/>
-              </a:ext>
-            </a:extLst>
-          </p:cNvPr>
-          <p:cNvSpPr>
-            <a:spLocks noGrp="1"/>
-          </p:cNvSpPr>
-          <p:nvPr>
-            <p:ph type="ftr" sz="quarter" idx="11"/>
-          </p:nvPr>
-        </p:nvSpPr>
-        <p:spPr/>
-        <p:txBody>
-          <a:bodyPr/>
-          <a:lstStyle>
-            <a:lvl1pPr>
-              <a:defRPr b="0" i="0"/>
-            </a:lvl1pPr>
-          </a:lstStyle>
-          <a:p>
-            <a:endParaRPr lang="en-DE" dirty="0"/>
-          </a:p>
-        </p:txBody>
-      </p:sp>
-      <p:sp>
-        <p:nvSpPr>
           <p:cNvPr id="6" name="Slide Number Placeholder 5">
             <a:extLst>
               <a:ext uri="{FF2B5EF4-FFF2-40B4-BE49-F238E27FC236}">
@@ -2217,6 +2255,42 @@
               <a:rPr lang="en-GB" dirty="0"/>
               <a:t>Fifth level</a:t>
             </a:r>
+            <a:endParaRPr lang="en-DE" dirty="0"/>
+          </a:p>
+        </p:txBody>
+      </p:sp>
+      <p:sp>
+        <p:nvSpPr>
+          <p:cNvPr id="4" name="Footer Placeholder 4">
+            <a:extLst>
+              <a:ext uri="{FF2B5EF4-FFF2-40B4-BE49-F238E27FC236}">
+                <a16:creationId xmlns:a16="http://schemas.microsoft.com/office/drawing/2014/main" id="{F9B9BDF8-87DF-C833-7E90-7E38E1E42505}"/>
+              </a:ext>
+            </a:extLst>
+          </p:cNvPr>
+          <p:cNvSpPr>
+            <a:spLocks noGrp="1"/>
+          </p:cNvSpPr>
+          <p:nvPr>
+            <p:ph type="ftr" sz="quarter" idx="11"/>
+          </p:nvPr>
+        </p:nvSpPr>
+        <p:spPr>
+          <a:xfrm>
+            <a:off x="4038600" y="6460780"/>
+            <a:ext cx="4114800" cy="365125"/>
+          </a:xfrm>
+        </p:spPr>
+        <p:txBody>
+          <a:bodyPr/>
+          <a:lstStyle>
+            <a:lvl1pPr>
+              <a:defRPr b="0" i="0">
+                <a:latin typeface="Verdana Pro" panose="020B0604030504040204" pitchFamily="34" charset="0"/>
+              </a:defRPr>
+            </a:lvl1pPr>
+          </a:lstStyle>
+          <a:p>
             <a:endParaRPr lang="en-DE" dirty="0"/>
           </a:p>
         </p:txBody>
@@ -2285,7 +2359,7 @@
           <a:lstStyle>
             <a:lvl1pPr>
               <a:defRPr b="1" i="0">
-                <a:latin typeface="Verdana Pro Semibold" panose="020B0604030504040204" pitchFamily="34" charset="0"/>
+                <a:latin typeface="Verdana Pro" panose="020B0604030504040204" pitchFamily="34" charset="0"/>
               </a:defRPr>
             </a:lvl1pPr>
           </a:lstStyle>
@@ -2478,35 +2552,6 @@
       </p:sp>
       <p:sp>
         <p:nvSpPr>
-          <p:cNvPr id="6" name="Footer Placeholder 5">
-            <a:extLst>
-              <a:ext uri="{FF2B5EF4-FFF2-40B4-BE49-F238E27FC236}">
-                <a16:creationId xmlns:a16="http://schemas.microsoft.com/office/drawing/2014/main" id="{C97A576F-F3E0-5577-F702-BD97644498E5}"/>
-              </a:ext>
-            </a:extLst>
-          </p:cNvPr>
-          <p:cNvSpPr>
-            <a:spLocks noGrp="1"/>
-          </p:cNvSpPr>
-          <p:nvPr>
-            <p:ph type="ftr" sz="quarter" idx="11"/>
-          </p:nvPr>
-        </p:nvSpPr>
-        <p:spPr/>
-        <p:txBody>
-          <a:bodyPr/>
-          <a:lstStyle>
-            <a:lvl1pPr>
-              <a:defRPr b="0" i="0"/>
-            </a:lvl1pPr>
-          </a:lstStyle>
-          <a:p>
-            <a:endParaRPr lang="en-DE" dirty="0"/>
-          </a:p>
-        </p:txBody>
-      </p:sp>
-      <p:sp>
-        <p:nvSpPr>
           <p:cNvPr id="7" name="Slide Number Placeholder 6">
             <a:extLst>
               <a:ext uri="{FF2B5EF4-FFF2-40B4-BE49-F238E27FC236}">
@@ -2636,6 +2681,42 @@
               <a:rPr lang="en-GB" dirty="0"/>
               <a:t>Fifth level</a:t>
             </a:r>
+            <a:endParaRPr lang="en-DE" dirty="0"/>
+          </a:p>
+        </p:txBody>
+      </p:sp>
+      <p:sp>
+        <p:nvSpPr>
+          <p:cNvPr id="5" name="Footer Placeholder 4">
+            <a:extLst>
+              <a:ext uri="{FF2B5EF4-FFF2-40B4-BE49-F238E27FC236}">
+                <a16:creationId xmlns:a16="http://schemas.microsoft.com/office/drawing/2014/main" id="{2F4558F2-1761-1B34-2517-299EA57BCDD6}"/>
+              </a:ext>
+            </a:extLst>
+          </p:cNvPr>
+          <p:cNvSpPr>
+            <a:spLocks noGrp="1"/>
+          </p:cNvSpPr>
+          <p:nvPr>
+            <p:ph type="ftr" sz="quarter" idx="11"/>
+          </p:nvPr>
+        </p:nvSpPr>
+        <p:spPr>
+          <a:xfrm>
+            <a:off x="4038600" y="6460780"/>
+            <a:ext cx="4114800" cy="365125"/>
+          </a:xfrm>
+        </p:spPr>
+        <p:txBody>
+          <a:bodyPr/>
+          <a:lstStyle>
+            <a:lvl1pPr>
+              <a:defRPr b="0" i="0">
+                <a:latin typeface="Verdana Pro" panose="020B0604030504040204" pitchFamily="34" charset="0"/>
+              </a:defRPr>
+            </a:lvl1pPr>
+          </a:lstStyle>
+          <a:p>
             <a:endParaRPr lang="en-DE" dirty="0"/>
           </a:p>
         </p:txBody>
@@ -2709,7 +2790,7 @@
           <a:lstStyle>
             <a:lvl1pPr>
               <a:defRPr b="1" i="0">
-                <a:latin typeface="Verdana Pro Semibold" panose="020B0604030504040204" pitchFamily="34" charset="0"/>
+                <a:latin typeface="Verdana Pro" panose="020B0604030504040204" pitchFamily="34" charset="0"/>
               </a:defRPr>
             </a:lvl1pPr>
           </a:lstStyle>
@@ -3048,35 +3129,6 @@
       </p:sp>
       <p:sp>
         <p:nvSpPr>
-          <p:cNvPr id="8" name="Footer Placeholder 7">
-            <a:extLst>
-              <a:ext uri="{FF2B5EF4-FFF2-40B4-BE49-F238E27FC236}">
-                <a16:creationId xmlns:a16="http://schemas.microsoft.com/office/drawing/2014/main" id="{AF85CC30-0C6B-DB00-727A-7890CF59A0F7}"/>
-              </a:ext>
-            </a:extLst>
-          </p:cNvPr>
-          <p:cNvSpPr>
-            <a:spLocks noGrp="1"/>
-          </p:cNvSpPr>
-          <p:nvPr>
-            <p:ph type="ftr" sz="quarter" idx="11"/>
-          </p:nvPr>
-        </p:nvSpPr>
-        <p:spPr/>
-        <p:txBody>
-          <a:bodyPr/>
-          <a:lstStyle>
-            <a:lvl1pPr>
-              <a:defRPr b="0" i="0"/>
-            </a:lvl1pPr>
-          </a:lstStyle>
-          <a:p>
-            <a:endParaRPr lang="en-DE" dirty="0"/>
-          </a:p>
-        </p:txBody>
-      </p:sp>
-      <p:sp>
-        <p:nvSpPr>
           <p:cNvPr id="9" name="Slide Number Placeholder 8">
             <a:extLst>
               <a:ext uri="{FF2B5EF4-FFF2-40B4-BE49-F238E27FC236}">
@@ -3206,6 +3258,42 @@
               <a:rPr lang="en-GB" dirty="0"/>
               <a:t>Fifth level</a:t>
             </a:r>
+            <a:endParaRPr lang="en-DE" dirty="0"/>
+          </a:p>
+        </p:txBody>
+      </p:sp>
+      <p:sp>
+        <p:nvSpPr>
+          <p:cNvPr id="7" name="Footer Placeholder 4">
+            <a:extLst>
+              <a:ext uri="{FF2B5EF4-FFF2-40B4-BE49-F238E27FC236}">
+                <a16:creationId xmlns:a16="http://schemas.microsoft.com/office/drawing/2014/main" id="{5D41E1D4-155F-3068-0B0C-3E8BF091D936}"/>
+              </a:ext>
+            </a:extLst>
+          </p:cNvPr>
+          <p:cNvSpPr>
+            <a:spLocks noGrp="1"/>
+          </p:cNvSpPr>
+          <p:nvPr>
+            <p:ph type="ftr" sz="quarter" idx="11"/>
+          </p:nvPr>
+        </p:nvSpPr>
+        <p:spPr>
+          <a:xfrm>
+            <a:off x="4038600" y="6460780"/>
+            <a:ext cx="4114800" cy="365125"/>
+          </a:xfrm>
+        </p:spPr>
+        <p:txBody>
+          <a:bodyPr/>
+          <a:lstStyle>
+            <a:lvl1pPr>
+              <a:defRPr b="0" i="0">
+                <a:latin typeface="Verdana Pro" panose="020B0604030504040204" pitchFamily="34" charset="0"/>
+              </a:defRPr>
+            </a:lvl1pPr>
+          </a:lstStyle>
+          <a:p>
             <a:endParaRPr lang="en-DE" dirty="0"/>
           </a:p>
         </p:txBody>
@@ -3274,7 +3362,7 @@
           <a:lstStyle>
             <a:lvl1pPr>
               <a:defRPr b="1" i="0">
-                <a:latin typeface="Verdana Pro Semibold" panose="020B0604030504040204" pitchFamily="34" charset="0"/>
+                <a:latin typeface="Verdana Pro" panose="020B0604030504040204" pitchFamily="34" charset="0"/>
               </a:defRPr>
             </a:lvl1pPr>
           </a:lstStyle>
@@ -3283,35 +3371,6 @@
               <a:rPr lang="en-GB" dirty="0"/>
               <a:t>Click to edit Master title style</a:t>
             </a:r>
-            <a:endParaRPr lang="en-DE" dirty="0"/>
-          </a:p>
-        </p:txBody>
-      </p:sp>
-      <p:sp>
-        <p:nvSpPr>
-          <p:cNvPr id="4" name="Footer Placeholder 3">
-            <a:extLst>
-              <a:ext uri="{FF2B5EF4-FFF2-40B4-BE49-F238E27FC236}">
-                <a16:creationId xmlns:a16="http://schemas.microsoft.com/office/drawing/2014/main" id="{33457DE9-FD1E-63DC-62B5-91478FE4CF57}"/>
-              </a:ext>
-            </a:extLst>
-          </p:cNvPr>
-          <p:cNvSpPr>
-            <a:spLocks noGrp="1"/>
-          </p:cNvSpPr>
-          <p:nvPr>
-            <p:ph type="ftr" sz="quarter" idx="11"/>
-          </p:nvPr>
-        </p:nvSpPr>
-        <p:spPr/>
-        <p:txBody>
-          <a:bodyPr/>
-          <a:lstStyle>
-            <a:lvl1pPr>
-              <a:defRPr b="0" i="0"/>
-            </a:lvl1pPr>
-          </a:lstStyle>
-          <a:p>
             <a:endParaRPr lang="en-DE" dirty="0"/>
           </a:p>
         </p:txBody>
@@ -3447,6 +3506,42 @@
               <a:rPr lang="en-GB" dirty="0"/>
               <a:t>Fifth level</a:t>
             </a:r>
+            <a:endParaRPr lang="en-DE" dirty="0"/>
+          </a:p>
+        </p:txBody>
+      </p:sp>
+      <p:sp>
+        <p:nvSpPr>
+          <p:cNvPr id="3" name="Footer Placeholder 4">
+            <a:extLst>
+              <a:ext uri="{FF2B5EF4-FFF2-40B4-BE49-F238E27FC236}">
+                <a16:creationId xmlns:a16="http://schemas.microsoft.com/office/drawing/2014/main" id="{7E079C6F-7BD8-BC7C-6588-BE7C17433203}"/>
+              </a:ext>
+            </a:extLst>
+          </p:cNvPr>
+          <p:cNvSpPr>
+            <a:spLocks noGrp="1"/>
+          </p:cNvSpPr>
+          <p:nvPr>
+            <p:ph type="ftr" sz="quarter" idx="11"/>
+          </p:nvPr>
+        </p:nvSpPr>
+        <p:spPr>
+          <a:xfrm>
+            <a:off x="4038600" y="6460780"/>
+            <a:ext cx="4114800" cy="365125"/>
+          </a:xfrm>
+        </p:spPr>
+        <p:txBody>
+          <a:bodyPr/>
+          <a:lstStyle>
+            <a:lvl1pPr>
+              <a:defRPr b="0" i="0">
+                <a:latin typeface="Verdana Pro" panose="020B0604030504040204" pitchFamily="34" charset="0"/>
+              </a:defRPr>
+            </a:lvl1pPr>
+          </a:lstStyle>
+          <a:p>
             <a:endParaRPr lang="en-DE" dirty="0"/>
           </a:p>
         </p:txBody>
@@ -3495,35 +3590,6 @@
       </p:grpSpPr>
       <p:sp>
         <p:nvSpPr>
-          <p:cNvPr id="3" name="Footer Placeholder 2">
-            <a:extLst>
-              <a:ext uri="{FF2B5EF4-FFF2-40B4-BE49-F238E27FC236}">
-                <a16:creationId xmlns:a16="http://schemas.microsoft.com/office/drawing/2014/main" id="{ECD8690D-C375-E272-1187-FB40F1F0AF15}"/>
-              </a:ext>
-            </a:extLst>
-          </p:cNvPr>
-          <p:cNvSpPr>
-            <a:spLocks noGrp="1"/>
-          </p:cNvSpPr>
-          <p:nvPr>
-            <p:ph type="ftr" sz="quarter" idx="11"/>
-          </p:nvPr>
-        </p:nvSpPr>
-        <p:spPr/>
-        <p:txBody>
-          <a:bodyPr/>
-          <a:lstStyle>
-            <a:lvl1pPr>
-              <a:defRPr b="0" i="0"/>
-            </a:lvl1pPr>
-          </a:lstStyle>
-          <a:p>
-            <a:endParaRPr lang="en-DE" dirty="0"/>
-          </a:p>
-        </p:txBody>
-      </p:sp>
-      <p:sp>
-        <p:nvSpPr>
           <p:cNvPr id="4" name="Slide Number Placeholder 3">
             <a:extLst>
               <a:ext uri="{FF2B5EF4-FFF2-40B4-BE49-F238E27FC236}">
@@ -3660,6 +3726,42 @@
               <a:rPr lang="en-GB" dirty="0"/>
               <a:t>Fifth level</a:t>
             </a:r>
+            <a:endParaRPr lang="en-DE" dirty="0"/>
+          </a:p>
+        </p:txBody>
+      </p:sp>
+      <p:sp>
+        <p:nvSpPr>
+          <p:cNvPr id="2" name="Footer Placeholder 4">
+            <a:extLst>
+              <a:ext uri="{FF2B5EF4-FFF2-40B4-BE49-F238E27FC236}">
+                <a16:creationId xmlns:a16="http://schemas.microsoft.com/office/drawing/2014/main" id="{2294EC0B-2AA5-96EE-99D8-C8A443A1409E}"/>
+              </a:ext>
+            </a:extLst>
+          </p:cNvPr>
+          <p:cNvSpPr>
+            <a:spLocks noGrp="1"/>
+          </p:cNvSpPr>
+          <p:nvPr>
+            <p:ph type="ftr" sz="quarter" idx="11"/>
+          </p:nvPr>
+        </p:nvSpPr>
+        <p:spPr>
+          <a:xfrm>
+            <a:off x="4038600" y="6460780"/>
+            <a:ext cx="4114800" cy="365125"/>
+          </a:xfrm>
+        </p:spPr>
+        <p:txBody>
+          <a:bodyPr/>
+          <a:lstStyle>
+            <a:lvl1pPr>
+              <a:defRPr b="0" i="0">
+                <a:latin typeface="Verdana Pro" panose="020B0604030504040204" pitchFamily="34" charset="0"/>
+              </a:defRPr>
+            </a:lvl1pPr>
+          </a:lstStyle>
+          <a:p>
             <a:endParaRPr lang="en-DE" dirty="0"/>
           </a:p>
         </p:txBody>
@@ -3732,7 +3834,9 @@
           <a:bodyPr anchor="b"/>
           <a:lstStyle>
             <a:lvl1pPr>
-              <a:defRPr sz="4800" b="0" i="0"/>
+              <a:defRPr sz="4800" b="1" i="0">
+                <a:latin typeface="Verdana Pro" panose="020B0604030504040204" pitchFamily="34" charset="0"/>
+              </a:defRPr>
             </a:lvl1pPr>
           </a:lstStyle>
           <a:p>
@@ -3771,27 +3875,27 @@
           <a:lstStyle>
             <a:lvl1pPr>
               <a:defRPr sz="3200" b="1" i="0">
-                <a:latin typeface="Avenir Heavy" panose="02000503020000020003" pitchFamily="2" charset="0"/>
+                <a:latin typeface="Verdana Pro Semibold" panose="020B0604030504040204" pitchFamily="34" charset="0"/>
               </a:defRPr>
             </a:lvl1pPr>
             <a:lvl2pPr>
               <a:defRPr sz="2800" b="1" i="0">
-                <a:latin typeface="Avenir Heavy" panose="02000503020000020003" pitchFamily="2" charset="0"/>
+                <a:latin typeface="Verdana Pro Semibold" panose="020B0604030504040204" pitchFamily="34" charset="0"/>
               </a:defRPr>
             </a:lvl2pPr>
             <a:lvl3pPr>
               <a:defRPr sz="2400" b="1" i="0">
-                <a:latin typeface="Avenir Heavy" panose="02000503020000020003" pitchFamily="2" charset="0"/>
+                <a:latin typeface="Verdana Pro Semibold" panose="020B0604030504040204" pitchFamily="34" charset="0"/>
               </a:defRPr>
             </a:lvl3pPr>
             <a:lvl4pPr>
               <a:defRPr sz="2000" b="1" i="0">
-                <a:latin typeface="Avenir Heavy" panose="02000503020000020003" pitchFamily="2" charset="0"/>
+                <a:latin typeface="Verdana Pro Semibold" panose="020B0604030504040204" pitchFamily="34" charset="0"/>
               </a:defRPr>
             </a:lvl4pPr>
             <a:lvl5pPr>
               <a:defRPr sz="2000" b="1" i="0">
-                <a:latin typeface="Avenir Heavy" panose="02000503020000020003" pitchFamily="2" charset="0"/>
+                <a:latin typeface="Verdana Pro Semibold" panose="020B0604030504040204" pitchFamily="34" charset="0"/>
               </a:defRPr>
             </a:lvl5pPr>
             <a:lvl6pPr>
@@ -3881,7 +3985,7 @@
                     <a:lumOff val="35000"/>
                   </a:schemeClr>
                 </a:solidFill>
-                <a:latin typeface="Avenir Heavy" panose="02000503020000020003" pitchFamily="2" charset="0"/>
+                <a:latin typeface="Verdana Pro Semibold" panose="020B0604030504040204" pitchFamily="34" charset="0"/>
               </a:defRPr>
             </a:lvl1pPr>
             <a:lvl2pPr marL="457200" indent="0">
@@ -3923,35 +4027,6 @@
               <a:rPr lang="en-GB" dirty="0"/>
               <a:t>Click to edit Master text styles</a:t>
             </a:r>
-          </a:p>
-        </p:txBody>
-      </p:sp>
-      <p:sp>
-        <p:nvSpPr>
-          <p:cNvPr id="6" name="Footer Placeholder 5">
-            <a:extLst>
-              <a:ext uri="{FF2B5EF4-FFF2-40B4-BE49-F238E27FC236}">
-                <a16:creationId xmlns:a16="http://schemas.microsoft.com/office/drawing/2014/main" id="{20DDB5F3-CF5E-DCDA-F7AD-8D59C4660DCF}"/>
-              </a:ext>
-            </a:extLst>
-          </p:cNvPr>
-          <p:cNvSpPr>
-            <a:spLocks noGrp="1"/>
-          </p:cNvSpPr>
-          <p:nvPr>
-            <p:ph type="ftr" sz="quarter" idx="11"/>
-          </p:nvPr>
-        </p:nvSpPr>
-        <p:spPr/>
-        <p:txBody>
-          <a:bodyPr/>
-          <a:lstStyle>
-            <a:lvl1pPr>
-              <a:defRPr b="0" i="0"/>
-            </a:lvl1pPr>
-          </a:lstStyle>
-          <a:p>
-            <a:endParaRPr lang="en-DE" dirty="0"/>
           </a:p>
         </p:txBody>
       </p:sp>
@@ -4086,6 +4161,42 @@
               <a:rPr lang="en-GB" dirty="0"/>
               <a:t>Fifth level</a:t>
             </a:r>
+            <a:endParaRPr lang="en-DE" dirty="0"/>
+          </a:p>
+        </p:txBody>
+      </p:sp>
+      <p:sp>
+        <p:nvSpPr>
+          <p:cNvPr id="5" name="Footer Placeholder 4">
+            <a:extLst>
+              <a:ext uri="{FF2B5EF4-FFF2-40B4-BE49-F238E27FC236}">
+                <a16:creationId xmlns:a16="http://schemas.microsoft.com/office/drawing/2014/main" id="{4FE5B5D6-6AC6-F24A-8E5E-C517AC2B8418}"/>
+              </a:ext>
+            </a:extLst>
+          </p:cNvPr>
+          <p:cNvSpPr>
+            <a:spLocks noGrp="1"/>
+          </p:cNvSpPr>
+          <p:nvPr>
+            <p:ph type="ftr" sz="quarter" idx="11"/>
+          </p:nvPr>
+        </p:nvSpPr>
+        <p:spPr>
+          <a:xfrm>
+            <a:off x="4038600" y="6460780"/>
+            <a:ext cx="4114800" cy="365125"/>
+          </a:xfrm>
+        </p:spPr>
+        <p:txBody>
+          <a:bodyPr/>
+          <a:lstStyle>
+            <a:lvl1pPr>
+              <a:defRPr b="0" i="0">
+                <a:latin typeface="Verdana Pro" panose="020B0604030504040204" pitchFamily="34" charset="0"/>
+              </a:defRPr>
+            </a:lvl1pPr>
+          </a:lstStyle>
+          <a:p>
             <a:endParaRPr lang="en-DE" dirty="0"/>
           </a:p>
         </p:txBody>
@@ -4158,7 +4269,9 @@
           <a:bodyPr anchor="b"/>
           <a:lstStyle>
             <a:lvl1pPr>
-              <a:defRPr sz="4800" b="0" i="0"/>
+              <a:defRPr sz="4800" b="1" i="0">
+                <a:latin typeface="Verdana Pro" panose="020B0604030504040204" pitchFamily="34" charset="0"/>
+              </a:defRPr>
             </a:lvl1pPr>
           </a:lstStyle>
           <a:p>
@@ -4277,7 +4390,7 @@
                     <a:lumOff val="35000"/>
                   </a:schemeClr>
                 </a:solidFill>
-                <a:latin typeface="Avenir Heavy" panose="02000503020000020003" pitchFamily="2" charset="0"/>
+                <a:latin typeface="Verdana Pro Semibold" panose="020B0604030504040204" pitchFamily="34" charset="0"/>
               </a:defRPr>
             </a:lvl1pPr>
             <a:lvl2pPr marL="457200" indent="0">
@@ -4319,35 +4432,6 @@
               <a:rPr lang="en-GB" dirty="0"/>
               <a:t>Click to edit Master text styles</a:t>
             </a:r>
-          </a:p>
-        </p:txBody>
-      </p:sp>
-      <p:sp>
-        <p:nvSpPr>
-          <p:cNvPr id="6" name="Footer Placeholder 5">
-            <a:extLst>
-              <a:ext uri="{FF2B5EF4-FFF2-40B4-BE49-F238E27FC236}">
-                <a16:creationId xmlns:a16="http://schemas.microsoft.com/office/drawing/2014/main" id="{684890DA-2BBA-408A-89F2-6024CC3C97D8}"/>
-              </a:ext>
-            </a:extLst>
-          </p:cNvPr>
-          <p:cNvSpPr>
-            <a:spLocks noGrp="1"/>
-          </p:cNvSpPr>
-          <p:nvPr>
-            <p:ph type="ftr" sz="quarter" idx="11"/>
-          </p:nvPr>
-        </p:nvSpPr>
-        <p:spPr/>
-        <p:txBody>
-          <a:bodyPr/>
-          <a:lstStyle>
-            <a:lvl1pPr>
-              <a:defRPr b="0" i="0"/>
-            </a:lvl1pPr>
-          </a:lstStyle>
-          <a:p>
-            <a:endParaRPr lang="en-DE" dirty="0"/>
           </a:p>
         </p:txBody>
       </p:sp>
@@ -4482,6 +4566,42 @@
               <a:rPr lang="en-GB" dirty="0"/>
               <a:t>Fifth level</a:t>
             </a:r>
+            <a:endParaRPr lang="en-DE" dirty="0"/>
+          </a:p>
+        </p:txBody>
+      </p:sp>
+      <p:sp>
+        <p:nvSpPr>
+          <p:cNvPr id="9" name="Footer Placeholder 4">
+            <a:extLst>
+              <a:ext uri="{FF2B5EF4-FFF2-40B4-BE49-F238E27FC236}">
+                <a16:creationId xmlns:a16="http://schemas.microsoft.com/office/drawing/2014/main" id="{1E01256F-D3F7-8EF1-5638-912A28B3B76F}"/>
+              </a:ext>
+            </a:extLst>
+          </p:cNvPr>
+          <p:cNvSpPr>
+            <a:spLocks noGrp="1"/>
+          </p:cNvSpPr>
+          <p:nvPr>
+            <p:ph type="ftr" sz="quarter" idx="11"/>
+          </p:nvPr>
+        </p:nvSpPr>
+        <p:spPr>
+          <a:xfrm>
+            <a:off x="4038600" y="6460780"/>
+            <a:ext cx="4114800" cy="365125"/>
+          </a:xfrm>
+        </p:spPr>
+        <p:txBody>
+          <a:bodyPr/>
+          <a:lstStyle>
+            <a:lvl1pPr>
+              <a:defRPr b="0" i="0">
+                <a:latin typeface="Verdana Pro" panose="020B0604030504040204" pitchFamily="34" charset="0"/>
+              </a:defRPr>
+            </a:lvl1pPr>
+          </a:lstStyle>
+          <a:p>
             <a:endParaRPr lang="en-DE" dirty="0"/>
           </a:p>
         </p:txBody>
@@ -4732,7 +4852,7 @@
                 <a:solidFill>
                   <a:srgbClr val="100F0F"/>
                 </a:solidFill>
-                <a:latin typeface="Avenir Medium" panose="02000503020000020003" pitchFamily="2" charset="0"/>
+                <a:latin typeface="Verdana Pro" panose="020B0604030504040204" pitchFamily="34" charset="0"/>
                 <a:ea typeface="Helvetica Neue" panose="02000503000000020004" pitchFamily="2" charset="0"/>
                 <a:cs typeface="Helvetica Neue" panose="02000503000000020004" pitchFamily="2" charset="0"/>
               </a:defRPr>
@@ -5274,41 +5394,41 @@
           <a:lstStyle/>
           <a:p>
             <a:r>
-              <a:rPr lang="en-GB" sz="4000" b="1" i="0" dirty="0" err="1">
+              <a:rPr lang="en-GB" sz="5200" dirty="0" err="1">
                 <a:effectLst/>
                 <a:latin typeface="Verdana Pro" panose="020B0604030504040204" pitchFamily="34" charset="0"/>
               </a:rPr>
               <a:t>Einführung</a:t>
             </a:r>
             <a:r>
-              <a:rPr lang="en-GB" sz="4000" b="1" i="0" dirty="0">
+              <a:rPr lang="en-GB" sz="5200" dirty="0">
                 <a:effectLst/>
                 <a:latin typeface="Verdana Pro" panose="020B0604030504040204" pitchFamily="34" charset="0"/>
               </a:rPr>
               <a:t> in Data Science und </a:t>
             </a:r>
             <a:r>
-              <a:rPr lang="en-GB" sz="4000" b="1" i="0" dirty="0" err="1">
+              <a:rPr lang="en-GB" sz="5200" dirty="0" err="1">
                 <a:effectLst/>
                 <a:latin typeface="Verdana Pro" panose="020B0604030504040204" pitchFamily="34" charset="0"/>
               </a:rPr>
               <a:t>maschinelles</a:t>
             </a:r>
             <a:r>
-              <a:rPr lang="en-GB" sz="4000" b="1" i="0" dirty="0">
+              <a:rPr lang="en-GB" sz="5200" dirty="0">
                 <a:effectLst/>
                 <a:latin typeface="Verdana Pro" panose="020B0604030504040204" pitchFamily="34" charset="0"/>
               </a:rPr>
               <a:t> </a:t>
             </a:r>
             <a:r>
-              <a:rPr lang="en-GB" sz="4000" b="1" i="0" dirty="0" err="1">
+              <a:rPr lang="en-GB" sz="5200" dirty="0" err="1">
                 <a:effectLst/>
                 <a:latin typeface="Verdana Pro" panose="020B0604030504040204" pitchFamily="34" charset="0"/>
               </a:rPr>
               <a:t>Lernen</a:t>
             </a:r>
-            <a:endParaRPr lang="en-DE" sz="4000" b="1" dirty="0">
+            <a:endParaRPr lang="en-DE" sz="5200" dirty="0">
               <a:latin typeface="Verdana Pro" panose="020B0604030504040204" pitchFamily="34" charset="0"/>
             </a:endParaRPr>
           </a:p>
@@ -5336,9 +5456,7 @@
           <a:lstStyle/>
           <a:p>
             <a:r>
-              <a:rPr lang="en-DE" sz="2800" b="1" dirty="0">
-                <a:latin typeface="Verdana Pro Semibold" panose="020B0604030504040204" pitchFamily="34" charset="0"/>
-              </a:rPr>
+              <a:rPr lang="en-DE" sz="2800" dirty="0"/>
               <a:t>Von Helena Busch, Bastian Schröter, Anja Jendryschik und Daniel Meisinger</a:t>
             </a:r>
           </a:p>
@@ -5365,7 +5483,10 @@
           <a:bodyPr/>
           <a:lstStyle/>
           <a:p>
-            <a:endParaRPr lang="en-DE"/>
+            <a:r>
+              <a:rPr lang="en-DE" dirty="0"/>
+              <a:t>2024-01-23</a:t>
+            </a:r>
           </a:p>
         </p:txBody>
       </p:sp>
@@ -5427,7 +5548,12 @@
             <p:ph type="ftr" sz="quarter" idx="11"/>
           </p:nvPr>
         </p:nvSpPr>
-        <p:spPr/>
+        <p:spPr>
+          <a:xfrm>
+            <a:off x="4038600" y="6460780"/>
+            <a:ext cx="4114800" cy="365125"/>
+          </a:xfrm>
+        </p:spPr>
         <p:txBody>
           <a:bodyPr/>
           <a:lstStyle/>
@@ -5460,1391 +5586,6 @@
             <a:fld id="{85AD0FBD-6BBA-814F-8B91-048ECB0E8981}" type="slidenum">
               <a:rPr lang="en-DE" smtClean="0"/>
               <a:t>10</a:t>
-            </a:fld>
-            <a:endParaRPr lang="en-DE"/>
-          </a:p>
-        </p:txBody>
-      </p:sp>
-      <p:sp>
-        <p:nvSpPr>
-          <p:cNvPr id="4" name="Text Placeholder 3">
-            <a:extLst>
-              <a:ext uri="{FF2B5EF4-FFF2-40B4-BE49-F238E27FC236}">
-                <a16:creationId xmlns:a16="http://schemas.microsoft.com/office/drawing/2014/main" id="{BFDD1D23-1D52-8352-0E6D-03365C6E14F0}"/>
-              </a:ext>
-            </a:extLst>
-          </p:cNvPr>
-          <p:cNvSpPr>
-            <a:spLocks noGrp="1"/>
-          </p:cNvSpPr>
-          <p:nvPr>
-            <p:ph type="body" sz="quarter" idx="13"/>
-          </p:nvPr>
-        </p:nvSpPr>
-        <p:spPr/>
-        <p:txBody>
-          <a:bodyPr/>
-          <a:lstStyle/>
-          <a:p>
-            <a:r>
-              <a:rPr lang="en-DE" dirty="0"/>
-              <a:t>Neural Network</a:t>
-            </a:r>
-          </a:p>
-        </p:txBody>
-      </p:sp>
-      <p:pic>
-        <p:nvPicPr>
-          <p:cNvPr id="5" name="Picture 4" descr="A screen shot of a computer code&#10;&#10;Description automatically generated">
-            <a:extLst>
-              <a:ext uri="{FF2B5EF4-FFF2-40B4-BE49-F238E27FC236}">
-                <a16:creationId xmlns:a16="http://schemas.microsoft.com/office/drawing/2014/main" id="{F9A9F3CB-BD58-99AD-CF70-901AADFC5907}"/>
-              </a:ext>
-            </a:extLst>
-          </p:cNvPr>
-          <p:cNvPicPr>
-            <a:picLocks noChangeAspect="1"/>
-          </p:cNvPicPr>
-          <p:nvPr/>
-        </p:nvPicPr>
-        <p:blipFill>
-          <a:blip r:embed="rId2"/>
-          <a:stretch>
-            <a:fillRect/>
-          </a:stretch>
-        </p:blipFill>
-        <p:spPr>
-          <a:xfrm>
-            <a:off x="1146000" y="1161266"/>
-            <a:ext cx="9900000" cy="4535468"/>
-          </a:xfrm>
-          <a:prstGeom prst="rect">
-            <a:avLst/>
-          </a:prstGeom>
-        </p:spPr>
-      </p:pic>
-    </p:spTree>
-    <p:extLst>
-      <p:ext uri="{BB962C8B-B14F-4D97-AF65-F5344CB8AC3E}">
-        <p14:creationId xmlns:p14="http://schemas.microsoft.com/office/powerpoint/2010/main" val="3081502435"/>
-      </p:ext>
-    </p:extLst>
-  </p:cSld>
-  <p:clrMapOvr>
-    <a:masterClrMapping/>
-  </p:clrMapOvr>
-  <mc:AlternateContent xmlns:mc="http://schemas.openxmlformats.org/markup-compatibility/2006" xmlns:p159="http://schemas.microsoft.com/office/powerpoint/2015/09/main">
-    <mc:Choice Requires="p159">
-      <p:transition xmlns:p14="http://schemas.microsoft.com/office/powerpoint/2010/main" spd="slow" p14:dur="2000">
-        <p159:morph option="byObject"/>
-      </p:transition>
-    </mc:Choice>
-    <mc:Fallback xmlns="">
-      <p:transition spd="slow">
-        <p:fade/>
-      </p:transition>
-    </mc:Fallback>
-  </mc:AlternateContent>
-</p:sld>
-</file>
-
-<file path=ppt/slides/slide11.xml><?xml version="1.0" encoding="utf-8"?>
-<p:sld xmlns:a="http://schemas.openxmlformats.org/drawingml/2006/main" xmlns:r="http://schemas.openxmlformats.org/officeDocument/2006/relationships" xmlns:p="http://schemas.openxmlformats.org/presentationml/2006/main">
-  <p:cSld>
-    <p:spTree>
-      <p:nvGrpSpPr>
-        <p:cNvPr id="1" name=""/>
-        <p:cNvGrpSpPr/>
-        <p:nvPr/>
-      </p:nvGrpSpPr>
-      <p:grpSpPr>
-        <a:xfrm>
-          <a:off x="0" y="0"/>
-          <a:ext cx="0" cy="0"/>
-          <a:chOff x="0" y="0"/>
-          <a:chExt cx="0" cy="0"/>
-        </a:xfrm>
-      </p:grpSpPr>
-      <p:sp>
-        <p:nvSpPr>
-          <p:cNvPr id="5" name="Footer Placeholder 4">
-            <a:extLst>
-              <a:ext uri="{FF2B5EF4-FFF2-40B4-BE49-F238E27FC236}">
-                <a16:creationId xmlns:a16="http://schemas.microsoft.com/office/drawing/2014/main" id="{67E68BA7-5FBC-7396-B0D4-510517E52637}"/>
-              </a:ext>
-            </a:extLst>
-          </p:cNvPr>
-          <p:cNvSpPr>
-            <a:spLocks noGrp="1"/>
-          </p:cNvSpPr>
-          <p:nvPr>
-            <p:ph type="ftr" sz="quarter" idx="11"/>
-          </p:nvPr>
-        </p:nvSpPr>
-        <p:spPr/>
-        <p:txBody>
-          <a:bodyPr/>
-          <a:lstStyle/>
-          <a:p>
-            <a:endParaRPr lang="en-DE" dirty="0"/>
-          </a:p>
-        </p:txBody>
-      </p:sp>
-      <p:sp>
-        <p:nvSpPr>
-          <p:cNvPr id="6" name="Slide Number Placeholder 5">
-            <a:extLst>
-              <a:ext uri="{FF2B5EF4-FFF2-40B4-BE49-F238E27FC236}">
-                <a16:creationId xmlns:a16="http://schemas.microsoft.com/office/drawing/2014/main" id="{5385B372-2676-F769-396D-FBF940E5DD21}"/>
-              </a:ext>
-            </a:extLst>
-          </p:cNvPr>
-          <p:cNvSpPr>
-            <a:spLocks noGrp="1"/>
-          </p:cNvSpPr>
-          <p:nvPr>
-            <p:ph type="sldNum" sz="quarter" idx="12"/>
-          </p:nvPr>
-        </p:nvSpPr>
-        <p:spPr/>
-        <p:txBody>
-          <a:bodyPr/>
-          <a:lstStyle/>
-          <a:p>
-            <a:fld id="{85AD0FBD-6BBA-814F-8B91-048ECB0E8981}" type="slidenum">
-              <a:rPr lang="en-DE" smtClean="0"/>
-              <a:t>11</a:t>
-            </a:fld>
-            <a:endParaRPr lang="en-DE"/>
-          </a:p>
-        </p:txBody>
-      </p:sp>
-      <p:sp>
-        <p:nvSpPr>
-          <p:cNvPr id="7" name="Text Placeholder 6">
-            <a:extLst>
-              <a:ext uri="{FF2B5EF4-FFF2-40B4-BE49-F238E27FC236}">
-                <a16:creationId xmlns:a16="http://schemas.microsoft.com/office/drawing/2014/main" id="{E8E14692-3D3F-FD05-2656-C58061D4C9CC}"/>
-              </a:ext>
-            </a:extLst>
-          </p:cNvPr>
-          <p:cNvSpPr>
-            <a:spLocks noGrp="1"/>
-          </p:cNvSpPr>
-          <p:nvPr>
-            <p:ph type="body" sz="quarter" idx="13"/>
-          </p:nvPr>
-        </p:nvSpPr>
-        <p:spPr/>
-        <p:txBody>
-          <a:bodyPr/>
-          <a:lstStyle/>
-          <a:p>
-            <a:r>
-              <a:rPr lang="en-DE" dirty="0"/>
-              <a:t>Neural Network</a:t>
-            </a:r>
-          </a:p>
-        </p:txBody>
-      </p:sp>
-      <p:pic>
-        <p:nvPicPr>
-          <p:cNvPr id="8" name="Content Placeholder 7">
-            <a:extLst>
-              <a:ext uri="{FF2B5EF4-FFF2-40B4-BE49-F238E27FC236}">
-                <a16:creationId xmlns:a16="http://schemas.microsoft.com/office/drawing/2014/main" id="{45EC6B7E-C966-9B0A-7EE9-322FADE1794C}"/>
-              </a:ext>
-            </a:extLst>
-          </p:cNvPr>
-          <p:cNvPicPr>
-            <a:picLocks noGrp="1" noChangeAspect="1"/>
-          </p:cNvPicPr>
-          <p:nvPr>
-            <p:ph idx="1"/>
-          </p:nvPr>
-        </p:nvPicPr>
-        <p:blipFill>
-          <a:blip r:embed="rId2">
-            <a:extLst>
-              <a:ext uri="{96DAC541-7B7A-43D3-8B79-37D633B846F1}">
-                <asvg:svgBlip xmlns:asvg="http://schemas.microsoft.com/office/drawing/2016/SVG/main" r:embed="rId3"/>
-              </a:ext>
-            </a:extLst>
-          </a:blip>
-          <a:stretch>
-            <a:fillRect/>
-          </a:stretch>
-        </p:blipFill>
-        <p:spPr>
-          <a:xfrm>
-            <a:off x="5334987" y="987425"/>
-            <a:ext cx="5868601" cy="4873625"/>
-          </a:xfrm>
-        </p:spPr>
-      </p:pic>
-      <p:pic>
-        <p:nvPicPr>
-          <p:cNvPr id="13" name="Picture 12" descr="A computer code on a black background&#10;&#10;Description automatically generated">
-            <a:extLst>
-              <a:ext uri="{FF2B5EF4-FFF2-40B4-BE49-F238E27FC236}">
-                <a16:creationId xmlns:a16="http://schemas.microsoft.com/office/drawing/2014/main" id="{6E809F69-FED6-6A10-CE6A-E406E3188A06}"/>
-              </a:ext>
-            </a:extLst>
-          </p:cNvPr>
-          <p:cNvPicPr>
-            <a:picLocks noChangeAspect="1"/>
-          </p:cNvPicPr>
-          <p:nvPr/>
-        </p:nvPicPr>
-        <p:blipFill>
-          <a:blip r:embed="rId4"/>
-          <a:stretch>
-            <a:fillRect/>
-          </a:stretch>
-        </p:blipFill>
-        <p:spPr>
-          <a:xfrm>
-            <a:off x="1146000" y="1050365"/>
-            <a:ext cx="9900000" cy="4747743"/>
-          </a:xfrm>
-          <a:prstGeom prst="rect">
-            <a:avLst/>
-          </a:prstGeom>
-        </p:spPr>
-      </p:pic>
-    </p:spTree>
-    <p:extLst>
-      <p:ext uri="{BB962C8B-B14F-4D97-AF65-F5344CB8AC3E}">
-        <p14:creationId xmlns:p14="http://schemas.microsoft.com/office/powerpoint/2010/main" val="3522732240"/>
-      </p:ext>
-    </p:extLst>
-  </p:cSld>
-  <p:clrMapOvr>
-    <a:masterClrMapping/>
-  </p:clrMapOvr>
-  <mc:AlternateContent xmlns:mc="http://schemas.openxmlformats.org/markup-compatibility/2006" xmlns:p159="http://schemas.microsoft.com/office/powerpoint/2015/09/main">
-    <mc:Choice Requires="p159">
-      <p:transition xmlns:p14="http://schemas.microsoft.com/office/powerpoint/2010/main" spd="slow" p14:dur="2000">
-        <p159:morph option="byObject"/>
-      </p:transition>
-    </mc:Choice>
-    <mc:Fallback xmlns="">
-      <p:transition spd="slow">
-        <p:fade/>
-      </p:transition>
-    </mc:Fallback>
-  </mc:AlternateContent>
-</p:sld>
-</file>
-
-<file path=ppt/slides/slide2.xml><?xml version="1.0" encoding="utf-8"?>
-<p:sld xmlns:a="http://schemas.openxmlformats.org/drawingml/2006/main" xmlns:r="http://schemas.openxmlformats.org/officeDocument/2006/relationships" xmlns:p="http://schemas.openxmlformats.org/presentationml/2006/main">
-  <p:cSld>
-    <p:spTree>
-      <p:nvGrpSpPr>
-        <p:cNvPr id="1" name=""/>
-        <p:cNvGrpSpPr/>
-        <p:nvPr/>
-      </p:nvGrpSpPr>
-      <p:grpSpPr>
-        <a:xfrm>
-          <a:off x="0" y="0"/>
-          <a:ext cx="0" cy="0"/>
-          <a:chOff x="0" y="0"/>
-          <a:chExt cx="0" cy="0"/>
-        </a:xfrm>
-      </p:grpSpPr>
-      <p:sp>
-        <p:nvSpPr>
-          <p:cNvPr id="2" name="Title 1">
-            <a:extLst>
-              <a:ext uri="{FF2B5EF4-FFF2-40B4-BE49-F238E27FC236}">
-                <a16:creationId xmlns:a16="http://schemas.microsoft.com/office/drawing/2014/main" id="{824F2C1D-D0A7-98B6-3D3A-65DC992F41B3}"/>
-              </a:ext>
-            </a:extLst>
-          </p:cNvPr>
-          <p:cNvSpPr>
-            <a:spLocks noGrp="1"/>
-          </p:cNvSpPr>
-          <p:nvPr>
-            <p:ph type="title"/>
-          </p:nvPr>
-        </p:nvSpPr>
-        <p:spPr/>
-        <p:txBody>
-          <a:bodyPr/>
-          <a:lstStyle/>
-          <a:p>
-            <a:r>
-              <a:rPr lang="en-DE" dirty="0"/>
-              <a:t>Variables</a:t>
-            </a:r>
-          </a:p>
-        </p:txBody>
-      </p:sp>
-      <p:sp>
-        <p:nvSpPr>
-          <p:cNvPr id="3" name="Content Placeholder 2">
-            <a:extLst>
-              <a:ext uri="{FF2B5EF4-FFF2-40B4-BE49-F238E27FC236}">
-                <a16:creationId xmlns:a16="http://schemas.microsoft.com/office/drawing/2014/main" id="{1D75FE86-12B9-4A0F-1AAE-B49E7E8C375C}"/>
-              </a:ext>
-            </a:extLst>
-          </p:cNvPr>
-          <p:cNvSpPr>
-            <a:spLocks noGrp="1"/>
-          </p:cNvSpPr>
-          <p:nvPr>
-            <p:ph idx="1"/>
-          </p:nvPr>
-        </p:nvSpPr>
-        <p:spPr/>
-        <p:txBody>
-          <a:bodyPr/>
-          <a:lstStyle/>
-          <a:p>
-            <a:pPr marL="0" indent="0">
-              <a:buNone/>
-            </a:pPr>
-            <a:r>
-              <a:rPr lang="en-DE" dirty="0">
-                <a:latin typeface="Verdana Pro Semibold" panose="020B0604030504040204" pitchFamily="34" charset="0"/>
-              </a:rPr>
-              <a:t>NEW_YEARS_EVE		New Year’s Eve</a:t>
-            </a:r>
-          </a:p>
-          <a:p>
-            <a:pPr marL="0" indent="0">
-              <a:buNone/>
-            </a:pPr>
-            <a:r>
-              <a:rPr lang="en-DE" dirty="0">
-                <a:latin typeface="Verdana Pro Semibold" panose="020B0604030504040204" pitchFamily="34" charset="0"/>
-              </a:rPr>
-              <a:t>HK_GAMES	 			Holstein Kiel</a:t>
-            </a:r>
-          </a:p>
-          <a:p>
-            <a:pPr marL="0" indent="0">
-              <a:buNone/>
-            </a:pPr>
-            <a:r>
-              <a:rPr lang="en-DE" dirty="0">
-                <a:latin typeface="Verdana Pro Semibold" panose="020B0604030504040204" pitchFamily="34" charset="0"/>
-              </a:rPr>
-              <a:t>TK_GAMES 				THW Kiel</a:t>
-            </a:r>
-          </a:p>
-          <a:p>
-            <a:pPr marL="0" indent="0">
-              <a:buNone/>
-            </a:pPr>
-            <a:r>
-              <a:rPr lang="en-DE" dirty="0">
-                <a:latin typeface="Verdana Pro Semibold" panose="020B0604030504040204" pitchFamily="34" charset="0"/>
-              </a:rPr>
-              <a:t>CRUISE_SHIPS 			Cruise Ships</a:t>
-            </a:r>
-          </a:p>
-          <a:p>
-            <a:pPr marL="0" indent="0">
-              <a:buNone/>
-            </a:pPr>
-            <a:r>
-              <a:rPr lang="en-DE" dirty="0">
-                <a:latin typeface="Verdana Pro Semibold" panose="020B0604030504040204" pitchFamily="34" charset="0"/>
-              </a:rPr>
-              <a:t>INDEX					Inflation</a:t>
-            </a:r>
-          </a:p>
-          <a:p>
-            <a:pPr marL="0" indent="0">
-              <a:buNone/>
-            </a:pPr>
-            <a:r>
-              <a:rPr lang="en-DE" dirty="0">
-                <a:latin typeface="Verdana Pro Semibold" panose="020B0604030504040204" pitchFamily="34" charset="0"/>
-              </a:rPr>
-              <a:t>RETAIL	 				Retail Prices</a:t>
-            </a:r>
-          </a:p>
-        </p:txBody>
-      </p:sp>
-      <p:sp>
-        <p:nvSpPr>
-          <p:cNvPr id="4" name="Footer Placeholder 3">
-            <a:extLst>
-              <a:ext uri="{FF2B5EF4-FFF2-40B4-BE49-F238E27FC236}">
-                <a16:creationId xmlns:a16="http://schemas.microsoft.com/office/drawing/2014/main" id="{233B577F-6FE3-2382-1712-7658E0C72B3F}"/>
-              </a:ext>
-            </a:extLst>
-          </p:cNvPr>
-          <p:cNvSpPr>
-            <a:spLocks noGrp="1"/>
-          </p:cNvSpPr>
-          <p:nvPr>
-            <p:ph type="ftr" sz="quarter" idx="11"/>
-          </p:nvPr>
-        </p:nvSpPr>
-        <p:spPr/>
-        <p:txBody>
-          <a:bodyPr/>
-          <a:lstStyle/>
-          <a:p>
-            <a:endParaRPr lang="en-DE" dirty="0"/>
-          </a:p>
-        </p:txBody>
-      </p:sp>
-      <p:sp>
-        <p:nvSpPr>
-          <p:cNvPr id="5" name="Slide Number Placeholder 4">
-            <a:extLst>
-              <a:ext uri="{FF2B5EF4-FFF2-40B4-BE49-F238E27FC236}">
-                <a16:creationId xmlns:a16="http://schemas.microsoft.com/office/drawing/2014/main" id="{890CD99F-40D5-F30D-9A6A-2E6428319AA9}"/>
-              </a:ext>
-            </a:extLst>
-          </p:cNvPr>
-          <p:cNvSpPr>
-            <a:spLocks noGrp="1"/>
-          </p:cNvSpPr>
-          <p:nvPr>
-            <p:ph type="sldNum" sz="quarter" idx="12"/>
-          </p:nvPr>
-        </p:nvSpPr>
-        <p:spPr/>
-        <p:txBody>
-          <a:bodyPr/>
-          <a:lstStyle/>
-          <a:p>
-            <a:fld id="{85AD0FBD-6BBA-814F-8B91-048ECB0E8981}" type="slidenum">
-              <a:rPr lang="en-DE" smtClean="0"/>
-              <a:t>2</a:t>
-            </a:fld>
-            <a:endParaRPr lang="en-DE"/>
-          </a:p>
-        </p:txBody>
-      </p:sp>
-      <p:sp>
-        <p:nvSpPr>
-          <p:cNvPr id="6" name="Text Placeholder 5">
-            <a:extLst>
-              <a:ext uri="{FF2B5EF4-FFF2-40B4-BE49-F238E27FC236}">
-                <a16:creationId xmlns:a16="http://schemas.microsoft.com/office/drawing/2014/main" id="{F293C496-24D4-1FEE-136F-59A3712D3BBE}"/>
-              </a:ext>
-            </a:extLst>
-          </p:cNvPr>
-          <p:cNvSpPr>
-            <a:spLocks noGrp="1"/>
-          </p:cNvSpPr>
-          <p:nvPr>
-            <p:ph type="body" sz="quarter" idx="13"/>
-          </p:nvPr>
-        </p:nvSpPr>
-        <p:spPr/>
-        <p:txBody>
-          <a:bodyPr/>
-          <a:lstStyle/>
-          <a:p>
-            <a:r>
-              <a:rPr lang="en-DE" dirty="0"/>
-              <a:t>Introduction</a:t>
-            </a:r>
-          </a:p>
-        </p:txBody>
-      </p:sp>
-    </p:spTree>
-    <p:extLst>
-      <p:ext uri="{BB962C8B-B14F-4D97-AF65-F5344CB8AC3E}">
-        <p14:creationId xmlns:p14="http://schemas.microsoft.com/office/powerpoint/2010/main" val="332431740"/>
-      </p:ext>
-    </p:extLst>
-  </p:cSld>
-  <p:clrMapOvr>
-    <a:masterClrMapping/>
-  </p:clrMapOvr>
-  <mc:AlternateContent xmlns:mc="http://schemas.openxmlformats.org/markup-compatibility/2006" xmlns:p14="http://schemas.microsoft.com/office/powerpoint/2010/main">
-    <mc:Choice Requires="p14">
-      <p:transition p14:dur="250">
-        <p:fade/>
-      </p:transition>
-    </mc:Choice>
-    <mc:Fallback xmlns="">
-      <p:transition>
-        <p:fade/>
-      </p:transition>
-    </mc:Fallback>
-  </mc:AlternateContent>
-</p:sld>
-</file>
-
-<file path=ppt/slides/slide3.xml><?xml version="1.0" encoding="utf-8"?>
-<p:sld xmlns:a="http://schemas.openxmlformats.org/drawingml/2006/main" xmlns:r="http://schemas.openxmlformats.org/officeDocument/2006/relationships" xmlns:p="http://schemas.openxmlformats.org/presentationml/2006/main">
-  <p:cSld>
-    <p:spTree>
-      <p:nvGrpSpPr>
-        <p:cNvPr id="1" name=""/>
-        <p:cNvGrpSpPr/>
-        <p:nvPr/>
-      </p:nvGrpSpPr>
-      <p:grpSpPr>
-        <a:xfrm>
-          <a:off x="0" y="0"/>
-          <a:ext cx="0" cy="0"/>
-          <a:chOff x="0" y="0"/>
-          <a:chExt cx="0" cy="0"/>
-        </a:xfrm>
-      </p:grpSpPr>
-      <p:sp>
-        <p:nvSpPr>
-          <p:cNvPr id="2" name="Title 1">
-            <a:extLst>
-              <a:ext uri="{FF2B5EF4-FFF2-40B4-BE49-F238E27FC236}">
-                <a16:creationId xmlns:a16="http://schemas.microsoft.com/office/drawing/2014/main" id="{22905838-FD68-57E5-4E46-CF61CCB276D5}"/>
-              </a:ext>
-            </a:extLst>
-          </p:cNvPr>
-          <p:cNvSpPr>
-            <a:spLocks noGrp="1"/>
-          </p:cNvSpPr>
-          <p:nvPr>
-            <p:ph type="title"/>
-          </p:nvPr>
-        </p:nvSpPr>
-        <p:spPr>
-          <a:xfrm>
-            <a:off x="839788" y="0"/>
-            <a:ext cx="3932237" cy="6858000"/>
-          </a:xfrm>
-        </p:spPr>
-        <p:txBody>
-          <a:bodyPr anchor="ctr"/>
-          <a:lstStyle/>
-          <a:p>
-            <a:r>
-              <a:rPr lang="en-DE" b="1" dirty="0"/>
-              <a:t>New Year’s</a:t>
-            </a:r>
-          </a:p>
-        </p:txBody>
-      </p:sp>
-      <p:sp>
-        <p:nvSpPr>
-          <p:cNvPr id="5" name="Footer Placeholder 4">
-            <a:extLst>
-              <a:ext uri="{FF2B5EF4-FFF2-40B4-BE49-F238E27FC236}">
-                <a16:creationId xmlns:a16="http://schemas.microsoft.com/office/drawing/2014/main" id="{67E68BA7-5FBC-7396-B0D4-510517E52637}"/>
-              </a:ext>
-            </a:extLst>
-          </p:cNvPr>
-          <p:cNvSpPr>
-            <a:spLocks noGrp="1"/>
-          </p:cNvSpPr>
-          <p:nvPr>
-            <p:ph type="ftr" sz="quarter" idx="11"/>
-          </p:nvPr>
-        </p:nvSpPr>
-        <p:spPr/>
-        <p:txBody>
-          <a:bodyPr/>
-          <a:lstStyle/>
-          <a:p>
-            <a:endParaRPr lang="en-DE" dirty="0"/>
-          </a:p>
-        </p:txBody>
-      </p:sp>
-      <p:sp>
-        <p:nvSpPr>
-          <p:cNvPr id="6" name="Slide Number Placeholder 5">
-            <a:extLst>
-              <a:ext uri="{FF2B5EF4-FFF2-40B4-BE49-F238E27FC236}">
-                <a16:creationId xmlns:a16="http://schemas.microsoft.com/office/drawing/2014/main" id="{5385B372-2676-F769-396D-FBF940E5DD21}"/>
-              </a:ext>
-            </a:extLst>
-          </p:cNvPr>
-          <p:cNvSpPr>
-            <a:spLocks noGrp="1"/>
-          </p:cNvSpPr>
-          <p:nvPr>
-            <p:ph type="sldNum" sz="quarter" idx="12"/>
-          </p:nvPr>
-        </p:nvSpPr>
-        <p:spPr/>
-        <p:txBody>
-          <a:bodyPr/>
-          <a:lstStyle/>
-          <a:p>
-            <a:fld id="{85AD0FBD-6BBA-814F-8B91-048ECB0E8981}" type="slidenum">
-              <a:rPr lang="en-DE" smtClean="0"/>
-              <a:t>3</a:t>
-            </a:fld>
-            <a:endParaRPr lang="en-DE" dirty="0"/>
-          </a:p>
-        </p:txBody>
-      </p:sp>
-      <p:sp>
-        <p:nvSpPr>
-          <p:cNvPr id="7" name="Text Placeholder 6">
-            <a:extLst>
-              <a:ext uri="{FF2B5EF4-FFF2-40B4-BE49-F238E27FC236}">
-                <a16:creationId xmlns:a16="http://schemas.microsoft.com/office/drawing/2014/main" id="{E8E14692-3D3F-FD05-2656-C58061D4C9CC}"/>
-              </a:ext>
-            </a:extLst>
-          </p:cNvPr>
-          <p:cNvSpPr>
-            <a:spLocks noGrp="1"/>
-          </p:cNvSpPr>
-          <p:nvPr>
-            <p:ph type="body" sz="quarter" idx="13"/>
-          </p:nvPr>
-        </p:nvSpPr>
-        <p:spPr/>
-        <p:txBody>
-          <a:bodyPr/>
-          <a:lstStyle/>
-          <a:p>
-            <a:r>
-              <a:rPr lang="en-DE" dirty="0"/>
-              <a:t>Dataset</a:t>
-            </a:r>
-          </a:p>
-        </p:txBody>
-      </p:sp>
-      <p:pic>
-        <p:nvPicPr>
-          <p:cNvPr id="10" name="Content Placeholder 9">
-            <a:extLst>
-              <a:ext uri="{FF2B5EF4-FFF2-40B4-BE49-F238E27FC236}">
-                <a16:creationId xmlns:a16="http://schemas.microsoft.com/office/drawing/2014/main" id="{38FE1794-9633-A9A8-7A38-5EC7EC2E72DE}"/>
-              </a:ext>
-            </a:extLst>
-          </p:cNvPr>
-          <p:cNvPicPr>
-            <a:picLocks noGrp="1" noChangeAspect="1"/>
-          </p:cNvPicPr>
-          <p:nvPr>
-            <p:ph idx="1"/>
-          </p:nvPr>
-        </p:nvPicPr>
-        <p:blipFill>
-          <a:blip r:embed="rId2"/>
-          <a:stretch>
-            <a:fillRect/>
-          </a:stretch>
-        </p:blipFill>
-        <p:spPr>
-          <a:xfrm>
-            <a:off x="4553400" y="892384"/>
-            <a:ext cx="7200000" cy="5073231"/>
-          </a:xfrm>
-        </p:spPr>
-      </p:pic>
-    </p:spTree>
-    <p:extLst>
-      <p:ext uri="{BB962C8B-B14F-4D97-AF65-F5344CB8AC3E}">
-        <p14:creationId xmlns:p14="http://schemas.microsoft.com/office/powerpoint/2010/main" val="715913608"/>
-      </p:ext>
-    </p:extLst>
-  </p:cSld>
-  <p:clrMapOvr>
-    <a:masterClrMapping/>
-  </p:clrMapOvr>
-  <mc:AlternateContent xmlns:mc="http://schemas.openxmlformats.org/markup-compatibility/2006">
-    <mc:Choice xmlns:p14="http://schemas.microsoft.com/office/powerpoint/2010/main" Requires="p14">
-      <p:transition p14:dur="250">
-        <p:fade/>
-      </p:transition>
-    </mc:Choice>
-    <mc:Fallback>
-      <p:transition>
-        <p:fade/>
-      </p:transition>
-    </mc:Fallback>
-  </mc:AlternateContent>
-</p:sld>
-</file>
-
-<file path=ppt/slides/slide4.xml><?xml version="1.0" encoding="utf-8"?>
-<p:sld xmlns:a="http://schemas.openxmlformats.org/drawingml/2006/main" xmlns:r="http://schemas.openxmlformats.org/officeDocument/2006/relationships" xmlns:p="http://schemas.openxmlformats.org/presentationml/2006/main">
-  <p:cSld>
-    <p:spTree>
-      <p:nvGrpSpPr>
-        <p:cNvPr id="1" name=""/>
-        <p:cNvGrpSpPr/>
-        <p:nvPr/>
-      </p:nvGrpSpPr>
-      <p:grpSpPr>
-        <a:xfrm>
-          <a:off x="0" y="0"/>
-          <a:ext cx="0" cy="0"/>
-          <a:chOff x="0" y="0"/>
-          <a:chExt cx="0" cy="0"/>
-        </a:xfrm>
-      </p:grpSpPr>
-      <p:sp>
-        <p:nvSpPr>
-          <p:cNvPr id="2" name="Title 1">
-            <a:extLst>
-              <a:ext uri="{FF2B5EF4-FFF2-40B4-BE49-F238E27FC236}">
-                <a16:creationId xmlns:a16="http://schemas.microsoft.com/office/drawing/2014/main" id="{22905838-FD68-57E5-4E46-CF61CCB276D5}"/>
-              </a:ext>
-            </a:extLst>
-          </p:cNvPr>
-          <p:cNvSpPr>
-            <a:spLocks noGrp="1"/>
-          </p:cNvSpPr>
-          <p:nvPr>
-            <p:ph type="title"/>
-          </p:nvPr>
-        </p:nvSpPr>
-        <p:spPr>
-          <a:xfrm>
-            <a:off x="839788" y="0"/>
-            <a:ext cx="3932237" cy="6858000"/>
-          </a:xfrm>
-        </p:spPr>
-        <p:txBody>
-          <a:bodyPr anchor="ctr"/>
-          <a:lstStyle/>
-          <a:p>
-            <a:r>
-              <a:rPr lang="en-DE" b="1" dirty="0"/>
-              <a:t>New Year’s</a:t>
-            </a:r>
-          </a:p>
-        </p:txBody>
-      </p:sp>
-      <p:sp>
-        <p:nvSpPr>
-          <p:cNvPr id="5" name="Footer Placeholder 4">
-            <a:extLst>
-              <a:ext uri="{FF2B5EF4-FFF2-40B4-BE49-F238E27FC236}">
-                <a16:creationId xmlns:a16="http://schemas.microsoft.com/office/drawing/2014/main" id="{67E68BA7-5FBC-7396-B0D4-510517E52637}"/>
-              </a:ext>
-            </a:extLst>
-          </p:cNvPr>
-          <p:cNvSpPr>
-            <a:spLocks noGrp="1"/>
-          </p:cNvSpPr>
-          <p:nvPr>
-            <p:ph type="ftr" sz="quarter" idx="11"/>
-          </p:nvPr>
-        </p:nvSpPr>
-        <p:spPr/>
-        <p:txBody>
-          <a:bodyPr/>
-          <a:lstStyle/>
-          <a:p>
-            <a:endParaRPr lang="en-DE" dirty="0"/>
-          </a:p>
-        </p:txBody>
-      </p:sp>
-      <p:sp>
-        <p:nvSpPr>
-          <p:cNvPr id="6" name="Slide Number Placeholder 5">
-            <a:extLst>
-              <a:ext uri="{FF2B5EF4-FFF2-40B4-BE49-F238E27FC236}">
-                <a16:creationId xmlns:a16="http://schemas.microsoft.com/office/drawing/2014/main" id="{5385B372-2676-F769-396D-FBF940E5DD21}"/>
-              </a:ext>
-            </a:extLst>
-          </p:cNvPr>
-          <p:cNvSpPr>
-            <a:spLocks noGrp="1"/>
-          </p:cNvSpPr>
-          <p:nvPr>
-            <p:ph type="sldNum" sz="quarter" idx="12"/>
-          </p:nvPr>
-        </p:nvSpPr>
-        <p:spPr/>
-        <p:txBody>
-          <a:bodyPr/>
-          <a:lstStyle/>
-          <a:p>
-            <a:fld id="{85AD0FBD-6BBA-814F-8B91-048ECB0E8981}" type="slidenum">
-              <a:rPr lang="en-DE" smtClean="0"/>
-              <a:t>4</a:t>
-            </a:fld>
-            <a:endParaRPr lang="en-DE" dirty="0"/>
-          </a:p>
-        </p:txBody>
-      </p:sp>
-      <p:sp>
-        <p:nvSpPr>
-          <p:cNvPr id="7" name="Text Placeholder 6">
-            <a:extLst>
-              <a:ext uri="{FF2B5EF4-FFF2-40B4-BE49-F238E27FC236}">
-                <a16:creationId xmlns:a16="http://schemas.microsoft.com/office/drawing/2014/main" id="{E8E14692-3D3F-FD05-2656-C58061D4C9CC}"/>
-              </a:ext>
-            </a:extLst>
-          </p:cNvPr>
-          <p:cNvSpPr>
-            <a:spLocks noGrp="1"/>
-          </p:cNvSpPr>
-          <p:nvPr>
-            <p:ph type="body" sz="quarter" idx="13"/>
-          </p:nvPr>
-        </p:nvSpPr>
-        <p:spPr/>
-        <p:txBody>
-          <a:bodyPr/>
-          <a:lstStyle/>
-          <a:p>
-            <a:r>
-              <a:rPr lang="en-DE" dirty="0"/>
-              <a:t>Dataset</a:t>
-            </a:r>
-          </a:p>
-        </p:txBody>
-      </p:sp>
-      <p:pic>
-        <p:nvPicPr>
-          <p:cNvPr id="8" name="Content Placeholder 7">
-            <a:extLst>
-              <a:ext uri="{FF2B5EF4-FFF2-40B4-BE49-F238E27FC236}">
-                <a16:creationId xmlns:a16="http://schemas.microsoft.com/office/drawing/2014/main" id="{CA329E94-F391-FEB0-5B08-DDB1F090D1A2}"/>
-              </a:ext>
-            </a:extLst>
-          </p:cNvPr>
-          <p:cNvPicPr>
-            <a:picLocks noGrp="1" noChangeAspect="1"/>
-          </p:cNvPicPr>
-          <p:nvPr>
-            <p:ph idx="1"/>
-          </p:nvPr>
-        </p:nvPicPr>
-        <p:blipFill>
-          <a:blip r:embed="rId2"/>
-          <a:stretch>
-            <a:fillRect/>
-          </a:stretch>
-        </p:blipFill>
-        <p:spPr>
-          <a:xfrm>
-            <a:off x="4553400" y="886846"/>
-            <a:ext cx="7200000" cy="5084307"/>
-          </a:xfrm>
-        </p:spPr>
-      </p:pic>
-    </p:spTree>
-    <p:extLst>
-      <p:ext uri="{BB962C8B-B14F-4D97-AF65-F5344CB8AC3E}">
-        <p14:creationId xmlns:p14="http://schemas.microsoft.com/office/powerpoint/2010/main" val="861469962"/>
-      </p:ext>
-    </p:extLst>
-  </p:cSld>
-  <p:clrMapOvr>
-    <a:masterClrMapping/>
-  </p:clrMapOvr>
-  <mc:AlternateContent xmlns:mc="http://schemas.openxmlformats.org/markup-compatibility/2006" xmlns:p14="http://schemas.microsoft.com/office/powerpoint/2010/main">
-    <mc:Choice Requires="p14">
-      <p:transition p14:dur="250">
-        <p:fade/>
-      </p:transition>
-    </mc:Choice>
-    <mc:Fallback xmlns="">
-      <p:transition>
-        <p:fade/>
-      </p:transition>
-    </mc:Fallback>
-  </mc:AlternateContent>
-</p:sld>
-</file>
-
-<file path=ppt/slides/slide5.xml><?xml version="1.0" encoding="utf-8"?>
-<p:sld xmlns:a="http://schemas.openxmlformats.org/drawingml/2006/main" xmlns:r="http://schemas.openxmlformats.org/officeDocument/2006/relationships" xmlns:p="http://schemas.openxmlformats.org/presentationml/2006/main">
-  <p:cSld>
-    <p:spTree>
-      <p:nvGrpSpPr>
-        <p:cNvPr id="1" name=""/>
-        <p:cNvGrpSpPr/>
-        <p:nvPr/>
-      </p:nvGrpSpPr>
-      <p:grpSpPr>
-        <a:xfrm>
-          <a:off x="0" y="0"/>
-          <a:ext cx="0" cy="0"/>
-          <a:chOff x="0" y="0"/>
-          <a:chExt cx="0" cy="0"/>
-        </a:xfrm>
-      </p:grpSpPr>
-      <p:sp>
-        <p:nvSpPr>
-          <p:cNvPr id="2" name="Title 1">
-            <a:extLst>
-              <a:ext uri="{FF2B5EF4-FFF2-40B4-BE49-F238E27FC236}">
-                <a16:creationId xmlns:a16="http://schemas.microsoft.com/office/drawing/2014/main" id="{22905838-FD68-57E5-4E46-CF61CCB276D5}"/>
-              </a:ext>
-            </a:extLst>
-          </p:cNvPr>
-          <p:cNvSpPr>
-            <a:spLocks noGrp="1"/>
-          </p:cNvSpPr>
-          <p:nvPr>
-            <p:ph type="title"/>
-          </p:nvPr>
-        </p:nvSpPr>
-        <p:spPr/>
-        <p:txBody>
-          <a:bodyPr/>
-          <a:lstStyle/>
-          <a:p>
-            <a:r>
-              <a:rPr lang="en-DE" b="1" dirty="0"/>
-              <a:t>Kreuzfahrt</a:t>
-            </a:r>
-          </a:p>
-        </p:txBody>
-      </p:sp>
-      <p:sp>
-        <p:nvSpPr>
-          <p:cNvPr id="4" name="Text Placeholder 3">
-            <a:extLst>
-              <a:ext uri="{FF2B5EF4-FFF2-40B4-BE49-F238E27FC236}">
-                <a16:creationId xmlns:a16="http://schemas.microsoft.com/office/drawing/2014/main" id="{0D99347F-32A9-90ED-9FE8-0AB0530F4454}"/>
-              </a:ext>
-            </a:extLst>
-          </p:cNvPr>
-          <p:cNvSpPr>
-            <a:spLocks noGrp="1"/>
-          </p:cNvSpPr>
-          <p:nvPr>
-            <p:ph type="body" sz="half" idx="2"/>
-          </p:nvPr>
-        </p:nvSpPr>
-        <p:spPr/>
-        <p:txBody>
-          <a:bodyPr/>
-          <a:lstStyle/>
-          <a:p>
-            <a:endParaRPr lang="en-DE" dirty="0"/>
-          </a:p>
-        </p:txBody>
-      </p:sp>
-      <p:sp>
-        <p:nvSpPr>
-          <p:cNvPr id="5" name="Footer Placeholder 4">
-            <a:extLst>
-              <a:ext uri="{FF2B5EF4-FFF2-40B4-BE49-F238E27FC236}">
-                <a16:creationId xmlns:a16="http://schemas.microsoft.com/office/drawing/2014/main" id="{67E68BA7-5FBC-7396-B0D4-510517E52637}"/>
-              </a:ext>
-            </a:extLst>
-          </p:cNvPr>
-          <p:cNvSpPr>
-            <a:spLocks noGrp="1"/>
-          </p:cNvSpPr>
-          <p:nvPr>
-            <p:ph type="ftr" sz="quarter" idx="11"/>
-          </p:nvPr>
-        </p:nvSpPr>
-        <p:spPr/>
-        <p:txBody>
-          <a:bodyPr/>
-          <a:lstStyle/>
-          <a:p>
-            <a:endParaRPr lang="en-DE" dirty="0"/>
-          </a:p>
-        </p:txBody>
-      </p:sp>
-      <p:sp>
-        <p:nvSpPr>
-          <p:cNvPr id="6" name="Slide Number Placeholder 5">
-            <a:extLst>
-              <a:ext uri="{FF2B5EF4-FFF2-40B4-BE49-F238E27FC236}">
-                <a16:creationId xmlns:a16="http://schemas.microsoft.com/office/drawing/2014/main" id="{5385B372-2676-F769-396D-FBF940E5DD21}"/>
-              </a:ext>
-            </a:extLst>
-          </p:cNvPr>
-          <p:cNvSpPr>
-            <a:spLocks noGrp="1"/>
-          </p:cNvSpPr>
-          <p:nvPr>
-            <p:ph type="sldNum" sz="quarter" idx="12"/>
-          </p:nvPr>
-        </p:nvSpPr>
-        <p:spPr/>
-        <p:txBody>
-          <a:bodyPr/>
-          <a:lstStyle/>
-          <a:p>
-            <a:fld id="{85AD0FBD-6BBA-814F-8B91-048ECB0E8981}" type="slidenum">
-              <a:rPr lang="en-DE" smtClean="0">
-                <a:latin typeface="Verdana Pro" panose="020B0604030504040204" pitchFamily="34" charset="0"/>
-              </a:rPr>
-              <a:t>5</a:t>
-            </a:fld>
-            <a:endParaRPr lang="en-DE" dirty="0">
-              <a:latin typeface="Verdana Pro" panose="020B0604030504040204" pitchFamily="34" charset="0"/>
-            </a:endParaRPr>
-          </a:p>
-        </p:txBody>
-      </p:sp>
-      <p:sp>
-        <p:nvSpPr>
-          <p:cNvPr id="7" name="Text Placeholder 6">
-            <a:extLst>
-              <a:ext uri="{FF2B5EF4-FFF2-40B4-BE49-F238E27FC236}">
-                <a16:creationId xmlns:a16="http://schemas.microsoft.com/office/drawing/2014/main" id="{E8E14692-3D3F-FD05-2656-C58061D4C9CC}"/>
-              </a:ext>
-            </a:extLst>
-          </p:cNvPr>
-          <p:cNvSpPr>
-            <a:spLocks noGrp="1"/>
-          </p:cNvSpPr>
-          <p:nvPr>
-            <p:ph type="body" sz="quarter" idx="13"/>
-          </p:nvPr>
-        </p:nvSpPr>
-        <p:spPr/>
-        <p:txBody>
-          <a:bodyPr/>
-          <a:lstStyle/>
-          <a:p>
-            <a:r>
-              <a:rPr lang="en-DE" dirty="0"/>
-              <a:t>Dataset</a:t>
-            </a:r>
-          </a:p>
-        </p:txBody>
-      </p:sp>
-      <p:sp>
-        <p:nvSpPr>
-          <p:cNvPr id="9" name="Content Placeholder 8">
-            <a:extLst>
-              <a:ext uri="{FF2B5EF4-FFF2-40B4-BE49-F238E27FC236}">
-                <a16:creationId xmlns:a16="http://schemas.microsoft.com/office/drawing/2014/main" id="{931558E9-5385-BBD7-9153-2E1A77BA3F4E}"/>
-              </a:ext>
-            </a:extLst>
-          </p:cNvPr>
-          <p:cNvSpPr>
-            <a:spLocks noGrp="1"/>
-          </p:cNvSpPr>
-          <p:nvPr>
-            <p:ph idx="1"/>
-          </p:nvPr>
-        </p:nvSpPr>
-        <p:spPr/>
-        <p:txBody>
-          <a:bodyPr>
-            <a:normAutofit/>
-          </a:bodyPr>
-          <a:lstStyle/>
-          <a:p>
-            <a:endParaRPr lang="en-DE" dirty="0"/>
-          </a:p>
-        </p:txBody>
-      </p:sp>
-    </p:spTree>
-    <p:extLst>
-      <p:ext uri="{BB962C8B-B14F-4D97-AF65-F5344CB8AC3E}">
-        <p14:creationId xmlns:p14="http://schemas.microsoft.com/office/powerpoint/2010/main" val="1439593623"/>
-      </p:ext>
-    </p:extLst>
-  </p:cSld>
-  <p:clrMapOvr>
-    <a:masterClrMapping/>
-  </p:clrMapOvr>
-  <mc:AlternateContent xmlns:mc="http://schemas.openxmlformats.org/markup-compatibility/2006" xmlns:p14="http://schemas.microsoft.com/office/powerpoint/2010/main">
-    <mc:Choice Requires="p14">
-      <p:transition p14:dur="250">
-        <p:fade/>
-      </p:transition>
-    </mc:Choice>
-    <mc:Fallback xmlns="">
-      <p:transition>
-        <p:fade/>
-      </p:transition>
-    </mc:Fallback>
-  </mc:AlternateContent>
-</p:sld>
-</file>
-
-<file path=ppt/slides/slide6.xml><?xml version="1.0" encoding="utf-8"?>
-<p:sld xmlns:a="http://schemas.openxmlformats.org/drawingml/2006/main" xmlns:r="http://schemas.openxmlformats.org/officeDocument/2006/relationships" xmlns:p="http://schemas.openxmlformats.org/presentationml/2006/main">
-  <p:cSld>
-    <p:spTree>
-      <p:nvGrpSpPr>
-        <p:cNvPr id="1" name=""/>
-        <p:cNvGrpSpPr/>
-        <p:nvPr/>
-      </p:nvGrpSpPr>
-      <p:grpSpPr>
-        <a:xfrm>
-          <a:off x="0" y="0"/>
-          <a:ext cx="0" cy="0"/>
-          <a:chOff x="0" y="0"/>
-          <a:chExt cx="0" cy="0"/>
-        </a:xfrm>
-      </p:grpSpPr>
-      <p:sp>
-        <p:nvSpPr>
-          <p:cNvPr id="2" name="Title 1">
-            <a:extLst>
-              <a:ext uri="{FF2B5EF4-FFF2-40B4-BE49-F238E27FC236}">
-                <a16:creationId xmlns:a16="http://schemas.microsoft.com/office/drawing/2014/main" id="{22905838-FD68-57E5-4E46-CF61CCB276D5}"/>
-              </a:ext>
-            </a:extLst>
-          </p:cNvPr>
-          <p:cNvSpPr>
-            <a:spLocks noGrp="1"/>
-          </p:cNvSpPr>
-          <p:nvPr>
-            <p:ph type="title"/>
-          </p:nvPr>
-        </p:nvSpPr>
-        <p:spPr>
-          <a:xfrm>
-            <a:off x="839788" y="0"/>
-            <a:ext cx="3932237" cy="6858000"/>
-          </a:xfrm>
-        </p:spPr>
-        <p:txBody>
-          <a:bodyPr anchor="ctr"/>
-          <a:lstStyle/>
-          <a:p>
-            <a:r>
-              <a:rPr lang="en-DE" b="1" dirty="0"/>
-              <a:t>Baseline Model</a:t>
-            </a:r>
-          </a:p>
-        </p:txBody>
-      </p:sp>
-      <p:sp>
-        <p:nvSpPr>
-          <p:cNvPr id="5" name="Footer Placeholder 4">
-            <a:extLst>
-              <a:ext uri="{FF2B5EF4-FFF2-40B4-BE49-F238E27FC236}">
-                <a16:creationId xmlns:a16="http://schemas.microsoft.com/office/drawing/2014/main" id="{67E68BA7-5FBC-7396-B0D4-510517E52637}"/>
-              </a:ext>
-            </a:extLst>
-          </p:cNvPr>
-          <p:cNvSpPr>
-            <a:spLocks noGrp="1"/>
-          </p:cNvSpPr>
-          <p:nvPr>
-            <p:ph type="ftr" sz="quarter" idx="11"/>
-          </p:nvPr>
-        </p:nvSpPr>
-        <p:spPr/>
-        <p:txBody>
-          <a:bodyPr/>
-          <a:lstStyle/>
-          <a:p>
-            <a:endParaRPr lang="en-DE" dirty="0"/>
-          </a:p>
-        </p:txBody>
-      </p:sp>
-      <p:sp>
-        <p:nvSpPr>
-          <p:cNvPr id="6" name="Slide Number Placeholder 5">
-            <a:extLst>
-              <a:ext uri="{FF2B5EF4-FFF2-40B4-BE49-F238E27FC236}">
-                <a16:creationId xmlns:a16="http://schemas.microsoft.com/office/drawing/2014/main" id="{5385B372-2676-F769-396D-FBF940E5DD21}"/>
-              </a:ext>
-            </a:extLst>
-          </p:cNvPr>
-          <p:cNvSpPr>
-            <a:spLocks noGrp="1"/>
-          </p:cNvSpPr>
-          <p:nvPr>
-            <p:ph type="sldNum" sz="quarter" idx="12"/>
-          </p:nvPr>
-        </p:nvSpPr>
-        <p:spPr/>
-        <p:txBody>
-          <a:bodyPr/>
-          <a:lstStyle/>
-          <a:p>
-            <a:fld id="{85AD0FBD-6BBA-814F-8B91-048ECB0E8981}" type="slidenum">
-              <a:rPr lang="en-DE" smtClean="0"/>
-              <a:t>6</a:t>
-            </a:fld>
-            <a:endParaRPr lang="en-DE"/>
-          </a:p>
-        </p:txBody>
-      </p:sp>
-      <p:sp>
-        <p:nvSpPr>
-          <p:cNvPr id="7" name="Text Placeholder 6">
-            <a:extLst>
-              <a:ext uri="{FF2B5EF4-FFF2-40B4-BE49-F238E27FC236}">
-                <a16:creationId xmlns:a16="http://schemas.microsoft.com/office/drawing/2014/main" id="{E8E14692-3D3F-FD05-2656-C58061D4C9CC}"/>
-              </a:ext>
-            </a:extLst>
-          </p:cNvPr>
-          <p:cNvSpPr>
-            <a:spLocks noGrp="1"/>
-          </p:cNvSpPr>
-          <p:nvPr>
-            <p:ph type="body" sz="quarter" idx="13"/>
-          </p:nvPr>
-        </p:nvSpPr>
-        <p:spPr/>
-        <p:txBody>
-          <a:bodyPr/>
-          <a:lstStyle/>
-          <a:p>
-            <a:r>
-              <a:rPr lang="en-DE" dirty="0"/>
-              <a:t>Baseline Model</a:t>
-            </a:r>
-          </a:p>
-        </p:txBody>
-      </p:sp>
-      <p:pic>
-        <p:nvPicPr>
-          <p:cNvPr id="8" name="Content Placeholder 7">
-            <a:extLst>
-              <a:ext uri="{FF2B5EF4-FFF2-40B4-BE49-F238E27FC236}">
-                <a16:creationId xmlns:a16="http://schemas.microsoft.com/office/drawing/2014/main" id="{45EC6B7E-C966-9B0A-7EE9-322FADE1794C}"/>
-              </a:ext>
-            </a:extLst>
-          </p:cNvPr>
-          <p:cNvPicPr>
-            <a:picLocks noGrp="1" noChangeAspect="1"/>
-          </p:cNvPicPr>
-          <p:nvPr>
-            <p:ph idx="1"/>
-          </p:nvPr>
-        </p:nvPicPr>
-        <p:blipFill>
-          <a:blip r:embed="rId2">
-            <a:extLst>
-              <a:ext uri="{96DAC541-7B7A-43D3-8B79-37D633B846F1}">
-                <asvg:svgBlip xmlns:asvg="http://schemas.microsoft.com/office/drawing/2016/SVG/main" r:embed="rId3"/>
-              </a:ext>
-            </a:extLst>
-          </a:blip>
-          <a:stretch>
-            <a:fillRect/>
-          </a:stretch>
-        </p:blipFill>
-        <p:spPr>
-          <a:xfrm>
-            <a:off x="5334987" y="987425"/>
-            <a:ext cx="5868601" cy="4873625"/>
-          </a:xfrm>
-        </p:spPr>
-      </p:pic>
-      <p:pic>
-        <p:nvPicPr>
-          <p:cNvPr id="9" name="Picture 8" descr="A computer screen shot of a program&#10;&#10;Description automatically generated">
-            <a:extLst>
-              <a:ext uri="{FF2B5EF4-FFF2-40B4-BE49-F238E27FC236}">
-                <a16:creationId xmlns:a16="http://schemas.microsoft.com/office/drawing/2014/main" id="{670645C4-9DA0-1EC9-F633-601BD22F56EF}"/>
-              </a:ext>
-            </a:extLst>
-          </p:cNvPr>
-          <p:cNvPicPr>
-            <a:picLocks noChangeAspect="1"/>
-          </p:cNvPicPr>
-          <p:nvPr/>
-        </p:nvPicPr>
-        <p:blipFill>
-          <a:blip r:embed="rId4"/>
-          <a:stretch>
-            <a:fillRect/>
-          </a:stretch>
-        </p:blipFill>
-        <p:spPr>
-          <a:xfrm>
-            <a:off x="4772025" y="1446772"/>
-            <a:ext cx="7200000" cy="3954929"/>
-          </a:xfrm>
-          <a:prstGeom prst="rect">
-            <a:avLst/>
-          </a:prstGeom>
-        </p:spPr>
-      </p:pic>
-    </p:spTree>
-    <p:extLst>
-      <p:ext uri="{BB962C8B-B14F-4D97-AF65-F5344CB8AC3E}">
-        <p14:creationId xmlns:p14="http://schemas.microsoft.com/office/powerpoint/2010/main" val="3050490437"/>
-      </p:ext>
-    </p:extLst>
-  </p:cSld>
-  <p:clrMapOvr>
-    <a:masterClrMapping/>
-  </p:clrMapOvr>
-  <mc:AlternateContent xmlns:mc="http://schemas.openxmlformats.org/markup-compatibility/2006" xmlns:p159="http://schemas.microsoft.com/office/powerpoint/2015/09/main">
-    <mc:Choice Requires="p159">
-      <p:transition xmlns:p14="http://schemas.microsoft.com/office/powerpoint/2010/main" spd="slow" p14:dur="2000">
-        <p159:morph option="byObject"/>
-      </p:transition>
-    </mc:Choice>
-    <mc:Fallback xmlns="">
-      <p:transition spd="slow">
-        <p:fade/>
-      </p:transition>
-    </mc:Fallback>
-  </mc:AlternateContent>
-</p:sld>
-</file>
-
-<file path=ppt/slides/slide7.xml><?xml version="1.0" encoding="utf-8"?>
-<p:sld xmlns:a="http://schemas.openxmlformats.org/drawingml/2006/main" xmlns:r="http://schemas.openxmlformats.org/officeDocument/2006/relationships" xmlns:p="http://schemas.openxmlformats.org/presentationml/2006/main">
-  <p:cSld>
-    <p:spTree>
-      <p:nvGrpSpPr>
-        <p:cNvPr id="1" name=""/>
-        <p:cNvGrpSpPr/>
-        <p:nvPr/>
-      </p:nvGrpSpPr>
-      <p:grpSpPr>
-        <a:xfrm>
-          <a:off x="0" y="0"/>
-          <a:ext cx="0" cy="0"/>
-          <a:chOff x="0" y="0"/>
-          <a:chExt cx="0" cy="0"/>
-        </a:xfrm>
-      </p:grpSpPr>
-      <p:sp>
-        <p:nvSpPr>
-          <p:cNvPr id="2" name="Footer Placeholder 1">
-            <a:extLst>
-              <a:ext uri="{FF2B5EF4-FFF2-40B4-BE49-F238E27FC236}">
-                <a16:creationId xmlns:a16="http://schemas.microsoft.com/office/drawing/2014/main" id="{0F0ABF05-B810-1E4D-E8F6-660725C2970C}"/>
-              </a:ext>
-            </a:extLst>
-          </p:cNvPr>
-          <p:cNvSpPr>
-            <a:spLocks noGrp="1"/>
-          </p:cNvSpPr>
-          <p:nvPr>
-            <p:ph type="ftr" sz="quarter" idx="11"/>
-          </p:nvPr>
-        </p:nvSpPr>
-        <p:spPr/>
-        <p:txBody>
-          <a:bodyPr/>
-          <a:lstStyle/>
-          <a:p>
-            <a:endParaRPr lang="en-DE" dirty="0"/>
-          </a:p>
-        </p:txBody>
-      </p:sp>
-      <p:sp>
-        <p:nvSpPr>
-          <p:cNvPr id="3" name="Slide Number Placeholder 2">
-            <a:extLst>
-              <a:ext uri="{FF2B5EF4-FFF2-40B4-BE49-F238E27FC236}">
-                <a16:creationId xmlns:a16="http://schemas.microsoft.com/office/drawing/2014/main" id="{FC8002A5-F473-03CA-9029-D8DB37F31FA4}"/>
-              </a:ext>
-            </a:extLst>
-          </p:cNvPr>
-          <p:cNvSpPr>
-            <a:spLocks noGrp="1"/>
-          </p:cNvSpPr>
-          <p:nvPr>
-            <p:ph type="sldNum" sz="quarter" idx="12"/>
-          </p:nvPr>
-        </p:nvSpPr>
-        <p:spPr/>
-        <p:txBody>
-          <a:bodyPr/>
-          <a:lstStyle/>
-          <a:p>
-            <a:fld id="{85AD0FBD-6BBA-814F-8B91-048ECB0E8981}" type="slidenum">
-              <a:rPr lang="en-DE" smtClean="0"/>
-              <a:t>7</a:t>
             </a:fld>
             <a:endParaRPr lang="en-DE"/>
           </a:p>
@@ -6933,7 +5674,7 @@
 </p:sld>
 </file>
 
-<file path=ppt/slides/slide8.xml><?xml version="1.0" encoding="utf-8"?>
+<file path=ppt/slides/slide11.xml><?xml version="1.0" encoding="utf-8"?>
 <p:sld xmlns:a="http://schemas.openxmlformats.org/drawingml/2006/main" xmlns:r="http://schemas.openxmlformats.org/officeDocument/2006/relationships" xmlns:p="http://schemas.openxmlformats.org/presentationml/2006/main">
   <p:cSld>
     <p:spTree>
@@ -6966,7 +5707,12 @@
             <p:ph type="ftr" sz="quarter" idx="11"/>
           </p:nvPr>
         </p:nvSpPr>
-        <p:spPr/>
+        <p:spPr>
+          <a:xfrm>
+            <a:off x="4038600" y="6460780"/>
+            <a:ext cx="4114800" cy="365125"/>
+          </a:xfrm>
+        </p:spPr>
         <p:txBody>
           <a:bodyPr/>
           <a:lstStyle/>
@@ -6998,7 +5744,7 @@
           <a:p>
             <a:fld id="{85AD0FBD-6BBA-814F-8B91-048ECB0E8981}" type="slidenum">
               <a:rPr lang="en-DE" smtClean="0"/>
-              <a:t>8</a:t>
+              <a:t>11</a:t>
             </a:fld>
             <a:endParaRPr lang="en-DE"/>
           </a:p>
@@ -7153,7 +5899,7 @@
 </p:sld>
 </file>
 
-<file path=ppt/slides/slide9.xml><?xml version="1.0" encoding="utf-8"?>
+<file path=ppt/slides/slide12.xml><?xml version="1.0" encoding="utf-8"?>
 <p:sld xmlns:a="http://schemas.openxmlformats.org/drawingml/2006/main" xmlns:r="http://schemas.openxmlformats.org/officeDocument/2006/relationships" xmlns:p="http://schemas.openxmlformats.org/presentationml/2006/main">
   <p:cSld>
     <p:spTree>
@@ -7219,7 +5965,12 @@
             <p:ph type="ftr" sz="quarter" idx="11"/>
           </p:nvPr>
         </p:nvSpPr>
-        <p:spPr/>
+        <p:spPr>
+          <a:xfrm>
+            <a:off x="4038600" y="6460780"/>
+            <a:ext cx="4114800" cy="365125"/>
+          </a:xfrm>
+        </p:spPr>
         <p:txBody>
           <a:bodyPr/>
           <a:lstStyle/>
@@ -7251,7 +6002,7 @@
           <a:p>
             <a:fld id="{85AD0FBD-6BBA-814F-8B91-048ECB0E8981}" type="slidenum">
               <a:rPr lang="en-DE" smtClean="0"/>
-              <a:t>9</a:t>
+              <a:t>12</a:t>
             </a:fld>
             <a:endParaRPr lang="en-DE"/>
           </a:p>
@@ -7354,6 +6105,2389 @@
     <p:extLst>
       <p:ext uri="{BB962C8B-B14F-4D97-AF65-F5344CB8AC3E}">
         <p14:creationId xmlns:p14="http://schemas.microsoft.com/office/powerpoint/2010/main" val="3339332554"/>
+      </p:ext>
+    </p:extLst>
+  </p:cSld>
+  <p:clrMapOvr>
+    <a:masterClrMapping/>
+  </p:clrMapOvr>
+  <mc:AlternateContent xmlns:mc="http://schemas.openxmlformats.org/markup-compatibility/2006" xmlns:p159="http://schemas.microsoft.com/office/powerpoint/2015/09/main">
+    <mc:Choice Requires="p159">
+      <p:transition xmlns:p14="http://schemas.microsoft.com/office/powerpoint/2010/main" spd="slow" p14:dur="2000">
+        <p159:morph option="byObject"/>
+      </p:transition>
+    </mc:Choice>
+    <mc:Fallback xmlns="">
+      <p:transition spd="slow">
+        <p:fade/>
+      </p:transition>
+    </mc:Fallback>
+  </mc:AlternateContent>
+</p:sld>
+</file>
+
+<file path=ppt/slides/slide13.xml><?xml version="1.0" encoding="utf-8"?>
+<p:sld xmlns:a="http://schemas.openxmlformats.org/drawingml/2006/main" xmlns:r="http://schemas.openxmlformats.org/officeDocument/2006/relationships" xmlns:p="http://schemas.openxmlformats.org/presentationml/2006/main">
+  <p:cSld>
+    <p:spTree>
+      <p:nvGrpSpPr>
+        <p:cNvPr id="1" name=""/>
+        <p:cNvGrpSpPr/>
+        <p:nvPr/>
+      </p:nvGrpSpPr>
+      <p:grpSpPr>
+        <a:xfrm>
+          <a:off x="0" y="0"/>
+          <a:ext cx="0" cy="0"/>
+          <a:chOff x="0" y="0"/>
+          <a:chExt cx="0" cy="0"/>
+        </a:xfrm>
+      </p:grpSpPr>
+      <p:sp>
+        <p:nvSpPr>
+          <p:cNvPr id="2" name="Footer Placeholder 1">
+            <a:extLst>
+              <a:ext uri="{FF2B5EF4-FFF2-40B4-BE49-F238E27FC236}">
+                <a16:creationId xmlns:a16="http://schemas.microsoft.com/office/drawing/2014/main" id="{0F0ABF05-B810-1E4D-E8F6-660725C2970C}"/>
+              </a:ext>
+            </a:extLst>
+          </p:cNvPr>
+          <p:cNvSpPr>
+            <a:spLocks noGrp="1"/>
+          </p:cNvSpPr>
+          <p:nvPr>
+            <p:ph type="ftr" sz="quarter" idx="11"/>
+          </p:nvPr>
+        </p:nvSpPr>
+        <p:spPr>
+          <a:xfrm>
+            <a:off x="4038600" y="6460780"/>
+            <a:ext cx="4114800" cy="365125"/>
+          </a:xfrm>
+        </p:spPr>
+        <p:txBody>
+          <a:bodyPr/>
+          <a:lstStyle/>
+          <a:p>
+            <a:endParaRPr lang="en-DE" dirty="0"/>
+          </a:p>
+        </p:txBody>
+      </p:sp>
+      <p:sp>
+        <p:nvSpPr>
+          <p:cNvPr id="3" name="Slide Number Placeholder 2">
+            <a:extLst>
+              <a:ext uri="{FF2B5EF4-FFF2-40B4-BE49-F238E27FC236}">
+                <a16:creationId xmlns:a16="http://schemas.microsoft.com/office/drawing/2014/main" id="{FC8002A5-F473-03CA-9029-D8DB37F31FA4}"/>
+              </a:ext>
+            </a:extLst>
+          </p:cNvPr>
+          <p:cNvSpPr>
+            <a:spLocks noGrp="1"/>
+          </p:cNvSpPr>
+          <p:nvPr>
+            <p:ph type="sldNum" sz="quarter" idx="12"/>
+          </p:nvPr>
+        </p:nvSpPr>
+        <p:spPr/>
+        <p:txBody>
+          <a:bodyPr/>
+          <a:lstStyle/>
+          <a:p>
+            <a:fld id="{85AD0FBD-6BBA-814F-8B91-048ECB0E8981}" type="slidenum">
+              <a:rPr lang="en-DE" smtClean="0"/>
+              <a:t>13</a:t>
+            </a:fld>
+            <a:endParaRPr lang="en-DE"/>
+          </a:p>
+        </p:txBody>
+      </p:sp>
+      <p:sp>
+        <p:nvSpPr>
+          <p:cNvPr id="4" name="Text Placeholder 3">
+            <a:extLst>
+              <a:ext uri="{FF2B5EF4-FFF2-40B4-BE49-F238E27FC236}">
+                <a16:creationId xmlns:a16="http://schemas.microsoft.com/office/drawing/2014/main" id="{BFDD1D23-1D52-8352-0E6D-03365C6E14F0}"/>
+              </a:ext>
+            </a:extLst>
+          </p:cNvPr>
+          <p:cNvSpPr>
+            <a:spLocks noGrp="1"/>
+          </p:cNvSpPr>
+          <p:nvPr>
+            <p:ph type="body" sz="quarter" idx="13"/>
+          </p:nvPr>
+        </p:nvSpPr>
+        <p:spPr/>
+        <p:txBody>
+          <a:bodyPr/>
+          <a:lstStyle/>
+          <a:p>
+            <a:r>
+              <a:rPr lang="en-DE" dirty="0"/>
+              <a:t>Neural Network</a:t>
+            </a:r>
+          </a:p>
+        </p:txBody>
+      </p:sp>
+      <p:pic>
+        <p:nvPicPr>
+          <p:cNvPr id="5" name="Picture 4" descr="A screen shot of a computer code&#10;&#10;Description automatically generated">
+            <a:extLst>
+              <a:ext uri="{FF2B5EF4-FFF2-40B4-BE49-F238E27FC236}">
+                <a16:creationId xmlns:a16="http://schemas.microsoft.com/office/drawing/2014/main" id="{F9A9F3CB-BD58-99AD-CF70-901AADFC5907}"/>
+              </a:ext>
+            </a:extLst>
+          </p:cNvPr>
+          <p:cNvPicPr>
+            <a:picLocks noChangeAspect="1"/>
+          </p:cNvPicPr>
+          <p:nvPr/>
+        </p:nvPicPr>
+        <p:blipFill>
+          <a:blip r:embed="rId2"/>
+          <a:stretch>
+            <a:fillRect/>
+          </a:stretch>
+        </p:blipFill>
+        <p:spPr>
+          <a:xfrm>
+            <a:off x="1146000" y="1161266"/>
+            <a:ext cx="9900000" cy="4535468"/>
+          </a:xfrm>
+          <a:prstGeom prst="rect">
+            <a:avLst/>
+          </a:prstGeom>
+        </p:spPr>
+      </p:pic>
+    </p:spTree>
+    <p:extLst>
+      <p:ext uri="{BB962C8B-B14F-4D97-AF65-F5344CB8AC3E}">
+        <p14:creationId xmlns:p14="http://schemas.microsoft.com/office/powerpoint/2010/main" val="3081502435"/>
+      </p:ext>
+    </p:extLst>
+  </p:cSld>
+  <p:clrMapOvr>
+    <a:masterClrMapping/>
+  </p:clrMapOvr>
+  <mc:AlternateContent xmlns:mc="http://schemas.openxmlformats.org/markup-compatibility/2006" xmlns:p159="http://schemas.microsoft.com/office/powerpoint/2015/09/main">
+    <mc:Choice Requires="p159">
+      <p:transition xmlns:p14="http://schemas.microsoft.com/office/powerpoint/2010/main" spd="slow" p14:dur="2000">
+        <p159:morph option="byObject"/>
+      </p:transition>
+    </mc:Choice>
+    <mc:Fallback xmlns="">
+      <p:transition spd="slow">
+        <p:fade/>
+      </p:transition>
+    </mc:Fallback>
+  </mc:AlternateContent>
+</p:sld>
+</file>
+
+<file path=ppt/slides/slide14.xml><?xml version="1.0" encoding="utf-8"?>
+<p:sld xmlns:a="http://schemas.openxmlformats.org/drawingml/2006/main" xmlns:r="http://schemas.openxmlformats.org/officeDocument/2006/relationships" xmlns:p="http://schemas.openxmlformats.org/presentationml/2006/main">
+  <p:cSld>
+    <p:spTree>
+      <p:nvGrpSpPr>
+        <p:cNvPr id="1" name=""/>
+        <p:cNvGrpSpPr/>
+        <p:nvPr/>
+      </p:nvGrpSpPr>
+      <p:grpSpPr>
+        <a:xfrm>
+          <a:off x="0" y="0"/>
+          <a:ext cx="0" cy="0"/>
+          <a:chOff x="0" y="0"/>
+          <a:chExt cx="0" cy="0"/>
+        </a:xfrm>
+      </p:grpSpPr>
+      <p:sp>
+        <p:nvSpPr>
+          <p:cNvPr id="5" name="Footer Placeholder 4">
+            <a:extLst>
+              <a:ext uri="{FF2B5EF4-FFF2-40B4-BE49-F238E27FC236}">
+                <a16:creationId xmlns:a16="http://schemas.microsoft.com/office/drawing/2014/main" id="{67E68BA7-5FBC-7396-B0D4-510517E52637}"/>
+              </a:ext>
+            </a:extLst>
+          </p:cNvPr>
+          <p:cNvSpPr>
+            <a:spLocks noGrp="1"/>
+          </p:cNvSpPr>
+          <p:nvPr>
+            <p:ph type="ftr" sz="quarter" idx="11"/>
+          </p:nvPr>
+        </p:nvSpPr>
+        <p:spPr>
+          <a:xfrm>
+            <a:off x="4038600" y="6460780"/>
+            <a:ext cx="4114800" cy="365125"/>
+          </a:xfrm>
+        </p:spPr>
+        <p:txBody>
+          <a:bodyPr/>
+          <a:lstStyle/>
+          <a:p>
+            <a:endParaRPr lang="en-DE" dirty="0"/>
+          </a:p>
+        </p:txBody>
+      </p:sp>
+      <p:sp>
+        <p:nvSpPr>
+          <p:cNvPr id="6" name="Slide Number Placeholder 5">
+            <a:extLst>
+              <a:ext uri="{FF2B5EF4-FFF2-40B4-BE49-F238E27FC236}">
+                <a16:creationId xmlns:a16="http://schemas.microsoft.com/office/drawing/2014/main" id="{5385B372-2676-F769-396D-FBF940E5DD21}"/>
+              </a:ext>
+            </a:extLst>
+          </p:cNvPr>
+          <p:cNvSpPr>
+            <a:spLocks noGrp="1"/>
+          </p:cNvSpPr>
+          <p:nvPr>
+            <p:ph type="sldNum" sz="quarter" idx="12"/>
+          </p:nvPr>
+        </p:nvSpPr>
+        <p:spPr/>
+        <p:txBody>
+          <a:bodyPr/>
+          <a:lstStyle/>
+          <a:p>
+            <a:fld id="{85AD0FBD-6BBA-814F-8B91-048ECB0E8981}" type="slidenum">
+              <a:rPr lang="en-DE" smtClean="0"/>
+              <a:t>14</a:t>
+            </a:fld>
+            <a:endParaRPr lang="en-DE"/>
+          </a:p>
+        </p:txBody>
+      </p:sp>
+      <p:sp>
+        <p:nvSpPr>
+          <p:cNvPr id="7" name="Text Placeholder 6">
+            <a:extLst>
+              <a:ext uri="{FF2B5EF4-FFF2-40B4-BE49-F238E27FC236}">
+                <a16:creationId xmlns:a16="http://schemas.microsoft.com/office/drawing/2014/main" id="{E8E14692-3D3F-FD05-2656-C58061D4C9CC}"/>
+              </a:ext>
+            </a:extLst>
+          </p:cNvPr>
+          <p:cNvSpPr>
+            <a:spLocks noGrp="1"/>
+          </p:cNvSpPr>
+          <p:nvPr>
+            <p:ph type="body" sz="quarter" idx="13"/>
+          </p:nvPr>
+        </p:nvSpPr>
+        <p:spPr/>
+        <p:txBody>
+          <a:bodyPr/>
+          <a:lstStyle/>
+          <a:p>
+            <a:r>
+              <a:rPr lang="en-DE" dirty="0"/>
+              <a:t>Neural Network</a:t>
+            </a:r>
+          </a:p>
+        </p:txBody>
+      </p:sp>
+      <p:pic>
+        <p:nvPicPr>
+          <p:cNvPr id="8" name="Content Placeholder 7">
+            <a:extLst>
+              <a:ext uri="{FF2B5EF4-FFF2-40B4-BE49-F238E27FC236}">
+                <a16:creationId xmlns:a16="http://schemas.microsoft.com/office/drawing/2014/main" id="{45EC6B7E-C966-9B0A-7EE9-322FADE1794C}"/>
+              </a:ext>
+            </a:extLst>
+          </p:cNvPr>
+          <p:cNvPicPr>
+            <a:picLocks noGrp="1" noChangeAspect="1"/>
+          </p:cNvPicPr>
+          <p:nvPr>
+            <p:ph idx="1"/>
+          </p:nvPr>
+        </p:nvPicPr>
+        <p:blipFill>
+          <a:blip r:embed="rId2">
+            <a:extLst>
+              <a:ext uri="{96DAC541-7B7A-43D3-8B79-37D633B846F1}">
+                <asvg:svgBlip xmlns:asvg="http://schemas.microsoft.com/office/drawing/2016/SVG/main" r:embed="rId3"/>
+              </a:ext>
+            </a:extLst>
+          </a:blip>
+          <a:stretch>
+            <a:fillRect/>
+          </a:stretch>
+        </p:blipFill>
+        <p:spPr>
+          <a:xfrm>
+            <a:off x="5334987" y="987425"/>
+            <a:ext cx="5868601" cy="4873625"/>
+          </a:xfrm>
+        </p:spPr>
+      </p:pic>
+      <p:pic>
+        <p:nvPicPr>
+          <p:cNvPr id="13" name="Picture 12" descr="A computer code on a black background&#10;&#10;Description automatically generated">
+            <a:extLst>
+              <a:ext uri="{FF2B5EF4-FFF2-40B4-BE49-F238E27FC236}">
+                <a16:creationId xmlns:a16="http://schemas.microsoft.com/office/drawing/2014/main" id="{6E809F69-FED6-6A10-CE6A-E406E3188A06}"/>
+              </a:ext>
+            </a:extLst>
+          </p:cNvPr>
+          <p:cNvPicPr>
+            <a:picLocks noChangeAspect="1"/>
+          </p:cNvPicPr>
+          <p:nvPr/>
+        </p:nvPicPr>
+        <p:blipFill>
+          <a:blip r:embed="rId4"/>
+          <a:stretch>
+            <a:fillRect/>
+          </a:stretch>
+        </p:blipFill>
+        <p:spPr>
+          <a:xfrm>
+            <a:off x="1146000" y="1050365"/>
+            <a:ext cx="9900000" cy="4747743"/>
+          </a:xfrm>
+          <a:prstGeom prst="rect">
+            <a:avLst/>
+          </a:prstGeom>
+        </p:spPr>
+      </p:pic>
+    </p:spTree>
+    <p:extLst>
+      <p:ext uri="{BB962C8B-B14F-4D97-AF65-F5344CB8AC3E}">
+        <p14:creationId xmlns:p14="http://schemas.microsoft.com/office/powerpoint/2010/main" val="3522732240"/>
+      </p:ext>
+    </p:extLst>
+  </p:cSld>
+  <p:clrMapOvr>
+    <a:masterClrMapping/>
+  </p:clrMapOvr>
+  <mc:AlternateContent xmlns:mc="http://schemas.openxmlformats.org/markup-compatibility/2006" xmlns:p159="http://schemas.microsoft.com/office/powerpoint/2015/09/main">
+    <mc:Choice Requires="p159">
+      <p:transition xmlns:p14="http://schemas.microsoft.com/office/powerpoint/2010/main" spd="slow" p14:dur="2000">
+        <p159:morph option="byObject"/>
+      </p:transition>
+    </mc:Choice>
+    <mc:Fallback xmlns="">
+      <p:transition spd="slow">
+        <p:fade/>
+      </p:transition>
+    </mc:Fallback>
+  </mc:AlternateContent>
+</p:sld>
+</file>
+
+<file path=ppt/slides/slide15.xml><?xml version="1.0" encoding="utf-8"?>
+<p:sld xmlns:a="http://schemas.openxmlformats.org/drawingml/2006/main" xmlns:r="http://schemas.openxmlformats.org/officeDocument/2006/relationships" xmlns:p="http://schemas.openxmlformats.org/presentationml/2006/main">
+  <p:cSld>
+    <p:spTree>
+      <p:nvGrpSpPr>
+        <p:cNvPr id="1" name="">
+          <a:extLst>
+            <a:ext uri="{FF2B5EF4-FFF2-40B4-BE49-F238E27FC236}">
+              <a16:creationId xmlns:a16="http://schemas.microsoft.com/office/drawing/2014/main" id="{0111B905-03BB-3862-E7E3-AEDBE1816680}"/>
+            </a:ext>
+          </a:extLst>
+        </p:cNvPr>
+        <p:cNvGrpSpPr/>
+        <p:nvPr/>
+      </p:nvGrpSpPr>
+      <p:grpSpPr>
+        <a:xfrm>
+          <a:off x="0" y="0"/>
+          <a:ext cx="0" cy="0"/>
+          <a:chOff x="0" y="0"/>
+          <a:chExt cx="0" cy="0"/>
+        </a:xfrm>
+      </p:grpSpPr>
+      <p:sp>
+        <p:nvSpPr>
+          <p:cNvPr id="5" name="Footer Placeholder 4">
+            <a:extLst>
+              <a:ext uri="{FF2B5EF4-FFF2-40B4-BE49-F238E27FC236}">
+                <a16:creationId xmlns:a16="http://schemas.microsoft.com/office/drawing/2014/main" id="{DDCA369F-EA9F-FDBB-0891-76F72636EC7A}"/>
+              </a:ext>
+            </a:extLst>
+          </p:cNvPr>
+          <p:cNvSpPr>
+            <a:spLocks noGrp="1"/>
+          </p:cNvSpPr>
+          <p:nvPr>
+            <p:ph type="ftr" sz="quarter" idx="11"/>
+          </p:nvPr>
+        </p:nvSpPr>
+        <p:spPr>
+          <a:xfrm>
+            <a:off x="4038600" y="6460780"/>
+            <a:ext cx="4114800" cy="365125"/>
+          </a:xfrm>
+        </p:spPr>
+        <p:txBody>
+          <a:bodyPr/>
+          <a:lstStyle/>
+          <a:p>
+            <a:endParaRPr lang="en-DE" dirty="0"/>
+          </a:p>
+        </p:txBody>
+      </p:sp>
+      <p:sp>
+        <p:nvSpPr>
+          <p:cNvPr id="6" name="Slide Number Placeholder 5">
+            <a:extLst>
+              <a:ext uri="{FF2B5EF4-FFF2-40B4-BE49-F238E27FC236}">
+                <a16:creationId xmlns:a16="http://schemas.microsoft.com/office/drawing/2014/main" id="{DAE3DAF6-48D0-FD47-0C5D-591431F21045}"/>
+              </a:ext>
+            </a:extLst>
+          </p:cNvPr>
+          <p:cNvSpPr>
+            <a:spLocks noGrp="1"/>
+          </p:cNvSpPr>
+          <p:nvPr>
+            <p:ph type="sldNum" sz="quarter" idx="12"/>
+          </p:nvPr>
+        </p:nvSpPr>
+        <p:spPr/>
+        <p:txBody>
+          <a:bodyPr/>
+          <a:lstStyle/>
+          <a:p>
+            <a:fld id="{85AD0FBD-6BBA-814F-8B91-048ECB0E8981}" type="slidenum">
+              <a:rPr lang="en-DE" smtClean="0"/>
+              <a:t>15</a:t>
+            </a:fld>
+            <a:endParaRPr lang="en-DE"/>
+          </a:p>
+        </p:txBody>
+      </p:sp>
+      <p:sp>
+        <p:nvSpPr>
+          <p:cNvPr id="7" name="Text Placeholder 6">
+            <a:extLst>
+              <a:ext uri="{FF2B5EF4-FFF2-40B4-BE49-F238E27FC236}">
+                <a16:creationId xmlns:a16="http://schemas.microsoft.com/office/drawing/2014/main" id="{E4EC4812-6971-E1AE-039C-B3EC951284E2}"/>
+              </a:ext>
+            </a:extLst>
+          </p:cNvPr>
+          <p:cNvSpPr>
+            <a:spLocks noGrp="1"/>
+          </p:cNvSpPr>
+          <p:nvPr>
+            <p:ph type="body" sz="quarter" idx="13"/>
+          </p:nvPr>
+        </p:nvSpPr>
+        <p:spPr/>
+        <p:txBody>
+          <a:bodyPr/>
+          <a:lstStyle/>
+          <a:p>
+            <a:r>
+              <a:rPr lang="en-DE" dirty="0"/>
+              <a:t>Neural Network</a:t>
+            </a:r>
+          </a:p>
+        </p:txBody>
+      </p:sp>
+      <p:pic>
+        <p:nvPicPr>
+          <p:cNvPr id="8" name="Content Placeholder 7">
+            <a:extLst>
+              <a:ext uri="{FF2B5EF4-FFF2-40B4-BE49-F238E27FC236}">
+                <a16:creationId xmlns:a16="http://schemas.microsoft.com/office/drawing/2014/main" id="{7903EED1-E9B1-141D-3052-6564DB96510A}"/>
+              </a:ext>
+            </a:extLst>
+          </p:cNvPr>
+          <p:cNvPicPr>
+            <a:picLocks noGrp="1" noChangeAspect="1"/>
+          </p:cNvPicPr>
+          <p:nvPr>
+            <p:ph idx="1"/>
+          </p:nvPr>
+        </p:nvPicPr>
+        <p:blipFill>
+          <a:blip r:embed="rId2">
+            <a:extLst>
+              <a:ext uri="{96DAC541-7B7A-43D3-8B79-37D633B846F1}">
+                <asvg:svgBlip xmlns:asvg="http://schemas.microsoft.com/office/drawing/2016/SVG/main" r:embed="rId3"/>
+              </a:ext>
+            </a:extLst>
+          </a:blip>
+          <a:stretch>
+            <a:fillRect/>
+          </a:stretch>
+        </p:blipFill>
+        <p:spPr>
+          <a:xfrm>
+            <a:off x="5334987" y="987425"/>
+            <a:ext cx="5868601" cy="4873625"/>
+          </a:xfrm>
+        </p:spPr>
+      </p:pic>
+      <p:pic>
+        <p:nvPicPr>
+          <p:cNvPr id="16" name="Picture 15" descr="A black screen with numbers and text&#10;&#10;Description automatically generated">
+            <a:extLst>
+              <a:ext uri="{FF2B5EF4-FFF2-40B4-BE49-F238E27FC236}">
+                <a16:creationId xmlns:a16="http://schemas.microsoft.com/office/drawing/2014/main" id="{E45F5314-5222-83E9-9E42-1051FC2DA649}"/>
+              </a:ext>
+            </a:extLst>
+          </p:cNvPr>
+          <p:cNvPicPr>
+            <a:picLocks noChangeAspect="1"/>
+          </p:cNvPicPr>
+          <p:nvPr/>
+        </p:nvPicPr>
+        <p:blipFill>
+          <a:blip r:embed="rId4"/>
+          <a:stretch>
+            <a:fillRect/>
+          </a:stretch>
+        </p:blipFill>
+        <p:spPr>
+          <a:xfrm>
+            <a:off x="2209798" y="544768"/>
+            <a:ext cx="7772400" cy="5758937"/>
+          </a:xfrm>
+          <a:prstGeom prst="rect">
+            <a:avLst/>
+          </a:prstGeom>
+        </p:spPr>
+      </p:pic>
+    </p:spTree>
+    <p:extLst>
+      <p:ext uri="{BB962C8B-B14F-4D97-AF65-F5344CB8AC3E}">
+        <p14:creationId xmlns:p14="http://schemas.microsoft.com/office/powerpoint/2010/main" val="424526455"/>
+      </p:ext>
+    </p:extLst>
+  </p:cSld>
+  <p:clrMapOvr>
+    <a:masterClrMapping/>
+  </p:clrMapOvr>
+  <mc:AlternateContent xmlns:mc="http://schemas.openxmlformats.org/markup-compatibility/2006" xmlns:p159="http://schemas.microsoft.com/office/powerpoint/2015/09/main">
+    <mc:Choice Requires="p159">
+      <p:transition xmlns:p14="http://schemas.microsoft.com/office/powerpoint/2010/main" spd="slow" p14:dur="2000">
+        <p159:morph option="byObject"/>
+      </p:transition>
+    </mc:Choice>
+    <mc:Fallback xmlns="">
+      <p:transition spd="slow">
+        <p:fade/>
+      </p:transition>
+    </mc:Fallback>
+  </mc:AlternateContent>
+</p:sld>
+</file>
+
+<file path=ppt/slides/slide16.xml><?xml version="1.0" encoding="utf-8"?>
+<p:sld xmlns:a="http://schemas.openxmlformats.org/drawingml/2006/main" xmlns:r="http://schemas.openxmlformats.org/officeDocument/2006/relationships" xmlns:p="http://schemas.openxmlformats.org/presentationml/2006/main">
+  <p:cSld>
+    <p:spTree>
+      <p:nvGrpSpPr>
+        <p:cNvPr id="1" name=""/>
+        <p:cNvGrpSpPr/>
+        <p:nvPr/>
+      </p:nvGrpSpPr>
+      <p:grpSpPr>
+        <a:xfrm>
+          <a:off x="0" y="0"/>
+          <a:ext cx="0" cy="0"/>
+          <a:chOff x="0" y="0"/>
+          <a:chExt cx="0" cy="0"/>
+        </a:xfrm>
+      </p:grpSpPr>
+      <p:sp>
+        <p:nvSpPr>
+          <p:cNvPr id="2" name="Title 1">
+            <a:extLst>
+              <a:ext uri="{FF2B5EF4-FFF2-40B4-BE49-F238E27FC236}">
+                <a16:creationId xmlns:a16="http://schemas.microsoft.com/office/drawing/2014/main" id="{A3CD5B0A-0977-4525-4150-499132F191DE}"/>
+              </a:ext>
+            </a:extLst>
+          </p:cNvPr>
+          <p:cNvSpPr>
+            <a:spLocks noGrp="1"/>
+          </p:cNvSpPr>
+          <p:nvPr>
+            <p:ph type="title"/>
+          </p:nvPr>
+        </p:nvSpPr>
+        <p:spPr/>
+        <p:txBody>
+          <a:bodyPr/>
+          <a:lstStyle/>
+          <a:p>
+            <a:r>
+              <a:rPr lang="en-DE" dirty="0"/>
+              <a:t>Worst Fail</a:t>
+            </a:r>
+          </a:p>
+        </p:txBody>
+      </p:sp>
+      <p:sp>
+        <p:nvSpPr>
+          <p:cNvPr id="3" name="Content Placeholder 2">
+            <a:extLst>
+              <a:ext uri="{FF2B5EF4-FFF2-40B4-BE49-F238E27FC236}">
+                <a16:creationId xmlns:a16="http://schemas.microsoft.com/office/drawing/2014/main" id="{DD022BE6-0B66-57CD-6E05-F9C2DBEDE0AB}"/>
+              </a:ext>
+            </a:extLst>
+          </p:cNvPr>
+          <p:cNvSpPr>
+            <a:spLocks noGrp="1"/>
+          </p:cNvSpPr>
+          <p:nvPr>
+            <p:ph idx="1"/>
+          </p:nvPr>
+        </p:nvSpPr>
+        <p:spPr/>
+        <p:txBody>
+          <a:bodyPr/>
+          <a:lstStyle/>
+          <a:p>
+            <a:endParaRPr lang="en-DE"/>
+          </a:p>
+        </p:txBody>
+      </p:sp>
+      <p:sp>
+        <p:nvSpPr>
+          <p:cNvPr id="4" name="Slide Number Placeholder 3">
+            <a:extLst>
+              <a:ext uri="{FF2B5EF4-FFF2-40B4-BE49-F238E27FC236}">
+                <a16:creationId xmlns:a16="http://schemas.microsoft.com/office/drawing/2014/main" id="{333A58C2-ECCF-F378-8E87-DFFEE33224AC}"/>
+              </a:ext>
+            </a:extLst>
+          </p:cNvPr>
+          <p:cNvSpPr>
+            <a:spLocks noGrp="1"/>
+          </p:cNvSpPr>
+          <p:nvPr>
+            <p:ph type="sldNum" sz="quarter" idx="12"/>
+          </p:nvPr>
+        </p:nvSpPr>
+        <p:spPr/>
+        <p:txBody>
+          <a:bodyPr/>
+          <a:lstStyle/>
+          <a:p>
+            <a:fld id="{85AD0FBD-6BBA-814F-8B91-048ECB0E8981}" type="slidenum">
+              <a:rPr lang="en-DE" smtClean="0"/>
+              <a:t>16</a:t>
+            </a:fld>
+            <a:endParaRPr lang="en-DE"/>
+          </a:p>
+        </p:txBody>
+      </p:sp>
+      <p:sp>
+        <p:nvSpPr>
+          <p:cNvPr id="5" name="Text Placeholder 4">
+            <a:extLst>
+              <a:ext uri="{FF2B5EF4-FFF2-40B4-BE49-F238E27FC236}">
+                <a16:creationId xmlns:a16="http://schemas.microsoft.com/office/drawing/2014/main" id="{26DA3D95-051D-5C83-9E2F-99DD79559750}"/>
+              </a:ext>
+            </a:extLst>
+          </p:cNvPr>
+          <p:cNvSpPr>
+            <a:spLocks noGrp="1"/>
+          </p:cNvSpPr>
+          <p:nvPr>
+            <p:ph type="body" sz="quarter" idx="13"/>
+          </p:nvPr>
+        </p:nvSpPr>
+        <p:spPr/>
+        <p:txBody>
+          <a:bodyPr/>
+          <a:lstStyle/>
+          <a:p>
+            <a:endParaRPr lang="en-DE"/>
+          </a:p>
+        </p:txBody>
+      </p:sp>
+      <p:sp>
+        <p:nvSpPr>
+          <p:cNvPr id="6" name="Footer Placeholder 5">
+            <a:extLst>
+              <a:ext uri="{FF2B5EF4-FFF2-40B4-BE49-F238E27FC236}">
+                <a16:creationId xmlns:a16="http://schemas.microsoft.com/office/drawing/2014/main" id="{5AF698DE-F02B-1999-E12F-719A724D4677}"/>
+              </a:ext>
+            </a:extLst>
+          </p:cNvPr>
+          <p:cNvSpPr>
+            <a:spLocks noGrp="1"/>
+          </p:cNvSpPr>
+          <p:nvPr>
+            <p:ph type="ftr" sz="quarter" idx="11"/>
+          </p:nvPr>
+        </p:nvSpPr>
+        <p:spPr/>
+        <p:txBody>
+          <a:bodyPr/>
+          <a:lstStyle/>
+          <a:p>
+            <a:endParaRPr lang="en-DE" dirty="0"/>
+          </a:p>
+        </p:txBody>
+      </p:sp>
+    </p:spTree>
+    <p:extLst>
+      <p:ext uri="{BB962C8B-B14F-4D97-AF65-F5344CB8AC3E}">
+        <p14:creationId xmlns:p14="http://schemas.microsoft.com/office/powerpoint/2010/main" val="1456294249"/>
+      </p:ext>
+    </p:extLst>
+  </p:cSld>
+  <p:clrMapOvr>
+    <a:masterClrMapping/>
+  </p:clrMapOvr>
+  <mc:AlternateContent xmlns:mc="http://schemas.openxmlformats.org/markup-compatibility/2006" xmlns:p14="http://schemas.microsoft.com/office/powerpoint/2010/main">
+    <mc:Choice Requires="p14">
+      <p:transition p14:dur="250">
+        <p:fade/>
+      </p:transition>
+    </mc:Choice>
+    <mc:Fallback xmlns="">
+      <p:transition>
+        <p:fade/>
+      </p:transition>
+    </mc:Fallback>
+  </mc:AlternateContent>
+</p:sld>
+</file>
+
+<file path=ppt/slides/slide2.xml><?xml version="1.0" encoding="utf-8"?>
+<p:sld xmlns:a="http://schemas.openxmlformats.org/drawingml/2006/main" xmlns:r="http://schemas.openxmlformats.org/officeDocument/2006/relationships" xmlns:p="http://schemas.openxmlformats.org/presentationml/2006/main">
+  <p:cSld>
+    <p:spTree>
+      <p:nvGrpSpPr>
+        <p:cNvPr id="1" name=""/>
+        <p:cNvGrpSpPr/>
+        <p:nvPr/>
+      </p:nvGrpSpPr>
+      <p:grpSpPr>
+        <a:xfrm>
+          <a:off x="0" y="0"/>
+          <a:ext cx="0" cy="0"/>
+          <a:chOff x="0" y="0"/>
+          <a:chExt cx="0" cy="0"/>
+        </a:xfrm>
+      </p:grpSpPr>
+      <p:sp>
+        <p:nvSpPr>
+          <p:cNvPr id="2" name="Title 1">
+            <a:extLst>
+              <a:ext uri="{FF2B5EF4-FFF2-40B4-BE49-F238E27FC236}">
+                <a16:creationId xmlns:a16="http://schemas.microsoft.com/office/drawing/2014/main" id="{824F2C1D-D0A7-98B6-3D3A-65DC992F41B3}"/>
+              </a:ext>
+            </a:extLst>
+          </p:cNvPr>
+          <p:cNvSpPr>
+            <a:spLocks noGrp="1"/>
+          </p:cNvSpPr>
+          <p:nvPr>
+            <p:ph type="title"/>
+          </p:nvPr>
+        </p:nvSpPr>
+        <p:spPr/>
+        <p:txBody>
+          <a:bodyPr/>
+          <a:lstStyle/>
+          <a:p>
+            <a:r>
+              <a:rPr lang="en-DE" dirty="0">
+                <a:latin typeface="Verdana Pro" panose="020B0604030504040204" pitchFamily="34" charset="0"/>
+              </a:rPr>
+              <a:t>Variables</a:t>
+            </a:r>
+          </a:p>
+        </p:txBody>
+      </p:sp>
+      <p:sp>
+        <p:nvSpPr>
+          <p:cNvPr id="3" name="Content Placeholder 2">
+            <a:extLst>
+              <a:ext uri="{FF2B5EF4-FFF2-40B4-BE49-F238E27FC236}">
+                <a16:creationId xmlns:a16="http://schemas.microsoft.com/office/drawing/2014/main" id="{1D75FE86-12B9-4A0F-1AAE-B49E7E8C375C}"/>
+              </a:ext>
+            </a:extLst>
+          </p:cNvPr>
+          <p:cNvSpPr>
+            <a:spLocks noGrp="1"/>
+          </p:cNvSpPr>
+          <p:nvPr>
+            <p:ph idx="1"/>
+          </p:nvPr>
+        </p:nvSpPr>
+        <p:spPr/>
+        <p:txBody>
+          <a:bodyPr/>
+          <a:lstStyle/>
+          <a:p>
+            <a:pPr marL="0" indent="0">
+              <a:buNone/>
+            </a:pPr>
+            <a:r>
+              <a:rPr lang="en-DE" dirty="0">
+                <a:latin typeface="JetBrains Mono" panose="02000009000000000000" pitchFamily="49" charset="0"/>
+                <a:ea typeface="JetBrains Mono" panose="02000009000000000000" pitchFamily="49" charset="0"/>
+                <a:cs typeface="JetBrains Mono" panose="02000009000000000000" pitchFamily="49" charset="0"/>
+              </a:rPr>
+              <a:t>NEW_YEARS_EVE	</a:t>
+            </a:r>
+            <a:r>
+              <a:rPr lang="en-DE" dirty="0">
+                <a:latin typeface="Verdana Pro Semibold" panose="020B0604030504040204" pitchFamily="34" charset="0"/>
+              </a:rPr>
+              <a:t>		New Year’s Eve</a:t>
+            </a:r>
+          </a:p>
+          <a:p>
+            <a:pPr marL="0" indent="0">
+              <a:buNone/>
+            </a:pPr>
+            <a:r>
+              <a:rPr lang="en-DE" dirty="0">
+                <a:latin typeface="JetBrains Mono" panose="02000009000000000000" pitchFamily="49" charset="0"/>
+                <a:ea typeface="JetBrains Mono" panose="02000009000000000000" pitchFamily="49" charset="0"/>
+                <a:cs typeface="JetBrains Mono" panose="02000009000000000000" pitchFamily="49" charset="0"/>
+              </a:rPr>
+              <a:t>HK_GAMES</a:t>
+            </a:r>
+            <a:r>
+              <a:rPr lang="en-DE" dirty="0">
+                <a:latin typeface="Verdana Pro Semibold" panose="020B0604030504040204" pitchFamily="34" charset="0"/>
+              </a:rPr>
+              <a:t>	 			Holstein Kiel</a:t>
+            </a:r>
+          </a:p>
+          <a:p>
+            <a:pPr marL="0" indent="0">
+              <a:buNone/>
+            </a:pPr>
+            <a:r>
+              <a:rPr lang="en-DE" dirty="0">
+                <a:latin typeface="JetBrains Mono" panose="02000009000000000000" pitchFamily="49" charset="0"/>
+                <a:ea typeface="JetBrains Mono" panose="02000009000000000000" pitchFamily="49" charset="0"/>
+                <a:cs typeface="JetBrains Mono" panose="02000009000000000000" pitchFamily="49" charset="0"/>
+              </a:rPr>
+              <a:t>TK_GAMES </a:t>
+            </a:r>
+            <a:r>
+              <a:rPr lang="en-DE" dirty="0">
+                <a:latin typeface="Verdana Pro Semibold" panose="020B0604030504040204" pitchFamily="34" charset="0"/>
+              </a:rPr>
+              <a:t>				THW Kiel</a:t>
+            </a:r>
+          </a:p>
+          <a:p>
+            <a:pPr marL="0" indent="0">
+              <a:buNone/>
+            </a:pPr>
+            <a:r>
+              <a:rPr lang="en-DE" dirty="0">
+                <a:latin typeface="JetBrains Mono" panose="02000009000000000000" pitchFamily="49" charset="0"/>
+                <a:ea typeface="JetBrains Mono" panose="02000009000000000000" pitchFamily="49" charset="0"/>
+                <a:cs typeface="JetBrains Mono" panose="02000009000000000000" pitchFamily="49" charset="0"/>
+              </a:rPr>
+              <a:t>CRUISE_SHIPS </a:t>
+            </a:r>
+            <a:r>
+              <a:rPr lang="en-DE" dirty="0">
+                <a:latin typeface="Verdana Pro Semibold" panose="020B0604030504040204" pitchFamily="34" charset="0"/>
+              </a:rPr>
+              <a:t>			Cruise Ships</a:t>
+            </a:r>
+          </a:p>
+          <a:p>
+            <a:pPr marL="0" indent="0">
+              <a:buNone/>
+            </a:pPr>
+            <a:r>
+              <a:rPr lang="en-DE" dirty="0">
+                <a:latin typeface="JetBrains Mono" panose="02000009000000000000" pitchFamily="49" charset="0"/>
+                <a:ea typeface="JetBrains Mono" panose="02000009000000000000" pitchFamily="49" charset="0"/>
+                <a:cs typeface="JetBrains Mono" panose="02000009000000000000" pitchFamily="49" charset="0"/>
+              </a:rPr>
+              <a:t>INDEX</a:t>
+            </a:r>
+            <a:r>
+              <a:rPr lang="en-DE" dirty="0">
+                <a:latin typeface="Verdana Pro Semibold" panose="020B0604030504040204" pitchFamily="34" charset="0"/>
+              </a:rPr>
+              <a:t>					Inflation</a:t>
+            </a:r>
+          </a:p>
+          <a:p>
+            <a:pPr marL="0" indent="0">
+              <a:buNone/>
+            </a:pPr>
+            <a:r>
+              <a:rPr lang="en-DE" dirty="0">
+                <a:latin typeface="JetBrains Mono" panose="02000009000000000000" pitchFamily="49" charset="0"/>
+                <a:ea typeface="JetBrains Mono" panose="02000009000000000000" pitchFamily="49" charset="0"/>
+                <a:cs typeface="JetBrains Mono" panose="02000009000000000000" pitchFamily="49" charset="0"/>
+              </a:rPr>
+              <a:t>RETAIL</a:t>
+            </a:r>
+            <a:r>
+              <a:rPr lang="en-DE" dirty="0">
+                <a:latin typeface="Verdana Pro Semibold" panose="020B0604030504040204" pitchFamily="34" charset="0"/>
+              </a:rPr>
+              <a:t>	 				Retail Prices</a:t>
+            </a:r>
+          </a:p>
+        </p:txBody>
+      </p:sp>
+      <p:sp>
+        <p:nvSpPr>
+          <p:cNvPr id="4" name="Footer Placeholder 3">
+            <a:extLst>
+              <a:ext uri="{FF2B5EF4-FFF2-40B4-BE49-F238E27FC236}">
+                <a16:creationId xmlns:a16="http://schemas.microsoft.com/office/drawing/2014/main" id="{233B577F-6FE3-2382-1712-7658E0C72B3F}"/>
+              </a:ext>
+            </a:extLst>
+          </p:cNvPr>
+          <p:cNvSpPr>
+            <a:spLocks noGrp="1"/>
+          </p:cNvSpPr>
+          <p:nvPr>
+            <p:ph type="ftr" sz="quarter" idx="11"/>
+          </p:nvPr>
+        </p:nvSpPr>
+        <p:spPr>
+          <a:xfrm>
+            <a:off x="4038600" y="6460779"/>
+            <a:ext cx="4114800" cy="365125"/>
+          </a:xfrm>
+        </p:spPr>
+        <p:txBody>
+          <a:bodyPr/>
+          <a:lstStyle/>
+          <a:p>
+            <a:endParaRPr lang="en-DE" dirty="0"/>
+          </a:p>
+        </p:txBody>
+      </p:sp>
+      <p:sp>
+        <p:nvSpPr>
+          <p:cNvPr id="5" name="Slide Number Placeholder 4">
+            <a:extLst>
+              <a:ext uri="{FF2B5EF4-FFF2-40B4-BE49-F238E27FC236}">
+                <a16:creationId xmlns:a16="http://schemas.microsoft.com/office/drawing/2014/main" id="{890CD99F-40D5-F30D-9A6A-2E6428319AA9}"/>
+              </a:ext>
+            </a:extLst>
+          </p:cNvPr>
+          <p:cNvSpPr>
+            <a:spLocks noGrp="1"/>
+          </p:cNvSpPr>
+          <p:nvPr>
+            <p:ph type="sldNum" sz="quarter" idx="12"/>
+          </p:nvPr>
+        </p:nvSpPr>
+        <p:spPr/>
+        <p:txBody>
+          <a:bodyPr/>
+          <a:lstStyle/>
+          <a:p>
+            <a:fld id="{85AD0FBD-6BBA-814F-8B91-048ECB0E8981}" type="slidenum">
+              <a:rPr lang="en-DE" smtClean="0"/>
+              <a:t>2</a:t>
+            </a:fld>
+            <a:endParaRPr lang="en-DE"/>
+          </a:p>
+        </p:txBody>
+      </p:sp>
+      <p:sp>
+        <p:nvSpPr>
+          <p:cNvPr id="6" name="Text Placeholder 5">
+            <a:extLst>
+              <a:ext uri="{FF2B5EF4-FFF2-40B4-BE49-F238E27FC236}">
+                <a16:creationId xmlns:a16="http://schemas.microsoft.com/office/drawing/2014/main" id="{F293C496-24D4-1FEE-136F-59A3712D3BBE}"/>
+              </a:ext>
+            </a:extLst>
+          </p:cNvPr>
+          <p:cNvSpPr>
+            <a:spLocks noGrp="1"/>
+          </p:cNvSpPr>
+          <p:nvPr>
+            <p:ph type="body" sz="quarter" idx="13"/>
+          </p:nvPr>
+        </p:nvSpPr>
+        <p:spPr/>
+        <p:txBody>
+          <a:bodyPr/>
+          <a:lstStyle/>
+          <a:p>
+            <a:r>
+              <a:rPr lang="en-DE" dirty="0"/>
+              <a:t>Introduction</a:t>
+            </a:r>
+          </a:p>
+        </p:txBody>
+      </p:sp>
+    </p:spTree>
+    <p:extLst>
+      <p:ext uri="{BB962C8B-B14F-4D97-AF65-F5344CB8AC3E}">
+        <p14:creationId xmlns:p14="http://schemas.microsoft.com/office/powerpoint/2010/main" val="332431740"/>
+      </p:ext>
+    </p:extLst>
+  </p:cSld>
+  <p:clrMapOvr>
+    <a:masterClrMapping/>
+  </p:clrMapOvr>
+  <mc:AlternateContent xmlns:mc="http://schemas.openxmlformats.org/markup-compatibility/2006" xmlns:p14="http://schemas.microsoft.com/office/powerpoint/2010/main">
+    <mc:Choice Requires="p14">
+      <p:transition p14:dur="250">
+        <p:fade/>
+      </p:transition>
+    </mc:Choice>
+    <mc:Fallback xmlns="">
+      <p:transition>
+        <p:fade/>
+      </p:transition>
+    </mc:Fallback>
+  </mc:AlternateContent>
+</p:sld>
+</file>
+
+<file path=ppt/slides/slide3.xml><?xml version="1.0" encoding="utf-8"?>
+<p:sld xmlns:a="http://schemas.openxmlformats.org/drawingml/2006/main" xmlns:r="http://schemas.openxmlformats.org/officeDocument/2006/relationships" xmlns:p="http://schemas.openxmlformats.org/presentationml/2006/main">
+  <p:cSld>
+    <p:spTree>
+      <p:nvGrpSpPr>
+        <p:cNvPr id="1" name=""/>
+        <p:cNvGrpSpPr/>
+        <p:nvPr/>
+      </p:nvGrpSpPr>
+      <p:grpSpPr>
+        <a:xfrm>
+          <a:off x="0" y="0"/>
+          <a:ext cx="0" cy="0"/>
+          <a:chOff x="0" y="0"/>
+          <a:chExt cx="0" cy="0"/>
+        </a:xfrm>
+      </p:grpSpPr>
+      <p:sp>
+        <p:nvSpPr>
+          <p:cNvPr id="2" name="Title 1">
+            <a:extLst>
+              <a:ext uri="{FF2B5EF4-FFF2-40B4-BE49-F238E27FC236}">
+                <a16:creationId xmlns:a16="http://schemas.microsoft.com/office/drawing/2014/main" id="{22905838-FD68-57E5-4E46-CF61CCB276D5}"/>
+              </a:ext>
+            </a:extLst>
+          </p:cNvPr>
+          <p:cNvSpPr>
+            <a:spLocks noGrp="1"/>
+          </p:cNvSpPr>
+          <p:nvPr>
+            <p:ph type="title"/>
+          </p:nvPr>
+        </p:nvSpPr>
+        <p:spPr>
+          <a:xfrm>
+            <a:off x="839788" y="0"/>
+            <a:ext cx="3932237" cy="6858000"/>
+          </a:xfrm>
+        </p:spPr>
+        <p:txBody>
+          <a:bodyPr anchor="ctr"/>
+          <a:lstStyle/>
+          <a:p>
+            <a:r>
+              <a:rPr lang="en-DE" b="1" dirty="0"/>
+              <a:t>New Year’s</a:t>
+            </a:r>
+          </a:p>
+        </p:txBody>
+      </p:sp>
+      <p:sp>
+        <p:nvSpPr>
+          <p:cNvPr id="5" name="Footer Placeholder 4">
+            <a:extLst>
+              <a:ext uri="{FF2B5EF4-FFF2-40B4-BE49-F238E27FC236}">
+                <a16:creationId xmlns:a16="http://schemas.microsoft.com/office/drawing/2014/main" id="{67E68BA7-5FBC-7396-B0D4-510517E52637}"/>
+              </a:ext>
+            </a:extLst>
+          </p:cNvPr>
+          <p:cNvSpPr>
+            <a:spLocks noGrp="1"/>
+          </p:cNvSpPr>
+          <p:nvPr>
+            <p:ph type="ftr" sz="quarter" idx="11"/>
+          </p:nvPr>
+        </p:nvSpPr>
+        <p:spPr>
+          <a:xfrm>
+            <a:off x="4038600" y="6460780"/>
+            <a:ext cx="4114800" cy="365125"/>
+          </a:xfrm>
+        </p:spPr>
+        <p:txBody>
+          <a:bodyPr/>
+          <a:lstStyle/>
+          <a:p>
+            <a:endParaRPr lang="en-DE" dirty="0"/>
+          </a:p>
+        </p:txBody>
+      </p:sp>
+      <p:sp>
+        <p:nvSpPr>
+          <p:cNvPr id="6" name="Slide Number Placeholder 5">
+            <a:extLst>
+              <a:ext uri="{FF2B5EF4-FFF2-40B4-BE49-F238E27FC236}">
+                <a16:creationId xmlns:a16="http://schemas.microsoft.com/office/drawing/2014/main" id="{5385B372-2676-F769-396D-FBF940E5DD21}"/>
+              </a:ext>
+            </a:extLst>
+          </p:cNvPr>
+          <p:cNvSpPr>
+            <a:spLocks noGrp="1"/>
+          </p:cNvSpPr>
+          <p:nvPr>
+            <p:ph type="sldNum" sz="quarter" idx="12"/>
+          </p:nvPr>
+        </p:nvSpPr>
+        <p:spPr/>
+        <p:txBody>
+          <a:bodyPr/>
+          <a:lstStyle/>
+          <a:p>
+            <a:fld id="{85AD0FBD-6BBA-814F-8B91-048ECB0E8981}" type="slidenum">
+              <a:rPr lang="en-DE" smtClean="0"/>
+              <a:t>3</a:t>
+            </a:fld>
+            <a:endParaRPr lang="en-DE" dirty="0"/>
+          </a:p>
+        </p:txBody>
+      </p:sp>
+      <p:sp>
+        <p:nvSpPr>
+          <p:cNvPr id="7" name="Text Placeholder 6">
+            <a:extLst>
+              <a:ext uri="{FF2B5EF4-FFF2-40B4-BE49-F238E27FC236}">
+                <a16:creationId xmlns:a16="http://schemas.microsoft.com/office/drawing/2014/main" id="{E8E14692-3D3F-FD05-2656-C58061D4C9CC}"/>
+              </a:ext>
+            </a:extLst>
+          </p:cNvPr>
+          <p:cNvSpPr>
+            <a:spLocks noGrp="1"/>
+          </p:cNvSpPr>
+          <p:nvPr>
+            <p:ph type="body" sz="quarter" idx="13"/>
+          </p:nvPr>
+        </p:nvSpPr>
+        <p:spPr/>
+        <p:txBody>
+          <a:bodyPr/>
+          <a:lstStyle/>
+          <a:p>
+            <a:r>
+              <a:rPr lang="en-DE" dirty="0"/>
+              <a:t>Dataset</a:t>
+            </a:r>
+          </a:p>
+        </p:txBody>
+      </p:sp>
+      <p:pic>
+        <p:nvPicPr>
+          <p:cNvPr id="9" name="Content Placeholder 8">
+            <a:extLst>
+              <a:ext uri="{FF2B5EF4-FFF2-40B4-BE49-F238E27FC236}">
+                <a16:creationId xmlns:a16="http://schemas.microsoft.com/office/drawing/2014/main" id="{E995BEB4-6F29-B321-3C4C-E966D5A73E87}"/>
+              </a:ext>
+            </a:extLst>
+          </p:cNvPr>
+          <p:cNvPicPr>
+            <a:picLocks noGrp="1" noChangeAspect="1"/>
+          </p:cNvPicPr>
+          <p:nvPr>
+            <p:ph idx="1"/>
+          </p:nvPr>
+        </p:nvPicPr>
+        <p:blipFill>
+          <a:blip r:embed="rId2"/>
+          <a:stretch>
+            <a:fillRect/>
+          </a:stretch>
+        </p:blipFill>
+        <p:spPr>
+          <a:xfrm>
+            <a:off x="4152212" y="1114715"/>
+            <a:ext cx="7200000" cy="4628570"/>
+          </a:xfrm>
+        </p:spPr>
+      </p:pic>
+    </p:spTree>
+    <p:extLst>
+      <p:ext uri="{BB962C8B-B14F-4D97-AF65-F5344CB8AC3E}">
+        <p14:creationId xmlns:p14="http://schemas.microsoft.com/office/powerpoint/2010/main" val="715913608"/>
+      </p:ext>
+    </p:extLst>
+  </p:cSld>
+  <p:clrMapOvr>
+    <a:masterClrMapping/>
+  </p:clrMapOvr>
+  <mc:AlternateContent xmlns:mc="http://schemas.openxmlformats.org/markup-compatibility/2006" xmlns:p14="http://schemas.microsoft.com/office/powerpoint/2010/main">
+    <mc:Choice Requires="p14">
+      <p:transition p14:dur="250">
+        <p:fade/>
+      </p:transition>
+    </mc:Choice>
+    <mc:Fallback xmlns="">
+      <p:transition>
+        <p:fade/>
+      </p:transition>
+    </mc:Fallback>
+  </mc:AlternateContent>
+</p:sld>
+</file>
+
+<file path=ppt/slides/slide4.xml><?xml version="1.0" encoding="utf-8"?>
+<p:sld xmlns:a="http://schemas.openxmlformats.org/drawingml/2006/main" xmlns:r="http://schemas.openxmlformats.org/officeDocument/2006/relationships" xmlns:p="http://schemas.openxmlformats.org/presentationml/2006/main">
+  <p:cSld>
+    <p:spTree>
+      <p:nvGrpSpPr>
+        <p:cNvPr id="1" name=""/>
+        <p:cNvGrpSpPr/>
+        <p:nvPr/>
+      </p:nvGrpSpPr>
+      <p:grpSpPr>
+        <a:xfrm>
+          <a:off x="0" y="0"/>
+          <a:ext cx="0" cy="0"/>
+          <a:chOff x="0" y="0"/>
+          <a:chExt cx="0" cy="0"/>
+        </a:xfrm>
+      </p:grpSpPr>
+      <p:sp>
+        <p:nvSpPr>
+          <p:cNvPr id="2" name="Title 1">
+            <a:extLst>
+              <a:ext uri="{FF2B5EF4-FFF2-40B4-BE49-F238E27FC236}">
+                <a16:creationId xmlns:a16="http://schemas.microsoft.com/office/drawing/2014/main" id="{22905838-FD68-57E5-4E46-CF61CCB276D5}"/>
+              </a:ext>
+            </a:extLst>
+          </p:cNvPr>
+          <p:cNvSpPr>
+            <a:spLocks noGrp="1"/>
+          </p:cNvSpPr>
+          <p:nvPr>
+            <p:ph type="title"/>
+          </p:nvPr>
+        </p:nvSpPr>
+        <p:spPr>
+          <a:xfrm>
+            <a:off x="839788" y="0"/>
+            <a:ext cx="3932237" cy="6858000"/>
+          </a:xfrm>
+        </p:spPr>
+        <p:txBody>
+          <a:bodyPr anchor="ctr"/>
+          <a:lstStyle/>
+          <a:p>
+            <a:r>
+              <a:rPr lang="en-DE" b="1" dirty="0"/>
+              <a:t>New Year’s</a:t>
+            </a:r>
+          </a:p>
+        </p:txBody>
+      </p:sp>
+      <p:sp>
+        <p:nvSpPr>
+          <p:cNvPr id="5" name="Footer Placeholder 4">
+            <a:extLst>
+              <a:ext uri="{FF2B5EF4-FFF2-40B4-BE49-F238E27FC236}">
+                <a16:creationId xmlns:a16="http://schemas.microsoft.com/office/drawing/2014/main" id="{67E68BA7-5FBC-7396-B0D4-510517E52637}"/>
+              </a:ext>
+            </a:extLst>
+          </p:cNvPr>
+          <p:cNvSpPr>
+            <a:spLocks noGrp="1"/>
+          </p:cNvSpPr>
+          <p:nvPr>
+            <p:ph type="ftr" sz="quarter" idx="11"/>
+          </p:nvPr>
+        </p:nvSpPr>
+        <p:spPr>
+          <a:xfrm>
+            <a:off x="4038600" y="6460780"/>
+            <a:ext cx="4114800" cy="365125"/>
+          </a:xfrm>
+        </p:spPr>
+        <p:txBody>
+          <a:bodyPr/>
+          <a:lstStyle/>
+          <a:p>
+            <a:endParaRPr lang="en-DE" dirty="0"/>
+          </a:p>
+        </p:txBody>
+      </p:sp>
+      <p:sp>
+        <p:nvSpPr>
+          <p:cNvPr id="6" name="Slide Number Placeholder 5">
+            <a:extLst>
+              <a:ext uri="{FF2B5EF4-FFF2-40B4-BE49-F238E27FC236}">
+                <a16:creationId xmlns:a16="http://schemas.microsoft.com/office/drawing/2014/main" id="{5385B372-2676-F769-396D-FBF940E5DD21}"/>
+              </a:ext>
+            </a:extLst>
+          </p:cNvPr>
+          <p:cNvSpPr>
+            <a:spLocks noGrp="1"/>
+          </p:cNvSpPr>
+          <p:nvPr>
+            <p:ph type="sldNum" sz="quarter" idx="12"/>
+          </p:nvPr>
+        </p:nvSpPr>
+        <p:spPr/>
+        <p:txBody>
+          <a:bodyPr/>
+          <a:lstStyle/>
+          <a:p>
+            <a:fld id="{85AD0FBD-6BBA-814F-8B91-048ECB0E8981}" type="slidenum">
+              <a:rPr lang="en-DE" smtClean="0"/>
+              <a:t>4</a:t>
+            </a:fld>
+            <a:endParaRPr lang="en-DE" dirty="0"/>
+          </a:p>
+        </p:txBody>
+      </p:sp>
+      <p:sp>
+        <p:nvSpPr>
+          <p:cNvPr id="7" name="Text Placeholder 6">
+            <a:extLst>
+              <a:ext uri="{FF2B5EF4-FFF2-40B4-BE49-F238E27FC236}">
+                <a16:creationId xmlns:a16="http://schemas.microsoft.com/office/drawing/2014/main" id="{E8E14692-3D3F-FD05-2656-C58061D4C9CC}"/>
+              </a:ext>
+            </a:extLst>
+          </p:cNvPr>
+          <p:cNvSpPr>
+            <a:spLocks noGrp="1"/>
+          </p:cNvSpPr>
+          <p:nvPr>
+            <p:ph type="body" sz="quarter" idx="13"/>
+          </p:nvPr>
+        </p:nvSpPr>
+        <p:spPr/>
+        <p:txBody>
+          <a:bodyPr/>
+          <a:lstStyle/>
+          <a:p>
+            <a:r>
+              <a:rPr lang="en-DE" dirty="0"/>
+              <a:t>Dataset</a:t>
+            </a:r>
+          </a:p>
+        </p:txBody>
+      </p:sp>
+      <p:pic>
+        <p:nvPicPr>
+          <p:cNvPr id="14" name="Content Placeholder 13">
+            <a:extLst>
+              <a:ext uri="{FF2B5EF4-FFF2-40B4-BE49-F238E27FC236}">
+                <a16:creationId xmlns:a16="http://schemas.microsoft.com/office/drawing/2014/main" id="{F4D67853-D4E0-B8B5-69C3-7B51B2D99626}"/>
+              </a:ext>
+            </a:extLst>
+          </p:cNvPr>
+          <p:cNvPicPr>
+            <a:picLocks noGrp="1" noChangeAspect="1"/>
+          </p:cNvPicPr>
+          <p:nvPr>
+            <p:ph idx="1"/>
+          </p:nvPr>
+        </p:nvPicPr>
+        <p:blipFill>
+          <a:blip r:embed="rId2"/>
+          <a:stretch>
+            <a:fillRect/>
+          </a:stretch>
+        </p:blipFill>
+        <p:spPr>
+          <a:xfrm>
+            <a:off x="4152212" y="1114715"/>
+            <a:ext cx="7200000" cy="4628570"/>
+          </a:xfrm>
+        </p:spPr>
+      </p:pic>
+    </p:spTree>
+    <p:extLst>
+      <p:ext uri="{BB962C8B-B14F-4D97-AF65-F5344CB8AC3E}">
+        <p14:creationId xmlns:p14="http://schemas.microsoft.com/office/powerpoint/2010/main" val="861469962"/>
+      </p:ext>
+    </p:extLst>
+  </p:cSld>
+  <p:clrMapOvr>
+    <a:masterClrMapping/>
+  </p:clrMapOvr>
+  <mc:AlternateContent xmlns:mc="http://schemas.openxmlformats.org/markup-compatibility/2006" xmlns:p14="http://schemas.microsoft.com/office/powerpoint/2010/main">
+    <mc:Choice Requires="p14">
+      <p:transition p14:dur="250">
+        <p:fade/>
+      </p:transition>
+    </mc:Choice>
+    <mc:Fallback xmlns="">
+      <p:transition>
+        <p:fade/>
+      </p:transition>
+    </mc:Fallback>
+  </mc:AlternateContent>
+</p:sld>
+</file>
+
+<file path=ppt/slides/slide5.xml><?xml version="1.0" encoding="utf-8"?>
+<p:sld xmlns:a="http://schemas.openxmlformats.org/drawingml/2006/main" xmlns:r="http://schemas.openxmlformats.org/officeDocument/2006/relationships" xmlns:p="http://schemas.openxmlformats.org/presentationml/2006/main">
+  <p:cSld>
+    <p:spTree>
+      <p:nvGrpSpPr>
+        <p:cNvPr id="1" name="">
+          <a:extLst>
+            <a:ext uri="{FF2B5EF4-FFF2-40B4-BE49-F238E27FC236}">
+              <a16:creationId xmlns:a16="http://schemas.microsoft.com/office/drawing/2014/main" id="{745ACB4F-23D5-78A0-16EE-005B2DB9D498}"/>
+            </a:ext>
+          </a:extLst>
+        </p:cNvPr>
+        <p:cNvGrpSpPr/>
+        <p:nvPr/>
+      </p:nvGrpSpPr>
+      <p:grpSpPr>
+        <a:xfrm>
+          <a:off x="0" y="0"/>
+          <a:ext cx="0" cy="0"/>
+          <a:chOff x="0" y="0"/>
+          <a:chExt cx="0" cy="0"/>
+        </a:xfrm>
+      </p:grpSpPr>
+      <p:sp>
+        <p:nvSpPr>
+          <p:cNvPr id="2" name="Title 1">
+            <a:extLst>
+              <a:ext uri="{FF2B5EF4-FFF2-40B4-BE49-F238E27FC236}">
+                <a16:creationId xmlns:a16="http://schemas.microsoft.com/office/drawing/2014/main" id="{F335DFBC-AFED-FBD5-84A1-70E5B7CD112D}"/>
+              </a:ext>
+            </a:extLst>
+          </p:cNvPr>
+          <p:cNvSpPr>
+            <a:spLocks noGrp="1"/>
+          </p:cNvSpPr>
+          <p:nvPr>
+            <p:ph type="title"/>
+          </p:nvPr>
+        </p:nvSpPr>
+        <p:spPr>
+          <a:xfrm>
+            <a:off x="839788" y="0"/>
+            <a:ext cx="3932237" cy="6858000"/>
+          </a:xfrm>
+        </p:spPr>
+        <p:txBody>
+          <a:bodyPr anchor="ctr"/>
+          <a:lstStyle/>
+          <a:p>
+            <a:r>
+              <a:rPr lang="en-DE" dirty="0"/>
+              <a:t>Weather</a:t>
+            </a:r>
+            <a:endParaRPr lang="en-DE" b="1" dirty="0"/>
+          </a:p>
+        </p:txBody>
+      </p:sp>
+      <p:sp>
+        <p:nvSpPr>
+          <p:cNvPr id="5" name="Footer Placeholder 4">
+            <a:extLst>
+              <a:ext uri="{FF2B5EF4-FFF2-40B4-BE49-F238E27FC236}">
+                <a16:creationId xmlns:a16="http://schemas.microsoft.com/office/drawing/2014/main" id="{AD02A859-12B3-8797-9DA1-34FA8C2FC2BC}"/>
+              </a:ext>
+            </a:extLst>
+          </p:cNvPr>
+          <p:cNvSpPr>
+            <a:spLocks noGrp="1"/>
+          </p:cNvSpPr>
+          <p:nvPr>
+            <p:ph type="ftr" sz="quarter" idx="11"/>
+          </p:nvPr>
+        </p:nvSpPr>
+        <p:spPr>
+          <a:xfrm>
+            <a:off x="4038600" y="6460780"/>
+            <a:ext cx="4114800" cy="365125"/>
+          </a:xfrm>
+        </p:spPr>
+        <p:txBody>
+          <a:bodyPr/>
+          <a:lstStyle/>
+          <a:p>
+            <a:endParaRPr lang="en-DE" dirty="0"/>
+          </a:p>
+        </p:txBody>
+      </p:sp>
+      <p:sp>
+        <p:nvSpPr>
+          <p:cNvPr id="6" name="Slide Number Placeholder 5">
+            <a:extLst>
+              <a:ext uri="{FF2B5EF4-FFF2-40B4-BE49-F238E27FC236}">
+                <a16:creationId xmlns:a16="http://schemas.microsoft.com/office/drawing/2014/main" id="{C794B398-7F28-2280-99AA-5B005D676AD0}"/>
+              </a:ext>
+            </a:extLst>
+          </p:cNvPr>
+          <p:cNvSpPr>
+            <a:spLocks noGrp="1"/>
+          </p:cNvSpPr>
+          <p:nvPr>
+            <p:ph type="sldNum" sz="quarter" idx="12"/>
+          </p:nvPr>
+        </p:nvSpPr>
+        <p:spPr/>
+        <p:txBody>
+          <a:bodyPr/>
+          <a:lstStyle/>
+          <a:p>
+            <a:fld id="{85AD0FBD-6BBA-814F-8B91-048ECB0E8981}" type="slidenum">
+              <a:rPr lang="en-DE" smtClean="0"/>
+              <a:t>5</a:t>
+            </a:fld>
+            <a:endParaRPr lang="en-DE" dirty="0"/>
+          </a:p>
+        </p:txBody>
+      </p:sp>
+      <p:sp>
+        <p:nvSpPr>
+          <p:cNvPr id="7" name="Text Placeholder 6">
+            <a:extLst>
+              <a:ext uri="{FF2B5EF4-FFF2-40B4-BE49-F238E27FC236}">
+                <a16:creationId xmlns:a16="http://schemas.microsoft.com/office/drawing/2014/main" id="{9C7A9CA6-106A-593F-1792-45F048B78C1B}"/>
+              </a:ext>
+            </a:extLst>
+          </p:cNvPr>
+          <p:cNvSpPr>
+            <a:spLocks noGrp="1"/>
+          </p:cNvSpPr>
+          <p:nvPr>
+            <p:ph type="body" sz="quarter" idx="13"/>
+          </p:nvPr>
+        </p:nvSpPr>
+        <p:spPr/>
+        <p:txBody>
+          <a:bodyPr/>
+          <a:lstStyle/>
+          <a:p>
+            <a:r>
+              <a:rPr lang="en-DE" dirty="0"/>
+              <a:t>Dataset</a:t>
+            </a:r>
+          </a:p>
+        </p:txBody>
+      </p:sp>
+      <p:pic>
+        <p:nvPicPr>
+          <p:cNvPr id="10" name="Content Placeholder 9">
+            <a:extLst>
+              <a:ext uri="{FF2B5EF4-FFF2-40B4-BE49-F238E27FC236}">
+                <a16:creationId xmlns:a16="http://schemas.microsoft.com/office/drawing/2014/main" id="{33DBB311-3442-4678-62D5-9DB8604B5CC5}"/>
+              </a:ext>
+            </a:extLst>
+          </p:cNvPr>
+          <p:cNvPicPr>
+            <a:picLocks noGrp="1" noChangeAspect="1"/>
+          </p:cNvPicPr>
+          <p:nvPr>
+            <p:ph idx="1"/>
+          </p:nvPr>
+        </p:nvPicPr>
+        <p:blipFill>
+          <a:blip r:embed="rId2"/>
+          <a:stretch>
+            <a:fillRect/>
+          </a:stretch>
+        </p:blipFill>
+        <p:spPr>
+          <a:xfrm>
+            <a:off x="4152212" y="1114715"/>
+            <a:ext cx="7200000" cy="4628570"/>
+          </a:xfrm>
+        </p:spPr>
+      </p:pic>
+    </p:spTree>
+    <p:extLst>
+      <p:ext uri="{BB962C8B-B14F-4D97-AF65-F5344CB8AC3E}">
+        <p14:creationId xmlns:p14="http://schemas.microsoft.com/office/powerpoint/2010/main" val="3317209672"/>
+      </p:ext>
+    </p:extLst>
+  </p:cSld>
+  <p:clrMapOvr>
+    <a:masterClrMapping/>
+  </p:clrMapOvr>
+  <mc:AlternateContent xmlns:mc="http://schemas.openxmlformats.org/markup-compatibility/2006" xmlns:p14="http://schemas.microsoft.com/office/powerpoint/2010/main">
+    <mc:Choice Requires="p14">
+      <p:transition p14:dur="250">
+        <p:fade/>
+      </p:transition>
+    </mc:Choice>
+    <mc:Fallback xmlns="">
+      <p:transition>
+        <p:fade/>
+      </p:transition>
+    </mc:Fallback>
+  </mc:AlternateContent>
+</p:sld>
+</file>
+
+<file path=ppt/slides/slide6.xml><?xml version="1.0" encoding="utf-8"?>
+<p:sld xmlns:a="http://schemas.openxmlformats.org/drawingml/2006/main" xmlns:r="http://schemas.openxmlformats.org/officeDocument/2006/relationships" xmlns:p="http://schemas.openxmlformats.org/presentationml/2006/main">
+  <p:cSld>
+    <p:spTree>
+      <p:nvGrpSpPr>
+        <p:cNvPr id="1" name="">
+          <a:extLst>
+            <a:ext uri="{FF2B5EF4-FFF2-40B4-BE49-F238E27FC236}">
+              <a16:creationId xmlns:a16="http://schemas.microsoft.com/office/drawing/2014/main" id="{57F63239-9368-1A61-07E0-05433C0B403B}"/>
+            </a:ext>
+          </a:extLst>
+        </p:cNvPr>
+        <p:cNvGrpSpPr/>
+        <p:nvPr/>
+      </p:nvGrpSpPr>
+      <p:grpSpPr>
+        <a:xfrm>
+          <a:off x="0" y="0"/>
+          <a:ext cx="0" cy="0"/>
+          <a:chOff x="0" y="0"/>
+          <a:chExt cx="0" cy="0"/>
+        </a:xfrm>
+      </p:grpSpPr>
+      <p:sp>
+        <p:nvSpPr>
+          <p:cNvPr id="2" name="Title 1">
+            <a:extLst>
+              <a:ext uri="{FF2B5EF4-FFF2-40B4-BE49-F238E27FC236}">
+                <a16:creationId xmlns:a16="http://schemas.microsoft.com/office/drawing/2014/main" id="{978DA2F8-171E-FDE8-133E-E256B36C6A6B}"/>
+              </a:ext>
+            </a:extLst>
+          </p:cNvPr>
+          <p:cNvSpPr>
+            <a:spLocks noGrp="1"/>
+          </p:cNvSpPr>
+          <p:nvPr>
+            <p:ph type="title"/>
+          </p:nvPr>
+        </p:nvSpPr>
+        <p:spPr>
+          <a:xfrm>
+            <a:off x="839788" y="0"/>
+            <a:ext cx="3932237" cy="6858000"/>
+          </a:xfrm>
+        </p:spPr>
+        <p:txBody>
+          <a:bodyPr anchor="ctr"/>
+          <a:lstStyle/>
+          <a:p>
+            <a:r>
+              <a:rPr lang="en-DE" b="1" dirty="0"/>
+              <a:t>Weather</a:t>
+            </a:r>
+          </a:p>
+        </p:txBody>
+      </p:sp>
+      <p:sp>
+        <p:nvSpPr>
+          <p:cNvPr id="5" name="Footer Placeholder 4">
+            <a:extLst>
+              <a:ext uri="{FF2B5EF4-FFF2-40B4-BE49-F238E27FC236}">
+                <a16:creationId xmlns:a16="http://schemas.microsoft.com/office/drawing/2014/main" id="{37DFFE7B-FF7D-F389-ED53-44EE73712FA2}"/>
+              </a:ext>
+            </a:extLst>
+          </p:cNvPr>
+          <p:cNvSpPr>
+            <a:spLocks noGrp="1"/>
+          </p:cNvSpPr>
+          <p:nvPr>
+            <p:ph type="ftr" sz="quarter" idx="11"/>
+          </p:nvPr>
+        </p:nvSpPr>
+        <p:spPr>
+          <a:xfrm>
+            <a:off x="4038600" y="6460780"/>
+            <a:ext cx="4114800" cy="365125"/>
+          </a:xfrm>
+        </p:spPr>
+        <p:txBody>
+          <a:bodyPr/>
+          <a:lstStyle/>
+          <a:p>
+            <a:endParaRPr lang="en-DE" dirty="0"/>
+          </a:p>
+        </p:txBody>
+      </p:sp>
+      <p:sp>
+        <p:nvSpPr>
+          <p:cNvPr id="6" name="Slide Number Placeholder 5">
+            <a:extLst>
+              <a:ext uri="{FF2B5EF4-FFF2-40B4-BE49-F238E27FC236}">
+                <a16:creationId xmlns:a16="http://schemas.microsoft.com/office/drawing/2014/main" id="{A38D0775-5AB5-503A-C1F2-59F81359663D}"/>
+              </a:ext>
+            </a:extLst>
+          </p:cNvPr>
+          <p:cNvSpPr>
+            <a:spLocks noGrp="1"/>
+          </p:cNvSpPr>
+          <p:nvPr>
+            <p:ph type="sldNum" sz="quarter" idx="12"/>
+          </p:nvPr>
+        </p:nvSpPr>
+        <p:spPr/>
+        <p:txBody>
+          <a:bodyPr/>
+          <a:lstStyle/>
+          <a:p>
+            <a:fld id="{85AD0FBD-6BBA-814F-8B91-048ECB0E8981}" type="slidenum">
+              <a:rPr lang="en-DE" smtClean="0"/>
+              <a:t>6</a:t>
+            </a:fld>
+            <a:endParaRPr lang="en-DE" dirty="0"/>
+          </a:p>
+        </p:txBody>
+      </p:sp>
+      <p:sp>
+        <p:nvSpPr>
+          <p:cNvPr id="7" name="Text Placeholder 6">
+            <a:extLst>
+              <a:ext uri="{FF2B5EF4-FFF2-40B4-BE49-F238E27FC236}">
+                <a16:creationId xmlns:a16="http://schemas.microsoft.com/office/drawing/2014/main" id="{B79D95B8-29EE-115A-E0F7-F210CEFAC9B3}"/>
+              </a:ext>
+            </a:extLst>
+          </p:cNvPr>
+          <p:cNvSpPr>
+            <a:spLocks noGrp="1"/>
+          </p:cNvSpPr>
+          <p:nvPr>
+            <p:ph type="body" sz="quarter" idx="13"/>
+          </p:nvPr>
+        </p:nvSpPr>
+        <p:spPr/>
+        <p:txBody>
+          <a:bodyPr/>
+          <a:lstStyle/>
+          <a:p>
+            <a:r>
+              <a:rPr lang="en-DE" dirty="0"/>
+              <a:t>Dataset</a:t>
+            </a:r>
+          </a:p>
+        </p:txBody>
+      </p:sp>
+      <p:pic>
+        <p:nvPicPr>
+          <p:cNvPr id="14" name="Content Placeholder 13">
+            <a:extLst>
+              <a:ext uri="{FF2B5EF4-FFF2-40B4-BE49-F238E27FC236}">
+                <a16:creationId xmlns:a16="http://schemas.microsoft.com/office/drawing/2014/main" id="{A9ABC11A-65A6-75C7-7320-3DA7F659BB89}"/>
+              </a:ext>
+            </a:extLst>
+          </p:cNvPr>
+          <p:cNvPicPr>
+            <a:picLocks noGrp="1" noChangeAspect="1"/>
+          </p:cNvPicPr>
+          <p:nvPr>
+            <p:ph idx="1"/>
+          </p:nvPr>
+        </p:nvPicPr>
+        <p:blipFill>
+          <a:blip r:embed="rId2"/>
+          <a:stretch>
+            <a:fillRect/>
+          </a:stretch>
+        </p:blipFill>
+        <p:spPr>
+          <a:xfrm>
+            <a:off x="4152212" y="1114715"/>
+            <a:ext cx="7200000" cy="4628570"/>
+          </a:xfrm>
+        </p:spPr>
+      </p:pic>
+    </p:spTree>
+    <p:extLst>
+      <p:ext uri="{BB962C8B-B14F-4D97-AF65-F5344CB8AC3E}">
+        <p14:creationId xmlns:p14="http://schemas.microsoft.com/office/powerpoint/2010/main" val="712456853"/>
+      </p:ext>
+    </p:extLst>
+  </p:cSld>
+  <p:clrMapOvr>
+    <a:masterClrMapping/>
+  </p:clrMapOvr>
+  <mc:AlternateContent xmlns:mc="http://schemas.openxmlformats.org/markup-compatibility/2006" xmlns:p14="http://schemas.microsoft.com/office/powerpoint/2010/main">
+    <mc:Choice Requires="p14">
+      <p:transition p14:dur="250">
+        <p:fade/>
+      </p:transition>
+    </mc:Choice>
+    <mc:Fallback xmlns="">
+      <p:transition>
+        <p:fade/>
+      </p:transition>
+    </mc:Fallback>
+  </mc:AlternateContent>
+</p:sld>
+</file>
+
+<file path=ppt/slides/slide7.xml><?xml version="1.0" encoding="utf-8"?>
+<p:sld xmlns:a="http://schemas.openxmlformats.org/drawingml/2006/main" xmlns:r="http://schemas.openxmlformats.org/officeDocument/2006/relationships" xmlns:p="http://schemas.openxmlformats.org/presentationml/2006/main">
+  <p:cSld>
+    <p:spTree>
+      <p:nvGrpSpPr>
+        <p:cNvPr id="1" name=""/>
+        <p:cNvGrpSpPr/>
+        <p:nvPr/>
+      </p:nvGrpSpPr>
+      <p:grpSpPr>
+        <a:xfrm>
+          <a:off x="0" y="0"/>
+          <a:ext cx="0" cy="0"/>
+          <a:chOff x="0" y="0"/>
+          <a:chExt cx="0" cy="0"/>
+        </a:xfrm>
+      </p:grpSpPr>
+      <p:sp>
+        <p:nvSpPr>
+          <p:cNvPr id="2" name="Title 1">
+            <a:extLst>
+              <a:ext uri="{FF2B5EF4-FFF2-40B4-BE49-F238E27FC236}">
+                <a16:creationId xmlns:a16="http://schemas.microsoft.com/office/drawing/2014/main" id="{22905838-FD68-57E5-4E46-CF61CCB276D5}"/>
+              </a:ext>
+            </a:extLst>
+          </p:cNvPr>
+          <p:cNvSpPr>
+            <a:spLocks noGrp="1"/>
+          </p:cNvSpPr>
+          <p:nvPr>
+            <p:ph type="title"/>
+          </p:nvPr>
+        </p:nvSpPr>
+        <p:spPr>
+          <a:xfrm>
+            <a:off x="839788" y="0"/>
+            <a:ext cx="3932237" cy="6858000"/>
+          </a:xfrm>
+        </p:spPr>
+        <p:txBody>
+          <a:bodyPr anchor="ctr">
+            <a:normAutofit/>
+          </a:bodyPr>
+          <a:lstStyle/>
+          <a:p>
+            <a:r>
+              <a:rPr lang="en-DE" sz="4600" b="1" dirty="0"/>
+              <a:t>Imputation Method</a:t>
+            </a:r>
+          </a:p>
+        </p:txBody>
+      </p:sp>
+      <p:sp>
+        <p:nvSpPr>
+          <p:cNvPr id="5" name="Footer Placeholder 4">
+            <a:extLst>
+              <a:ext uri="{FF2B5EF4-FFF2-40B4-BE49-F238E27FC236}">
+                <a16:creationId xmlns:a16="http://schemas.microsoft.com/office/drawing/2014/main" id="{67E68BA7-5FBC-7396-B0D4-510517E52637}"/>
+              </a:ext>
+            </a:extLst>
+          </p:cNvPr>
+          <p:cNvSpPr>
+            <a:spLocks noGrp="1"/>
+          </p:cNvSpPr>
+          <p:nvPr>
+            <p:ph type="ftr" sz="quarter" idx="11"/>
+          </p:nvPr>
+        </p:nvSpPr>
+        <p:spPr>
+          <a:xfrm>
+            <a:off x="4038600" y="6460780"/>
+            <a:ext cx="4114800" cy="365125"/>
+          </a:xfrm>
+        </p:spPr>
+        <p:txBody>
+          <a:bodyPr/>
+          <a:lstStyle/>
+          <a:p>
+            <a:endParaRPr lang="en-DE" dirty="0"/>
+          </a:p>
+        </p:txBody>
+      </p:sp>
+      <p:sp>
+        <p:nvSpPr>
+          <p:cNvPr id="6" name="Slide Number Placeholder 5">
+            <a:extLst>
+              <a:ext uri="{FF2B5EF4-FFF2-40B4-BE49-F238E27FC236}">
+                <a16:creationId xmlns:a16="http://schemas.microsoft.com/office/drawing/2014/main" id="{5385B372-2676-F769-396D-FBF940E5DD21}"/>
+              </a:ext>
+            </a:extLst>
+          </p:cNvPr>
+          <p:cNvSpPr>
+            <a:spLocks noGrp="1"/>
+          </p:cNvSpPr>
+          <p:nvPr>
+            <p:ph type="sldNum" sz="quarter" idx="12"/>
+          </p:nvPr>
+        </p:nvSpPr>
+        <p:spPr/>
+        <p:txBody>
+          <a:bodyPr/>
+          <a:lstStyle/>
+          <a:p>
+            <a:fld id="{85AD0FBD-6BBA-814F-8B91-048ECB0E8981}" type="slidenum">
+              <a:rPr lang="en-DE" smtClean="0"/>
+              <a:t>7</a:t>
+            </a:fld>
+            <a:endParaRPr lang="en-DE" dirty="0"/>
+          </a:p>
+        </p:txBody>
+      </p:sp>
+      <p:sp>
+        <p:nvSpPr>
+          <p:cNvPr id="7" name="Text Placeholder 6">
+            <a:extLst>
+              <a:ext uri="{FF2B5EF4-FFF2-40B4-BE49-F238E27FC236}">
+                <a16:creationId xmlns:a16="http://schemas.microsoft.com/office/drawing/2014/main" id="{E8E14692-3D3F-FD05-2656-C58061D4C9CC}"/>
+              </a:ext>
+            </a:extLst>
+          </p:cNvPr>
+          <p:cNvSpPr>
+            <a:spLocks noGrp="1"/>
+          </p:cNvSpPr>
+          <p:nvPr>
+            <p:ph type="body" sz="quarter" idx="13"/>
+          </p:nvPr>
+        </p:nvSpPr>
+        <p:spPr/>
+        <p:txBody>
+          <a:bodyPr/>
+          <a:lstStyle/>
+          <a:p>
+            <a:r>
+              <a:rPr lang="en-DE" dirty="0"/>
+              <a:t>Dataset</a:t>
+            </a:r>
+          </a:p>
+        </p:txBody>
+      </p:sp>
+      <p:pic>
+        <p:nvPicPr>
+          <p:cNvPr id="8" name="Content Placeholder 7">
+            <a:extLst>
+              <a:ext uri="{FF2B5EF4-FFF2-40B4-BE49-F238E27FC236}">
+                <a16:creationId xmlns:a16="http://schemas.microsoft.com/office/drawing/2014/main" id="{43D40C09-89C6-CE5F-C021-BC39481FC59B}"/>
+              </a:ext>
+            </a:extLst>
+          </p:cNvPr>
+          <p:cNvPicPr>
+            <a:picLocks noGrp="1" noChangeAspect="1"/>
+          </p:cNvPicPr>
+          <p:nvPr>
+            <p:ph idx="1"/>
+          </p:nvPr>
+        </p:nvPicPr>
+        <p:blipFill>
+          <a:blip r:embed="rId2"/>
+          <a:stretch>
+            <a:fillRect/>
+          </a:stretch>
+        </p:blipFill>
+        <p:spPr>
+          <a:xfrm>
+            <a:off x="5052212" y="2243391"/>
+            <a:ext cx="6300000" cy="2371217"/>
+          </a:xfrm>
+        </p:spPr>
+      </p:pic>
+    </p:spTree>
+    <p:extLst>
+      <p:ext uri="{BB962C8B-B14F-4D97-AF65-F5344CB8AC3E}">
+        <p14:creationId xmlns:p14="http://schemas.microsoft.com/office/powerpoint/2010/main" val="1368056961"/>
+      </p:ext>
+    </p:extLst>
+  </p:cSld>
+  <p:clrMapOvr>
+    <a:masterClrMapping/>
+  </p:clrMapOvr>
+  <mc:AlternateContent xmlns:mc="http://schemas.openxmlformats.org/markup-compatibility/2006" xmlns:p14="http://schemas.microsoft.com/office/powerpoint/2010/main">
+    <mc:Choice Requires="p14">
+      <p:transition p14:dur="250">
+        <p:fade/>
+      </p:transition>
+    </mc:Choice>
+    <mc:Fallback xmlns="">
+      <p:transition>
+        <p:fade/>
+      </p:transition>
+    </mc:Fallback>
+  </mc:AlternateContent>
+</p:sld>
+</file>
+
+<file path=ppt/slides/slide8.xml><?xml version="1.0" encoding="utf-8"?>
+<p:sld xmlns:a="http://schemas.openxmlformats.org/drawingml/2006/main" xmlns:r="http://schemas.openxmlformats.org/officeDocument/2006/relationships" xmlns:p="http://schemas.openxmlformats.org/presentationml/2006/main">
+  <p:cSld>
+    <p:spTree>
+      <p:nvGrpSpPr>
+        <p:cNvPr id="1" name="">
+          <a:extLst>
+            <a:ext uri="{FF2B5EF4-FFF2-40B4-BE49-F238E27FC236}">
+              <a16:creationId xmlns:a16="http://schemas.microsoft.com/office/drawing/2014/main" id="{F290E7EA-0753-35BF-8F67-1A9886E77D7A}"/>
+            </a:ext>
+          </a:extLst>
+        </p:cNvPr>
+        <p:cNvGrpSpPr/>
+        <p:nvPr/>
+      </p:nvGrpSpPr>
+      <p:grpSpPr>
+        <a:xfrm>
+          <a:off x="0" y="0"/>
+          <a:ext cx="0" cy="0"/>
+          <a:chOff x="0" y="0"/>
+          <a:chExt cx="0" cy="0"/>
+        </a:xfrm>
+      </p:grpSpPr>
+      <p:sp>
+        <p:nvSpPr>
+          <p:cNvPr id="5" name="Footer Placeholder 4">
+            <a:extLst>
+              <a:ext uri="{FF2B5EF4-FFF2-40B4-BE49-F238E27FC236}">
+                <a16:creationId xmlns:a16="http://schemas.microsoft.com/office/drawing/2014/main" id="{F0AC121D-7D1D-F01D-C4F5-E50C916F8321}"/>
+              </a:ext>
+            </a:extLst>
+          </p:cNvPr>
+          <p:cNvSpPr>
+            <a:spLocks noGrp="1"/>
+          </p:cNvSpPr>
+          <p:nvPr>
+            <p:ph type="ftr" sz="quarter" idx="11"/>
+          </p:nvPr>
+        </p:nvSpPr>
+        <p:spPr>
+          <a:xfrm>
+            <a:off x="4038600" y="6460780"/>
+            <a:ext cx="4114800" cy="365125"/>
+          </a:xfrm>
+        </p:spPr>
+        <p:txBody>
+          <a:bodyPr/>
+          <a:lstStyle/>
+          <a:p>
+            <a:endParaRPr lang="en-DE" dirty="0"/>
+          </a:p>
+        </p:txBody>
+      </p:sp>
+      <p:sp>
+        <p:nvSpPr>
+          <p:cNvPr id="6" name="Slide Number Placeholder 5">
+            <a:extLst>
+              <a:ext uri="{FF2B5EF4-FFF2-40B4-BE49-F238E27FC236}">
+                <a16:creationId xmlns:a16="http://schemas.microsoft.com/office/drawing/2014/main" id="{95FADC1C-A9F0-1CE7-93ED-E7B17B63C592}"/>
+              </a:ext>
+            </a:extLst>
+          </p:cNvPr>
+          <p:cNvSpPr>
+            <a:spLocks noGrp="1"/>
+          </p:cNvSpPr>
+          <p:nvPr>
+            <p:ph type="sldNum" sz="quarter" idx="12"/>
+          </p:nvPr>
+        </p:nvSpPr>
+        <p:spPr/>
+        <p:txBody>
+          <a:bodyPr/>
+          <a:lstStyle/>
+          <a:p>
+            <a:fld id="{85AD0FBD-6BBA-814F-8B91-048ECB0E8981}" type="slidenum">
+              <a:rPr lang="en-DE" smtClean="0"/>
+              <a:t>8</a:t>
+            </a:fld>
+            <a:endParaRPr lang="en-DE" dirty="0"/>
+          </a:p>
+        </p:txBody>
+      </p:sp>
+      <p:sp>
+        <p:nvSpPr>
+          <p:cNvPr id="7" name="Text Placeholder 6">
+            <a:extLst>
+              <a:ext uri="{FF2B5EF4-FFF2-40B4-BE49-F238E27FC236}">
+                <a16:creationId xmlns:a16="http://schemas.microsoft.com/office/drawing/2014/main" id="{B16A7953-DF78-6AA3-9624-04A4723400A5}"/>
+              </a:ext>
+            </a:extLst>
+          </p:cNvPr>
+          <p:cNvSpPr>
+            <a:spLocks noGrp="1"/>
+          </p:cNvSpPr>
+          <p:nvPr>
+            <p:ph type="body" sz="quarter" idx="13"/>
+          </p:nvPr>
+        </p:nvSpPr>
+        <p:spPr/>
+        <p:txBody>
+          <a:bodyPr/>
+          <a:lstStyle/>
+          <a:p>
+            <a:r>
+              <a:rPr lang="en-DE" dirty="0"/>
+              <a:t>Dataset</a:t>
+            </a:r>
+          </a:p>
+        </p:txBody>
+      </p:sp>
+      <p:pic>
+        <p:nvPicPr>
+          <p:cNvPr id="8" name="Content Placeholder 7">
+            <a:extLst>
+              <a:ext uri="{FF2B5EF4-FFF2-40B4-BE49-F238E27FC236}">
+                <a16:creationId xmlns:a16="http://schemas.microsoft.com/office/drawing/2014/main" id="{5295C137-3FF0-C7F7-9D6F-D6758579995D}"/>
+              </a:ext>
+            </a:extLst>
+          </p:cNvPr>
+          <p:cNvPicPr>
+            <a:picLocks noGrp="1" noChangeAspect="1"/>
+          </p:cNvPicPr>
+          <p:nvPr>
+            <p:ph idx="1"/>
+          </p:nvPr>
+        </p:nvPicPr>
+        <p:blipFill>
+          <a:blip r:embed="rId2"/>
+          <a:stretch>
+            <a:fillRect/>
+          </a:stretch>
+        </p:blipFill>
+        <p:spPr>
+          <a:xfrm>
+            <a:off x="1146000" y="1565901"/>
+            <a:ext cx="9900000" cy="3726198"/>
+          </a:xfrm>
+        </p:spPr>
+      </p:pic>
+    </p:spTree>
+    <p:extLst>
+      <p:ext uri="{BB962C8B-B14F-4D97-AF65-F5344CB8AC3E}">
+        <p14:creationId xmlns:p14="http://schemas.microsoft.com/office/powerpoint/2010/main" val="2156256217"/>
+      </p:ext>
+    </p:extLst>
+  </p:cSld>
+  <p:clrMapOvr>
+    <a:masterClrMapping/>
+  </p:clrMapOvr>
+  <mc:AlternateContent xmlns:mc="http://schemas.openxmlformats.org/markup-compatibility/2006" xmlns:p14="http://schemas.microsoft.com/office/powerpoint/2010/main">
+    <mc:Choice Requires="p14">
+      <p:transition p14:dur="250">
+        <p:fade/>
+      </p:transition>
+    </mc:Choice>
+    <mc:Fallback xmlns="">
+      <p:transition>
+        <p:fade/>
+      </p:transition>
+    </mc:Fallback>
+  </mc:AlternateContent>
+</p:sld>
+</file>
+
+<file path=ppt/slides/slide9.xml><?xml version="1.0" encoding="utf-8"?>
+<p:sld xmlns:a="http://schemas.openxmlformats.org/drawingml/2006/main" xmlns:r="http://schemas.openxmlformats.org/officeDocument/2006/relationships" xmlns:p="http://schemas.openxmlformats.org/presentationml/2006/main">
+  <p:cSld>
+    <p:spTree>
+      <p:nvGrpSpPr>
+        <p:cNvPr id="1" name=""/>
+        <p:cNvGrpSpPr/>
+        <p:nvPr/>
+      </p:nvGrpSpPr>
+      <p:grpSpPr>
+        <a:xfrm>
+          <a:off x="0" y="0"/>
+          <a:ext cx="0" cy="0"/>
+          <a:chOff x="0" y="0"/>
+          <a:chExt cx="0" cy="0"/>
+        </a:xfrm>
+      </p:grpSpPr>
+      <p:sp>
+        <p:nvSpPr>
+          <p:cNvPr id="2" name="Title 1">
+            <a:extLst>
+              <a:ext uri="{FF2B5EF4-FFF2-40B4-BE49-F238E27FC236}">
+                <a16:creationId xmlns:a16="http://schemas.microsoft.com/office/drawing/2014/main" id="{22905838-FD68-57E5-4E46-CF61CCB276D5}"/>
+              </a:ext>
+            </a:extLst>
+          </p:cNvPr>
+          <p:cNvSpPr>
+            <a:spLocks noGrp="1"/>
+          </p:cNvSpPr>
+          <p:nvPr>
+            <p:ph type="title"/>
+          </p:nvPr>
+        </p:nvSpPr>
+        <p:spPr>
+          <a:xfrm>
+            <a:off x="839788" y="0"/>
+            <a:ext cx="3932237" cy="6858000"/>
+          </a:xfrm>
+        </p:spPr>
+        <p:txBody>
+          <a:bodyPr anchor="ctr"/>
+          <a:lstStyle/>
+          <a:p>
+            <a:r>
+              <a:rPr lang="en-DE" b="1" dirty="0"/>
+              <a:t>Baseline Model</a:t>
+            </a:r>
+          </a:p>
+        </p:txBody>
+      </p:sp>
+      <p:sp>
+        <p:nvSpPr>
+          <p:cNvPr id="5" name="Footer Placeholder 4">
+            <a:extLst>
+              <a:ext uri="{FF2B5EF4-FFF2-40B4-BE49-F238E27FC236}">
+                <a16:creationId xmlns:a16="http://schemas.microsoft.com/office/drawing/2014/main" id="{67E68BA7-5FBC-7396-B0D4-510517E52637}"/>
+              </a:ext>
+            </a:extLst>
+          </p:cNvPr>
+          <p:cNvSpPr>
+            <a:spLocks noGrp="1"/>
+          </p:cNvSpPr>
+          <p:nvPr>
+            <p:ph type="ftr" sz="quarter" idx="11"/>
+          </p:nvPr>
+        </p:nvSpPr>
+        <p:spPr>
+          <a:xfrm>
+            <a:off x="4038600" y="6460780"/>
+            <a:ext cx="4114800" cy="365125"/>
+          </a:xfrm>
+        </p:spPr>
+        <p:txBody>
+          <a:bodyPr/>
+          <a:lstStyle/>
+          <a:p>
+            <a:endParaRPr lang="en-DE" dirty="0"/>
+          </a:p>
+        </p:txBody>
+      </p:sp>
+      <p:sp>
+        <p:nvSpPr>
+          <p:cNvPr id="6" name="Slide Number Placeholder 5">
+            <a:extLst>
+              <a:ext uri="{FF2B5EF4-FFF2-40B4-BE49-F238E27FC236}">
+                <a16:creationId xmlns:a16="http://schemas.microsoft.com/office/drawing/2014/main" id="{5385B372-2676-F769-396D-FBF940E5DD21}"/>
+              </a:ext>
+            </a:extLst>
+          </p:cNvPr>
+          <p:cNvSpPr>
+            <a:spLocks noGrp="1"/>
+          </p:cNvSpPr>
+          <p:nvPr>
+            <p:ph type="sldNum" sz="quarter" idx="12"/>
+          </p:nvPr>
+        </p:nvSpPr>
+        <p:spPr/>
+        <p:txBody>
+          <a:bodyPr/>
+          <a:lstStyle/>
+          <a:p>
+            <a:fld id="{85AD0FBD-6BBA-814F-8B91-048ECB0E8981}" type="slidenum">
+              <a:rPr lang="en-DE" smtClean="0"/>
+              <a:t>9</a:t>
+            </a:fld>
+            <a:endParaRPr lang="en-DE"/>
+          </a:p>
+        </p:txBody>
+      </p:sp>
+      <p:sp>
+        <p:nvSpPr>
+          <p:cNvPr id="7" name="Text Placeholder 6">
+            <a:extLst>
+              <a:ext uri="{FF2B5EF4-FFF2-40B4-BE49-F238E27FC236}">
+                <a16:creationId xmlns:a16="http://schemas.microsoft.com/office/drawing/2014/main" id="{E8E14692-3D3F-FD05-2656-C58061D4C9CC}"/>
+              </a:ext>
+            </a:extLst>
+          </p:cNvPr>
+          <p:cNvSpPr>
+            <a:spLocks noGrp="1"/>
+          </p:cNvSpPr>
+          <p:nvPr>
+            <p:ph type="body" sz="quarter" idx="13"/>
+          </p:nvPr>
+        </p:nvSpPr>
+        <p:spPr/>
+        <p:txBody>
+          <a:bodyPr/>
+          <a:lstStyle/>
+          <a:p>
+            <a:r>
+              <a:rPr lang="en-DE" dirty="0"/>
+              <a:t>Baseline Model</a:t>
+            </a:r>
+          </a:p>
+        </p:txBody>
+      </p:sp>
+      <p:pic>
+        <p:nvPicPr>
+          <p:cNvPr id="8" name="Content Placeholder 7">
+            <a:extLst>
+              <a:ext uri="{FF2B5EF4-FFF2-40B4-BE49-F238E27FC236}">
+                <a16:creationId xmlns:a16="http://schemas.microsoft.com/office/drawing/2014/main" id="{45EC6B7E-C966-9B0A-7EE9-322FADE1794C}"/>
+              </a:ext>
+            </a:extLst>
+          </p:cNvPr>
+          <p:cNvPicPr>
+            <a:picLocks noGrp="1" noChangeAspect="1"/>
+          </p:cNvPicPr>
+          <p:nvPr>
+            <p:ph idx="1"/>
+          </p:nvPr>
+        </p:nvPicPr>
+        <p:blipFill>
+          <a:blip r:embed="rId2">
+            <a:extLst>
+              <a:ext uri="{96DAC541-7B7A-43D3-8B79-37D633B846F1}">
+                <asvg:svgBlip xmlns:asvg="http://schemas.microsoft.com/office/drawing/2016/SVG/main" r:embed="rId3"/>
+              </a:ext>
+            </a:extLst>
+          </a:blip>
+          <a:stretch>
+            <a:fillRect/>
+          </a:stretch>
+        </p:blipFill>
+        <p:spPr>
+          <a:xfrm>
+            <a:off x="5334987" y="987425"/>
+            <a:ext cx="5868601" cy="4873625"/>
+          </a:xfrm>
+        </p:spPr>
+      </p:pic>
+      <p:pic>
+        <p:nvPicPr>
+          <p:cNvPr id="9" name="Picture 8" descr="A computer screen shot of a program&#10;&#10;Description automatically generated">
+            <a:extLst>
+              <a:ext uri="{FF2B5EF4-FFF2-40B4-BE49-F238E27FC236}">
+                <a16:creationId xmlns:a16="http://schemas.microsoft.com/office/drawing/2014/main" id="{670645C4-9DA0-1EC9-F633-601BD22F56EF}"/>
+              </a:ext>
+            </a:extLst>
+          </p:cNvPr>
+          <p:cNvPicPr>
+            <a:picLocks noChangeAspect="1"/>
+          </p:cNvPicPr>
+          <p:nvPr/>
+        </p:nvPicPr>
+        <p:blipFill>
+          <a:blip r:embed="rId4"/>
+          <a:stretch>
+            <a:fillRect/>
+          </a:stretch>
+        </p:blipFill>
+        <p:spPr>
+          <a:xfrm>
+            <a:off x="4772025" y="1446772"/>
+            <a:ext cx="7200000" cy="3954929"/>
+          </a:xfrm>
+          <a:prstGeom prst="rect">
+            <a:avLst/>
+          </a:prstGeom>
+        </p:spPr>
+      </p:pic>
+    </p:spTree>
+    <p:extLst>
+      <p:ext uri="{BB962C8B-B14F-4D97-AF65-F5344CB8AC3E}">
+        <p14:creationId xmlns:p14="http://schemas.microsoft.com/office/powerpoint/2010/main" val="3050490437"/>
       </p:ext>
     </p:extLst>
   </p:cSld>

--- a/4_Presentation/2024-01-09_presentation.pptx
+++ b/4_Presentation/2024-01-09_presentation.pptx
@@ -5,7 +5,7 @@
     <p:sldMasterId id="2147483648" r:id="rId1"/>
   </p:sldMasterIdLst>
   <p:notesMasterIdLst>
-    <p:notesMasterId r:id="rId18"/>
+    <p:notesMasterId r:id="rId19"/>
   </p:notesMasterIdLst>
   <p:sldIdLst>
     <p:sldId id="256" r:id="rId2"/>
@@ -23,48 +23,49 @@
     <p:sldId id="362" r:id="rId14"/>
     <p:sldId id="363" r:id="rId15"/>
     <p:sldId id="370" r:id="rId16"/>
-    <p:sldId id="369" r:id="rId17"/>
+    <p:sldId id="373" r:id="rId17"/>
+    <p:sldId id="369" r:id="rId18"/>
   </p:sldIdLst>
   <p:sldSz cx="12192000" cy="6858000"/>
   <p:notesSz cx="6858000" cy="9144000"/>
   <p:embeddedFontLst>
     <p:embeddedFont>
       <p:font typeface="Avenir Heavy" panose="02000503020000020003" pitchFamily="2" charset="0"/>
-      <p:bold r:id="rId19"/>
-      <p:italic r:id="rId20"/>
-      <p:boldItalic r:id="rId21"/>
+      <p:bold r:id="rId20"/>
+      <p:italic r:id="rId21"/>
+      <p:boldItalic r:id="rId22"/>
     </p:embeddedFont>
     <p:embeddedFont>
       <p:font typeface="Avenir Medium" panose="02000503020000020003" pitchFamily="2" charset="0"/>
-      <p:regular r:id="rId22"/>
-      <p:italic r:id="rId23"/>
+      <p:regular r:id="rId23"/>
+      <p:italic r:id="rId24"/>
     </p:embeddedFont>
     <p:embeddedFont>
       <p:font typeface="JetBrains Mono" panose="02000009000000000000" pitchFamily="49" charset="0"/>
-      <p:regular r:id="rId24"/>
-      <p:bold r:id="rId25"/>
-      <p:italic r:id="rId26"/>
-      <p:boldItalic r:id="rId27"/>
+      <p:regular r:id="rId25"/>
+      <p:bold r:id="rId26"/>
+      <p:italic r:id="rId27"/>
+      <p:boldItalic r:id="rId28"/>
     </p:embeddedFont>
     <p:embeddedFont>
       <p:font typeface="Verdana Pro" panose="020B0604030504040204" pitchFamily="34" charset="0"/>
-      <p:regular r:id="rId28"/>
-      <p:bold r:id="rId29"/>
-      <p:italic r:id="rId30"/>
-      <p:boldItalic r:id="rId31"/>
+      <p:regular r:id="rId29"/>
+      <p:bold r:id="rId30"/>
+      <p:italic r:id="rId31"/>
+      <p:boldItalic r:id="rId32"/>
     </p:embeddedFont>
     <p:embeddedFont>
       <p:font typeface="Verdana Pro Black" panose="020B0604030504040204" pitchFamily="34" charset="0"/>
-      <p:bold r:id="rId32"/>
-      <p:italic r:id="rId33"/>
-      <p:boldItalic r:id="rId34"/>
+      <p:bold r:id="rId33"/>
+      <p:italic r:id="rId34"/>
+      <p:boldItalic r:id="rId35"/>
     </p:embeddedFont>
     <p:embeddedFont>
       <p:font typeface="Verdana Pro Semibold" panose="020B0604030504040204" pitchFamily="34" charset="0"/>
-      <p:regular r:id="rId35"/>
-      <p:bold r:id="rId36"/>
-      <p:italic r:id="rId37"/>
-      <p:boldItalic r:id="rId38"/>
+      <p:regular r:id="rId36"/>
+      <p:bold r:id="rId37"/>
+      <p:italic r:id="rId38"/>
+      <p:boldItalic r:id="rId39"/>
     </p:embeddedFont>
   </p:embeddedFontLst>
   <p:defaultTextStyle>
@@ -257,7 +258,7 @@
             <a:fld id="{26127E39-6CF5-D44E-8E83-DC46742C04B1}" type="datetimeFigureOut">
               <a:rPr lang="en-DE" smtClean="0"/>
               <a:pPr/>
-              <a:t>22.01.24</a:t>
+              <a:t>1/23/24</a:t>
             </a:fld>
             <a:endParaRPr lang="en-DE" dirty="0"/>
           </a:p>
@@ -6698,10 +6699,10 @@
       </p:grpSpPr>
       <p:sp>
         <p:nvSpPr>
-          <p:cNvPr id="2" name="Title 1">
-            <a:extLst>
-              <a:ext uri="{FF2B5EF4-FFF2-40B4-BE49-F238E27FC236}">
-                <a16:creationId xmlns:a16="http://schemas.microsoft.com/office/drawing/2014/main" id="{A3CD5B0A-0977-4525-4150-499132F191DE}"/>
+          <p:cNvPr id="8" name="Title 7">
+            <a:extLst>
+              <a:ext uri="{FF2B5EF4-FFF2-40B4-BE49-F238E27FC236}">
+                <a16:creationId xmlns:a16="http://schemas.microsoft.com/office/drawing/2014/main" id="{23152988-AF80-E1CB-A7CA-C4BA551D33E3}"/>
               </a:ext>
             </a:extLst>
           </p:cNvPr>
@@ -6718,43 +6719,47 @@
           <a:lstStyle/>
           <a:p>
             <a:r>
-              <a:rPr lang="en-DE" dirty="0"/>
-              <a:t>Worst Fail</a:t>
-            </a:r>
-          </a:p>
-        </p:txBody>
-      </p:sp>
-      <p:sp>
-        <p:nvSpPr>
-          <p:cNvPr id="3" name="Content Placeholder 2">
-            <a:extLst>
-              <a:ext uri="{FF2B5EF4-FFF2-40B4-BE49-F238E27FC236}">
-                <a16:creationId xmlns:a16="http://schemas.microsoft.com/office/drawing/2014/main" id="{DD022BE6-0B66-57CD-6E05-F9C2DBEDE0AB}"/>
-              </a:ext>
-            </a:extLst>
-          </p:cNvPr>
-          <p:cNvSpPr>
-            <a:spLocks noGrp="1"/>
-          </p:cNvSpPr>
+              <a:rPr lang="en-US" dirty="0"/>
+              <a:t>Loss function</a:t>
+            </a:r>
+          </a:p>
+        </p:txBody>
+      </p:sp>
+      <p:pic>
+        <p:nvPicPr>
+          <p:cNvPr id="12" name="Content Placeholder 11">
+            <a:extLst>
+              <a:ext uri="{FF2B5EF4-FFF2-40B4-BE49-F238E27FC236}">
+                <a16:creationId xmlns:a16="http://schemas.microsoft.com/office/drawing/2014/main" id="{BE3AFCEA-59C2-228E-2706-F93731C068D5}"/>
+              </a:ext>
+            </a:extLst>
+          </p:cNvPr>
+          <p:cNvPicPr>
+            <a:picLocks noGrp="1" noChangeAspect="1"/>
+          </p:cNvPicPr>
           <p:nvPr>
             <p:ph idx="1"/>
           </p:nvPr>
-        </p:nvSpPr>
-        <p:spPr/>
-        <p:txBody>
-          <a:bodyPr/>
-          <a:lstStyle/>
-          <a:p>
-            <a:endParaRPr lang="en-DE"/>
-          </a:p>
-        </p:txBody>
-      </p:sp>
-      <p:sp>
-        <p:nvSpPr>
-          <p:cNvPr id="4" name="Slide Number Placeholder 3">
-            <a:extLst>
-              <a:ext uri="{FF2B5EF4-FFF2-40B4-BE49-F238E27FC236}">
-                <a16:creationId xmlns:a16="http://schemas.microsoft.com/office/drawing/2014/main" id="{333A58C2-ECCF-F378-8E87-DFFEE33224AC}"/>
+        </p:nvPicPr>
+        <p:blipFill>
+          <a:blip r:embed="rId2"/>
+          <a:stretch>
+            <a:fillRect/>
+          </a:stretch>
+        </p:blipFill>
+        <p:spPr>
+          <a:xfrm>
+            <a:off x="2711626" y="1690688"/>
+            <a:ext cx="6768748" cy="4351338"/>
+          </a:xfrm>
+        </p:spPr>
+      </p:pic>
+      <p:sp>
+        <p:nvSpPr>
+          <p:cNvPr id="5" name="Slide Number Placeholder 4">
+            <a:extLst>
+              <a:ext uri="{FF2B5EF4-FFF2-40B4-BE49-F238E27FC236}">
+                <a16:creationId xmlns:a16="http://schemas.microsoft.com/office/drawing/2014/main" id="{0EC4C9C4-309D-F8BB-8CF2-56EA27311A57}"/>
               </a:ext>
             </a:extLst>
           </p:cNvPr>
@@ -6773,6 +6778,186 @@
             <a:fld id="{85AD0FBD-6BBA-814F-8B91-048ECB0E8981}" type="slidenum">
               <a:rPr lang="en-DE" smtClean="0"/>
               <a:t>16</a:t>
+            </a:fld>
+            <a:endParaRPr lang="en-DE"/>
+          </a:p>
+        </p:txBody>
+      </p:sp>
+      <p:sp>
+        <p:nvSpPr>
+          <p:cNvPr id="10" name="Text Placeholder 9">
+            <a:extLst>
+              <a:ext uri="{FF2B5EF4-FFF2-40B4-BE49-F238E27FC236}">
+                <a16:creationId xmlns:a16="http://schemas.microsoft.com/office/drawing/2014/main" id="{BD5556C1-47FE-DD7A-AE89-9EEFCE43A5B2}"/>
+              </a:ext>
+            </a:extLst>
+          </p:cNvPr>
+          <p:cNvSpPr>
+            <a:spLocks noGrp="1"/>
+          </p:cNvSpPr>
+          <p:nvPr>
+            <p:ph type="body" sz="quarter" idx="13"/>
+          </p:nvPr>
+        </p:nvSpPr>
+        <p:spPr/>
+        <p:txBody>
+          <a:bodyPr/>
+          <a:lstStyle/>
+          <a:p>
+            <a:r>
+              <a:rPr lang="en-US" dirty="0"/>
+              <a:t>Neural Network</a:t>
+            </a:r>
+          </a:p>
+        </p:txBody>
+      </p:sp>
+      <p:sp>
+        <p:nvSpPr>
+          <p:cNvPr id="7" name="Footer Placeholder 6">
+            <a:extLst>
+              <a:ext uri="{FF2B5EF4-FFF2-40B4-BE49-F238E27FC236}">
+                <a16:creationId xmlns:a16="http://schemas.microsoft.com/office/drawing/2014/main" id="{A5034B97-508A-1E44-4B8E-0FFE6E6D93B4}"/>
+              </a:ext>
+            </a:extLst>
+          </p:cNvPr>
+          <p:cNvSpPr>
+            <a:spLocks noGrp="1"/>
+          </p:cNvSpPr>
+          <p:nvPr>
+            <p:ph type="ftr" sz="quarter" idx="11"/>
+          </p:nvPr>
+        </p:nvSpPr>
+        <p:spPr/>
+        <p:txBody>
+          <a:bodyPr/>
+          <a:lstStyle/>
+          <a:p>
+            <a:endParaRPr lang="en-DE" dirty="0"/>
+          </a:p>
+        </p:txBody>
+      </p:sp>
+    </p:spTree>
+    <p:extLst>
+      <p:ext uri="{BB962C8B-B14F-4D97-AF65-F5344CB8AC3E}">
+        <p14:creationId xmlns:p14="http://schemas.microsoft.com/office/powerpoint/2010/main" val="3132484701"/>
+      </p:ext>
+    </p:extLst>
+  </p:cSld>
+  <p:clrMapOvr>
+    <a:masterClrMapping/>
+  </p:clrMapOvr>
+  <mc:AlternateContent xmlns:mc="http://schemas.openxmlformats.org/markup-compatibility/2006" xmlns:p14="http://schemas.microsoft.com/office/powerpoint/2010/main">
+    <mc:Choice Requires="p14">
+      <p:transition p14:dur="250">
+        <p:fade/>
+      </p:transition>
+    </mc:Choice>
+    <mc:Fallback xmlns="">
+      <p:transition>
+        <p:fade/>
+      </p:transition>
+    </mc:Fallback>
+  </mc:AlternateContent>
+</p:sld>
+</file>
+
+<file path=ppt/slides/slide17.xml><?xml version="1.0" encoding="utf-8"?>
+<p:sld xmlns:a="http://schemas.openxmlformats.org/drawingml/2006/main" xmlns:r="http://schemas.openxmlformats.org/officeDocument/2006/relationships" xmlns:p="http://schemas.openxmlformats.org/presentationml/2006/main">
+  <p:cSld>
+    <p:spTree>
+      <p:nvGrpSpPr>
+        <p:cNvPr id="1" name=""/>
+        <p:cNvGrpSpPr/>
+        <p:nvPr/>
+      </p:nvGrpSpPr>
+      <p:grpSpPr>
+        <a:xfrm>
+          <a:off x="0" y="0"/>
+          <a:ext cx="0" cy="0"/>
+          <a:chOff x="0" y="0"/>
+          <a:chExt cx="0" cy="0"/>
+        </a:xfrm>
+      </p:grpSpPr>
+      <p:sp>
+        <p:nvSpPr>
+          <p:cNvPr id="2" name="Title 1">
+            <a:extLst>
+              <a:ext uri="{FF2B5EF4-FFF2-40B4-BE49-F238E27FC236}">
+                <a16:creationId xmlns:a16="http://schemas.microsoft.com/office/drawing/2014/main" id="{A3CD5B0A-0977-4525-4150-499132F191DE}"/>
+              </a:ext>
+            </a:extLst>
+          </p:cNvPr>
+          <p:cNvSpPr>
+            <a:spLocks noGrp="1"/>
+          </p:cNvSpPr>
+          <p:nvPr>
+            <p:ph type="title"/>
+          </p:nvPr>
+        </p:nvSpPr>
+        <p:spPr/>
+        <p:txBody>
+          <a:bodyPr/>
+          <a:lstStyle/>
+          <a:p>
+            <a:r>
+              <a:rPr lang="en-DE" dirty="0"/>
+              <a:t>Worst Fail</a:t>
+            </a:r>
+          </a:p>
+        </p:txBody>
+      </p:sp>
+      <p:sp>
+        <p:nvSpPr>
+          <p:cNvPr id="3" name="Content Placeholder 2">
+            <a:extLst>
+              <a:ext uri="{FF2B5EF4-FFF2-40B4-BE49-F238E27FC236}">
+                <a16:creationId xmlns:a16="http://schemas.microsoft.com/office/drawing/2014/main" id="{DD022BE6-0B66-57CD-6E05-F9C2DBEDE0AB}"/>
+              </a:ext>
+            </a:extLst>
+          </p:cNvPr>
+          <p:cNvSpPr>
+            <a:spLocks noGrp="1"/>
+          </p:cNvSpPr>
+          <p:nvPr>
+            <p:ph idx="1"/>
+          </p:nvPr>
+        </p:nvSpPr>
+        <p:spPr/>
+        <p:txBody>
+          <a:bodyPr/>
+          <a:lstStyle/>
+          <a:p>
+            <a:r>
+              <a:rPr lang="de-DE" dirty="0"/>
+              <a:t>zu hohe Dropout Rate gewählt</a:t>
+            </a:r>
+          </a:p>
+        </p:txBody>
+      </p:sp>
+      <p:sp>
+        <p:nvSpPr>
+          <p:cNvPr id="4" name="Slide Number Placeholder 3">
+            <a:extLst>
+              <a:ext uri="{FF2B5EF4-FFF2-40B4-BE49-F238E27FC236}">
+                <a16:creationId xmlns:a16="http://schemas.microsoft.com/office/drawing/2014/main" id="{333A58C2-ECCF-F378-8E87-DFFEE33224AC}"/>
+              </a:ext>
+            </a:extLst>
+          </p:cNvPr>
+          <p:cNvSpPr>
+            <a:spLocks noGrp="1"/>
+          </p:cNvSpPr>
+          <p:nvPr>
+            <p:ph type="sldNum" sz="quarter" idx="12"/>
+          </p:nvPr>
+        </p:nvSpPr>
+        <p:spPr/>
+        <p:txBody>
+          <a:bodyPr/>
+          <a:lstStyle/>
+          <a:p>
+            <a:fld id="{85AD0FBD-6BBA-814F-8B91-048ECB0E8981}" type="slidenum">
+              <a:rPr lang="en-DE" smtClean="0"/>
+              <a:t>17</a:t>
             </a:fld>
             <a:endParaRPr lang="en-DE"/>
           </a:p>

--- a/4_Presentation/2024-01-09_presentation.pptx
+++ b/4_Presentation/2024-01-09_presentation.pptx
@@ -5,7 +5,7 @@
     <p:sldMasterId id="2147483648" r:id="rId1"/>
   </p:sldMasterIdLst>
   <p:notesMasterIdLst>
-    <p:notesMasterId r:id="rId19"/>
+    <p:notesMasterId r:id="rId18"/>
   </p:notesMasterIdLst>
   <p:sldIdLst>
     <p:sldId id="256" r:id="rId2"/>
@@ -24,48 +24,47 @@
     <p:sldId id="363" r:id="rId15"/>
     <p:sldId id="370" r:id="rId16"/>
     <p:sldId id="373" r:id="rId17"/>
-    <p:sldId id="369" r:id="rId18"/>
   </p:sldIdLst>
   <p:sldSz cx="12192000" cy="6858000"/>
   <p:notesSz cx="6858000" cy="9144000"/>
   <p:embeddedFontLst>
     <p:embeddedFont>
       <p:font typeface="Avenir Heavy" panose="02000503020000020003" pitchFamily="2" charset="0"/>
-      <p:bold r:id="rId20"/>
-      <p:italic r:id="rId21"/>
-      <p:boldItalic r:id="rId22"/>
+      <p:bold r:id="rId19"/>
+      <p:italic r:id="rId20"/>
+      <p:boldItalic r:id="rId21"/>
     </p:embeddedFont>
     <p:embeddedFont>
       <p:font typeface="Avenir Medium" panose="02000503020000020003" pitchFamily="2" charset="0"/>
-      <p:regular r:id="rId23"/>
-      <p:italic r:id="rId24"/>
+      <p:regular r:id="rId22"/>
+      <p:italic r:id="rId23"/>
     </p:embeddedFont>
     <p:embeddedFont>
       <p:font typeface="JetBrains Mono" panose="02000009000000000000" pitchFamily="49" charset="0"/>
-      <p:regular r:id="rId25"/>
-      <p:bold r:id="rId26"/>
-      <p:italic r:id="rId27"/>
-      <p:boldItalic r:id="rId28"/>
+      <p:regular r:id="rId24"/>
+      <p:bold r:id="rId25"/>
+      <p:italic r:id="rId26"/>
+      <p:boldItalic r:id="rId27"/>
     </p:embeddedFont>
     <p:embeddedFont>
       <p:font typeface="Verdana Pro" panose="020B0604030504040204" pitchFamily="34" charset="0"/>
-      <p:regular r:id="rId29"/>
-      <p:bold r:id="rId30"/>
-      <p:italic r:id="rId31"/>
-      <p:boldItalic r:id="rId32"/>
+      <p:regular r:id="rId28"/>
+      <p:bold r:id="rId29"/>
+      <p:italic r:id="rId30"/>
+      <p:boldItalic r:id="rId31"/>
     </p:embeddedFont>
     <p:embeddedFont>
       <p:font typeface="Verdana Pro Black" panose="020B0604030504040204" pitchFamily="34" charset="0"/>
-      <p:bold r:id="rId33"/>
-      <p:italic r:id="rId34"/>
-      <p:boldItalic r:id="rId35"/>
+      <p:bold r:id="rId32"/>
+      <p:italic r:id="rId33"/>
+      <p:boldItalic r:id="rId34"/>
     </p:embeddedFont>
     <p:embeddedFont>
       <p:font typeface="Verdana Pro Semibold" panose="020B0604030504040204" pitchFamily="34" charset="0"/>
-      <p:regular r:id="rId36"/>
-      <p:bold r:id="rId37"/>
-      <p:italic r:id="rId38"/>
-      <p:boldItalic r:id="rId39"/>
+      <p:regular r:id="rId35"/>
+      <p:bold r:id="rId36"/>
+      <p:italic r:id="rId37"/>
+      <p:boldItalic r:id="rId38"/>
     </p:embeddedFont>
   </p:embeddedFontLst>
   <p:defaultTextStyle>
@@ -6840,183 +6839,6 @@
     <p:extLst>
       <p:ext uri="{BB962C8B-B14F-4D97-AF65-F5344CB8AC3E}">
         <p14:creationId xmlns:p14="http://schemas.microsoft.com/office/powerpoint/2010/main" val="3132484701"/>
-      </p:ext>
-    </p:extLst>
-  </p:cSld>
-  <p:clrMapOvr>
-    <a:masterClrMapping/>
-  </p:clrMapOvr>
-  <mc:AlternateContent xmlns:mc="http://schemas.openxmlformats.org/markup-compatibility/2006" xmlns:p14="http://schemas.microsoft.com/office/powerpoint/2010/main">
-    <mc:Choice Requires="p14">
-      <p:transition p14:dur="250">
-        <p:fade/>
-      </p:transition>
-    </mc:Choice>
-    <mc:Fallback xmlns="">
-      <p:transition>
-        <p:fade/>
-      </p:transition>
-    </mc:Fallback>
-  </mc:AlternateContent>
-</p:sld>
-</file>
-
-<file path=ppt/slides/slide17.xml><?xml version="1.0" encoding="utf-8"?>
-<p:sld xmlns:a="http://schemas.openxmlformats.org/drawingml/2006/main" xmlns:r="http://schemas.openxmlformats.org/officeDocument/2006/relationships" xmlns:p="http://schemas.openxmlformats.org/presentationml/2006/main">
-  <p:cSld>
-    <p:spTree>
-      <p:nvGrpSpPr>
-        <p:cNvPr id="1" name=""/>
-        <p:cNvGrpSpPr/>
-        <p:nvPr/>
-      </p:nvGrpSpPr>
-      <p:grpSpPr>
-        <a:xfrm>
-          <a:off x="0" y="0"/>
-          <a:ext cx="0" cy="0"/>
-          <a:chOff x="0" y="0"/>
-          <a:chExt cx="0" cy="0"/>
-        </a:xfrm>
-      </p:grpSpPr>
-      <p:sp>
-        <p:nvSpPr>
-          <p:cNvPr id="2" name="Title 1">
-            <a:extLst>
-              <a:ext uri="{FF2B5EF4-FFF2-40B4-BE49-F238E27FC236}">
-                <a16:creationId xmlns:a16="http://schemas.microsoft.com/office/drawing/2014/main" id="{A3CD5B0A-0977-4525-4150-499132F191DE}"/>
-              </a:ext>
-            </a:extLst>
-          </p:cNvPr>
-          <p:cNvSpPr>
-            <a:spLocks noGrp="1"/>
-          </p:cNvSpPr>
-          <p:nvPr>
-            <p:ph type="title"/>
-          </p:nvPr>
-        </p:nvSpPr>
-        <p:spPr/>
-        <p:txBody>
-          <a:bodyPr/>
-          <a:lstStyle/>
-          <a:p>
-            <a:r>
-              <a:rPr lang="en-DE" dirty="0"/>
-              <a:t>Worst Fail</a:t>
-            </a:r>
-          </a:p>
-        </p:txBody>
-      </p:sp>
-      <p:sp>
-        <p:nvSpPr>
-          <p:cNvPr id="3" name="Content Placeholder 2">
-            <a:extLst>
-              <a:ext uri="{FF2B5EF4-FFF2-40B4-BE49-F238E27FC236}">
-                <a16:creationId xmlns:a16="http://schemas.microsoft.com/office/drawing/2014/main" id="{DD022BE6-0B66-57CD-6E05-F9C2DBEDE0AB}"/>
-              </a:ext>
-            </a:extLst>
-          </p:cNvPr>
-          <p:cNvSpPr>
-            <a:spLocks noGrp="1"/>
-          </p:cNvSpPr>
-          <p:nvPr>
-            <p:ph idx="1"/>
-          </p:nvPr>
-        </p:nvSpPr>
-        <p:spPr/>
-        <p:txBody>
-          <a:bodyPr/>
-          <a:lstStyle/>
-          <a:p>
-            <a:r>
-              <a:rPr lang="de-DE" dirty="0"/>
-              <a:t>zu hohe Dropout Rate gewählt</a:t>
-            </a:r>
-          </a:p>
-        </p:txBody>
-      </p:sp>
-      <p:sp>
-        <p:nvSpPr>
-          <p:cNvPr id="4" name="Slide Number Placeholder 3">
-            <a:extLst>
-              <a:ext uri="{FF2B5EF4-FFF2-40B4-BE49-F238E27FC236}">
-                <a16:creationId xmlns:a16="http://schemas.microsoft.com/office/drawing/2014/main" id="{333A58C2-ECCF-F378-8E87-DFFEE33224AC}"/>
-              </a:ext>
-            </a:extLst>
-          </p:cNvPr>
-          <p:cNvSpPr>
-            <a:spLocks noGrp="1"/>
-          </p:cNvSpPr>
-          <p:nvPr>
-            <p:ph type="sldNum" sz="quarter" idx="12"/>
-          </p:nvPr>
-        </p:nvSpPr>
-        <p:spPr/>
-        <p:txBody>
-          <a:bodyPr/>
-          <a:lstStyle/>
-          <a:p>
-            <a:fld id="{85AD0FBD-6BBA-814F-8B91-048ECB0E8981}" type="slidenum">
-              <a:rPr lang="en-DE" smtClean="0"/>
-              <a:t>17</a:t>
-            </a:fld>
-            <a:endParaRPr lang="en-DE"/>
-          </a:p>
-        </p:txBody>
-      </p:sp>
-      <p:sp>
-        <p:nvSpPr>
-          <p:cNvPr id="5" name="Text Placeholder 4">
-            <a:extLst>
-              <a:ext uri="{FF2B5EF4-FFF2-40B4-BE49-F238E27FC236}">
-                <a16:creationId xmlns:a16="http://schemas.microsoft.com/office/drawing/2014/main" id="{26DA3D95-051D-5C83-9E2F-99DD79559750}"/>
-              </a:ext>
-            </a:extLst>
-          </p:cNvPr>
-          <p:cNvSpPr>
-            <a:spLocks noGrp="1"/>
-          </p:cNvSpPr>
-          <p:nvPr>
-            <p:ph type="body" sz="quarter" idx="13"/>
-          </p:nvPr>
-        </p:nvSpPr>
-        <p:spPr/>
-        <p:txBody>
-          <a:bodyPr/>
-          <a:lstStyle/>
-          <a:p>
-            <a:endParaRPr lang="en-DE"/>
-          </a:p>
-        </p:txBody>
-      </p:sp>
-      <p:sp>
-        <p:nvSpPr>
-          <p:cNvPr id="6" name="Footer Placeholder 5">
-            <a:extLst>
-              <a:ext uri="{FF2B5EF4-FFF2-40B4-BE49-F238E27FC236}">
-                <a16:creationId xmlns:a16="http://schemas.microsoft.com/office/drawing/2014/main" id="{5AF698DE-F02B-1999-E12F-719A724D4677}"/>
-              </a:ext>
-            </a:extLst>
-          </p:cNvPr>
-          <p:cNvSpPr>
-            <a:spLocks noGrp="1"/>
-          </p:cNvSpPr>
-          <p:nvPr>
-            <p:ph type="ftr" sz="quarter" idx="11"/>
-          </p:nvPr>
-        </p:nvSpPr>
-        <p:spPr/>
-        <p:txBody>
-          <a:bodyPr/>
-          <a:lstStyle/>
-          <a:p>
-            <a:endParaRPr lang="en-DE" dirty="0"/>
-          </a:p>
-        </p:txBody>
-      </p:sp>
-    </p:spTree>
-    <p:extLst>
-      <p:ext uri="{BB962C8B-B14F-4D97-AF65-F5344CB8AC3E}">
-        <p14:creationId xmlns:p14="http://schemas.microsoft.com/office/powerpoint/2010/main" val="1456294249"/>
       </p:ext>
     </p:extLst>
   </p:cSld>
